--- a/LEVEL 4 & 5.pptx
+++ b/LEVEL 4 & 5.pptx
@@ -8,6 +8,15 @@
   <p:sldIdLst>
     <p:sldId id="256" r:id="rId3"/>
     <p:sldId id="257" r:id="rId4"/>
+    <p:sldId id="258" r:id="rId5"/>
+    <p:sldId id="259" r:id="rId6"/>
+    <p:sldId id="264" r:id="rId7"/>
+    <p:sldId id="260" r:id="rId8"/>
+    <p:sldId id="261" r:id="rId9"/>
+    <p:sldId id="265" r:id="rId10"/>
+    <p:sldId id="263" r:id="rId11"/>
+    <p:sldId id="266" r:id="rId12"/>
+    <p:sldId id="262" r:id="rId13"/>
   </p:sldIdLst>
   <p:sldSz cx="12192000" cy="6858000"/>
   <p:notesSz cx="6858000" cy="9144000"/>
@@ -106,11 +115,16 @@
       </a:defRPr>
     </a:lvl9pPr>
   </p:defaultTextStyle>
+  <p:extLst>
+    <p:ext uri="{EFAFB233-063F-42B5-8137-9DF3F51BA10A}">
+      <p15:sldGuideLst xmlns:p15="http://schemas.microsoft.com/office/powerpoint/2012/main"/>
+    </p:ext>
+  </p:extLst>
 </p:presentation>
 </file>
 
 <file path=ppt/slideLayouts/slideLayout1.xml><?xml version="1.0" encoding="utf-8"?>
-<p:sldLayout xmlns:a="http://schemas.openxmlformats.org/drawingml/2006/main" xmlns:r="http://schemas.openxmlformats.org/officeDocument/2006/relationships" xmlns:p="http://schemas.openxmlformats.org/presentationml/2006/main" showMasterSp="0" type="title" preserve="1">
+<p:sldLayout xmlns:a="http://schemas.openxmlformats.org/drawingml/2006/main" xmlns:r="http://schemas.openxmlformats.org/officeDocument/2006/relationships" xmlns:p="http://schemas.openxmlformats.org/presentationml/2006/main" type="title" preserve="1">
   <p:cSld name="Title Slide">
     <p:spTree>
       <p:nvGrpSpPr>
@@ -300,7 +314,7 @@
           <a:p>
             <a:fld id="{0E520F00-71AE-4099-9421-19B948D8B007}" type="datetimeFigureOut">
               <a:rPr lang="en-GB" smtClean="0"/>
-              <a:t>05/02/2018</a:t>
+              <a:t>06/02/2018</a:t>
             </a:fld>
             <a:endParaRPr lang="en-GB"/>
           </a:p>
@@ -736,7 +750,7 @@
           <a:p>
             <a:fld id="{0E520F00-71AE-4099-9421-19B948D8B007}" type="datetimeFigureOut">
               <a:rPr lang="en-GB" smtClean="0"/>
-              <a:t>05/02/2018</a:t>
+              <a:t>06/02/2018</a:t>
             </a:fld>
             <a:endParaRPr lang="en-GB"/>
           </a:p>
@@ -986,7 +1000,7 @@
           <a:p>
             <a:fld id="{0E520F00-71AE-4099-9421-19B948D8B007}" type="datetimeFigureOut">
               <a:rPr lang="en-GB" smtClean="0"/>
-              <a:t>05/02/2018</a:t>
+              <a:t>06/02/2018</a:t>
             </a:fld>
             <a:endParaRPr lang="en-GB"/>
           </a:p>
@@ -1294,7 +1308,7 @@
           <a:p>
             <a:fld id="{0E520F00-71AE-4099-9421-19B948D8B007}" type="datetimeFigureOut">
               <a:rPr lang="en-GB" smtClean="0"/>
-              <a:t>05/02/2018</a:t>
+              <a:t>06/02/2018</a:t>
             </a:fld>
             <a:endParaRPr lang="en-GB"/>
           </a:p>
@@ -1612,7 +1626,7 @@
           <a:p>
             <a:fld id="{0E520F00-71AE-4099-9421-19B948D8B007}" type="datetimeFigureOut">
               <a:rPr lang="en-GB" smtClean="0"/>
-              <a:t>05/02/2018</a:t>
+              <a:t>06/02/2018</a:t>
             </a:fld>
             <a:endParaRPr lang="en-GB"/>
           </a:p>
@@ -1914,7 +1928,7 @@
           <a:p>
             <a:fld id="{0E520F00-71AE-4099-9421-19B948D8B007}" type="datetimeFigureOut">
               <a:rPr lang="en-GB" smtClean="0"/>
-              <a:t>05/02/2018</a:t>
+              <a:t>06/02/2018</a:t>
             </a:fld>
             <a:endParaRPr lang="en-GB"/>
           </a:p>
@@ -2281,7 +2295,7 @@
           <a:p>
             <a:fld id="{0E520F00-71AE-4099-9421-19B948D8B007}" type="datetimeFigureOut">
               <a:rPr lang="en-GB" smtClean="0"/>
-              <a:t>05/02/2018</a:t>
+              <a:t>06/02/2018</a:t>
             </a:fld>
             <a:endParaRPr lang="en-GB"/>
           </a:p>
@@ -2455,7 +2469,7 @@
           <a:p>
             <a:fld id="{0E520F00-71AE-4099-9421-19B948D8B007}" type="datetimeFigureOut">
               <a:rPr lang="en-GB" smtClean="0"/>
-              <a:t>05/02/2018</a:t>
+              <a:t>06/02/2018</a:t>
             </a:fld>
             <a:endParaRPr lang="en-GB"/>
           </a:p>
@@ -2635,7 +2649,7 @@
           <a:p>
             <a:fld id="{0E520F00-71AE-4099-9421-19B948D8B007}" type="datetimeFigureOut">
               <a:rPr lang="en-GB" smtClean="0"/>
-              <a:t>05/02/2018</a:t>
+              <a:t>06/02/2018</a:t>
             </a:fld>
             <a:endParaRPr lang="en-GB"/>
           </a:p>
@@ -2892,7 +2906,7 @@
           <a:p>
             <a:fld id="{0E520F00-71AE-4099-9421-19B948D8B007}" type="datetimeFigureOut">
               <a:rPr lang="en-GB" smtClean="0"/>
-              <a:t>05/02/2018</a:t>
+              <a:t>06/02/2018</a:t>
             </a:fld>
             <a:endParaRPr lang="en-GB"/>
           </a:p>
@@ -3062,7 +3076,7 @@
           <a:p>
             <a:fld id="{0E520F00-71AE-4099-9421-19B948D8B007}" type="datetimeFigureOut">
               <a:rPr lang="en-GB" smtClean="0"/>
-              <a:t>05/02/2018</a:t>
+              <a:t>06/02/2018</a:t>
             </a:fld>
             <a:endParaRPr lang="en-GB"/>
           </a:p>
@@ -3232,7 +3246,7 @@
           <a:p>
             <a:fld id="{0E520F00-71AE-4099-9421-19B948D8B007}" type="datetimeFigureOut">
               <a:rPr lang="en-GB" smtClean="0"/>
-              <a:t>05/02/2018</a:t>
+              <a:t>06/02/2018</a:t>
             </a:fld>
             <a:endParaRPr lang="en-GB"/>
           </a:p>
@@ -3489,7 +3503,7 @@
           <a:p>
             <a:fld id="{0E520F00-71AE-4099-9421-19B948D8B007}" type="datetimeFigureOut">
               <a:rPr lang="en-GB" smtClean="0"/>
-              <a:t>05/02/2018</a:t>
+              <a:t>06/02/2018</a:t>
             </a:fld>
             <a:endParaRPr lang="en-GB"/>
           </a:p>
@@ -3721,7 +3735,7 @@
           <a:p>
             <a:fld id="{0E520F00-71AE-4099-9421-19B948D8B007}" type="datetimeFigureOut">
               <a:rPr lang="en-GB" smtClean="0"/>
-              <a:t>05/02/2018</a:t>
+              <a:t>06/02/2018</a:t>
             </a:fld>
             <a:endParaRPr lang="en-GB"/>
           </a:p>
@@ -4114,7 +4128,7 @@
           <a:p>
             <a:fld id="{0E520F00-71AE-4099-9421-19B948D8B007}" type="datetimeFigureOut">
               <a:rPr lang="en-GB" smtClean="0"/>
-              <a:t>05/02/2018</a:t>
+              <a:t>06/02/2018</a:t>
             </a:fld>
             <a:endParaRPr lang="en-GB"/>
           </a:p>
@@ -4232,7 +4246,7 @@
           <a:p>
             <a:fld id="{0E520F00-71AE-4099-9421-19B948D8B007}" type="datetimeFigureOut">
               <a:rPr lang="en-GB" smtClean="0"/>
-              <a:t>05/02/2018</a:t>
+              <a:t>06/02/2018</a:t>
             </a:fld>
             <a:endParaRPr lang="en-GB"/>
           </a:p>
@@ -4327,7 +4341,7 @@
           <a:p>
             <a:fld id="{0E520F00-71AE-4099-9421-19B948D8B007}" type="datetimeFigureOut">
               <a:rPr lang="en-GB" smtClean="0"/>
-              <a:t>05/02/2018</a:t>
+              <a:t>06/02/2018</a:t>
             </a:fld>
             <a:endParaRPr lang="en-GB"/>
           </a:p>
@@ -4600,7 +4614,7 @@
           <a:p>
             <a:fld id="{0E520F00-71AE-4099-9421-19B948D8B007}" type="datetimeFigureOut">
               <a:rPr lang="en-GB" smtClean="0"/>
-              <a:t>05/02/2018</a:t>
+              <a:t>06/02/2018</a:t>
             </a:fld>
             <a:endParaRPr lang="en-GB"/>
           </a:p>
@@ -4881,7 +4895,7 @@
           <a:p>
             <a:fld id="{0E520F00-71AE-4099-9421-19B948D8B007}" type="datetimeFigureOut">
               <a:rPr lang="en-GB" smtClean="0"/>
-              <a:t>05/02/2018</a:t>
+              <a:t>06/02/2018</a:t>
             </a:fld>
             <a:endParaRPr lang="en-GB"/>
           </a:p>
@@ -5162,7 +5176,7 @@
           <a:p>
             <a:fld id="{0E520F00-71AE-4099-9421-19B948D8B007}" type="datetimeFigureOut">
               <a:rPr lang="en-GB" smtClean="0"/>
-              <a:t>05/02/2018</a:t>
+              <a:t>06/02/2018</a:t>
             </a:fld>
             <a:endParaRPr lang="en-GB"/>
           </a:p>
@@ -5354,7 +5368,7 @@
           <a:p>
             <a:fld id="{0E520F00-71AE-4099-9421-19B948D8B007}" type="datetimeFigureOut">
               <a:rPr lang="en-GB" smtClean="0"/>
-              <a:t>05/02/2018</a:t>
+              <a:t>06/02/2018</a:t>
             </a:fld>
             <a:endParaRPr lang="en-GB"/>
           </a:p>
@@ -5615,7 +5629,7 @@
           <a:p>
             <a:fld id="{0E520F00-71AE-4099-9421-19B948D8B007}" type="datetimeFigureOut">
               <a:rPr lang="en-GB" smtClean="0"/>
-              <a:t>05/02/2018</a:t>
+              <a:t>06/02/2018</a:t>
             </a:fld>
             <a:endParaRPr lang="en-GB"/>
           </a:p>
@@ -6097,7 +6111,7 @@
           <a:p>
             <a:fld id="{0E520F00-71AE-4099-9421-19B948D8B007}" type="datetimeFigureOut">
               <a:rPr lang="en-GB" smtClean="0"/>
-              <a:t>05/02/2018</a:t>
+              <a:t>06/02/2018</a:t>
             </a:fld>
             <a:endParaRPr lang="en-GB"/>
           </a:p>
@@ -6291,7 +6305,7 @@
           <a:p>
             <a:fld id="{0E520F00-71AE-4099-9421-19B948D8B007}" type="datetimeFigureOut">
               <a:rPr lang="en-GB" smtClean="0"/>
-              <a:t>05/02/2018</a:t>
+              <a:t>06/02/2018</a:t>
             </a:fld>
             <a:endParaRPr lang="en-GB"/>
           </a:p>
@@ -6837,7 +6851,7 @@
           <a:p>
             <a:fld id="{0E520F00-71AE-4099-9421-19B948D8B007}" type="datetimeFigureOut">
               <a:rPr lang="en-GB" smtClean="0"/>
-              <a:t>05/02/2018</a:t>
+              <a:t>06/02/2018</a:t>
             </a:fld>
             <a:endParaRPr lang="en-GB"/>
           </a:p>
@@ -7668,7 +7682,7 @@
           <a:p>
             <a:fld id="{0E520F00-71AE-4099-9421-19B948D8B007}" type="datetimeFigureOut">
               <a:rPr lang="en-GB" smtClean="0"/>
-              <a:t>05/02/2018</a:t>
+              <a:t>06/02/2018</a:t>
             </a:fld>
             <a:endParaRPr lang="en-GB"/>
           </a:p>
@@ -7838,7 +7852,7 @@
           <a:p>
             <a:fld id="{0E520F00-71AE-4099-9421-19B948D8B007}" type="datetimeFigureOut">
               <a:rPr lang="en-GB" smtClean="0"/>
-              <a:t>05/02/2018</a:t>
+              <a:t>06/02/2018</a:t>
             </a:fld>
             <a:endParaRPr lang="en-GB"/>
           </a:p>
@@ -8018,7 +8032,7 @@
           <a:p>
             <a:fld id="{0E520F00-71AE-4099-9421-19B948D8B007}" type="datetimeFigureOut">
               <a:rPr lang="en-GB" smtClean="0"/>
-              <a:t>05/02/2018</a:t>
+              <a:t>06/02/2018</a:t>
             </a:fld>
             <a:endParaRPr lang="en-GB"/>
           </a:p>
@@ -8254,7 +8268,7 @@
           <a:p>
             <a:fld id="{0E520F00-71AE-4099-9421-19B948D8B007}" type="datetimeFigureOut">
               <a:rPr lang="en-GB" smtClean="0"/>
-              <a:t>05/02/2018</a:t>
+              <a:t>06/02/2018</a:t>
             </a:fld>
             <a:endParaRPr lang="en-GB"/>
           </a:p>
@@ -8636,7 +8650,7 @@
           <a:p>
             <a:fld id="{0E520F00-71AE-4099-9421-19B948D8B007}" type="datetimeFigureOut">
               <a:rPr lang="en-GB" smtClean="0"/>
-              <a:t>05/02/2018</a:t>
+              <a:t>06/02/2018</a:t>
             </a:fld>
             <a:endParaRPr lang="en-GB"/>
           </a:p>
@@ -8754,7 +8768,7 @@
           <a:p>
             <a:fld id="{0E520F00-71AE-4099-9421-19B948D8B007}" type="datetimeFigureOut">
               <a:rPr lang="en-GB" smtClean="0"/>
-              <a:t>05/02/2018</a:t>
+              <a:t>06/02/2018</a:t>
             </a:fld>
             <a:endParaRPr lang="en-GB"/>
           </a:p>
@@ -8849,7 +8863,7 @@
           <a:p>
             <a:fld id="{0E520F00-71AE-4099-9421-19B948D8B007}" type="datetimeFigureOut">
               <a:rPr lang="en-GB" smtClean="0"/>
-              <a:t>05/02/2018</a:t>
+              <a:t>06/02/2018</a:t>
             </a:fld>
             <a:endParaRPr lang="en-GB"/>
           </a:p>
@@ -9104,7 +9118,7 @@
           <a:p>
             <a:fld id="{0E520F00-71AE-4099-9421-19B948D8B007}" type="datetimeFigureOut">
               <a:rPr lang="en-GB" smtClean="0"/>
-              <a:t>05/02/2018</a:t>
+              <a:t>06/02/2018</a:t>
             </a:fld>
             <a:endParaRPr lang="en-GB"/>
           </a:p>
@@ -9387,7 +9401,7 @@
           <a:p>
             <a:fld id="{0E520F00-71AE-4099-9421-19B948D8B007}" type="datetimeFigureOut">
               <a:rPr lang="en-GB" smtClean="0"/>
-              <a:t>05/02/2018</a:t>
+              <a:t>06/02/2018</a:t>
             </a:fld>
             <a:endParaRPr lang="en-GB"/>
           </a:p>
@@ -9452,9 +9466,37 @@
 <p:sldMaster xmlns:a="http://schemas.openxmlformats.org/drawingml/2006/main" xmlns:r="http://schemas.openxmlformats.org/officeDocument/2006/relationships" xmlns:p="http://schemas.openxmlformats.org/presentationml/2006/main">
   <p:cSld>
     <p:bg>
-      <p:bgRef idx="1002">
-        <a:schemeClr val="bg2"/>
-      </p:bgRef>
+      <p:bgPr>
+        <a:gradFill flip="none" rotWithShape="1">
+          <a:gsLst>
+            <a:gs pos="0">
+              <a:schemeClr val="accent1">
+                <a:lumMod val="89000"/>
+              </a:schemeClr>
+            </a:gs>
+            <a:gs pos="23000">
+              <a:schemeClr val="accent1">
+                <a:lumMod val="89000"/>
+              </a:schemeClr>
+            </a:gs>
+            <a:gs pos="69000">
+              <a:schemeClr val="accent1">
+                <a:lumMod val="75000"/>
+              </a:schemeClr>
+            </a:gs>
+            <a:gs pos="97000">
+              <a:schemeClr val="accent1">
+                <a:lumMod val="70000"/>
+              </a:schemeClr>
+            </a:gs>
+          </a:gsLst>
+          <a:path path="circle">
+            <a:fillToRect l="50000" t="50000" r="50000" b="50000"/>
+          </a:path>
+          <a:tileRect/>
+        </a:gradFill>
+        <a:effectLst/>
+      </p:bgPr>
     </p:bg>
     <p:spTree>
       <p:nvGrpSpPr>
@@ -9793,7 +9835,7 @@
           <a:p>
             <a:fld id="{0E520F00-71AE-4099-9421-19B948D8B007}" type="datetimeFigureOut">
               <a:rPr lang="en-GB" smtClean="0"/>
-              <a:t>05/02/2018</a:t>
+              <a:t>06/02/2018</a:t>
             </a:fld>
             <a:endParaRPr lang="en-GB"/>
           </a:p>
@@ -10316,15 +10358,34 @@
   <p:cSld>
     <p:bg>
       <p:bgPr>
-        <a:blipFill dpi="0" rotWithShape="1">
-          <a:blip r:embed="rId19">
-            <a:lum/>
-          </a:blip>
-          <a:srcRect/>
-          <a:stretch>
-            <a:fillRect/>
-          </a:stretch>
-        </a:blipFill>
+        <a:gradFill flip="none" rotWithShape="1">
+          <a:gsLst>
+            <a:gs pos="0">
+              <a:schemeClr val="accent1">
+                <a:lumMod val="89000"/>
+              </a:schemeClr>
+            </a:gs>
+            <a:gs pos="23000">
+              <a:schemeClr val="accent1">
+                <a:lumMod val="89000"/>
+              </a:schemeClr>
+            </a:gs>
+            <a:gs pos="69000">
+              <a:schemeClr val="accent1">
+                <a:lumMod val="75000"/>
+              </a:schemeClr>
+            </a:gs>
+            <a:gs pos="97000">
+              <a:schemeClr val="accent1">
+                <a:lumMod val="70000"/>
+              </a:schemeClr>
+            </a:gs>
+          </a:gsLst>
+          <a:path path="circle">
+            <a:fillToRect l="50000" t="50000" r="50000" b="50000"/>
+          </a:path>
+          <a:tileRect/>
+        </a:gradFill>
         <a:effectLst/>
       </p:bgPr>
     </p:bg>
@@ -10490,7 +10551,7 @@
           <a:p>
             <a:fld id="{0E520F00-71AE-4099-9421-19B948D8B007}" type="datetimeFigureOut">
               <a:rPr lang="en-GB" smtClean="0"/>
-              <a:t>05/02/2018</a:t>
+              <a:t>06/02/2018</a:t>
             </a:fld>
             <a:endParaRPr lang="en-GB"/>
           </a:p>
@@ -11038,158 +11099,31 @@
 <file path=ppt/slides/slide1.xml><?xml version="1.0" encoding="utf-8"?>
 <p:sld xmlns:a="http://schemas.openxmlformats.org/drawingml/2006/main" xmlns:r="http://schemas.openxmlformats.org/officeDocument/2006/relationships" xmlns:p="http://schemas.openxmlformats.org/presentationml/2006/main">
   <p:cSld>
-    <p:spTree>
-      <p:nvGrpSpPr>
-        <p:cNvPr id="1" name=""/>
-        <p:cNvGrpSpPr/>
-        <p:nvPr/>
-      </p:nvGrpSpPr>
-      <p:grpSpPr>
-        <a:xfrm>
-          <a:off x="0" y="0"/>
-          <a:ext cx="0" cy="0"/>
-          <a:chOff x="0" y="0"/>
-          <a:chExt cx="0" cy="0"/>
-        </a:xfrm>
-      </p:grpSpPr>
-      <p:sp>
-        <p:nvSpPr>
-          <p:cNvPr id="2" name="Title 1">
-            <a:extLst>
-              <a:ext uri="{FF2B5EF4-FFF2-40B4-BE49-F238E27FC236}">
-                <a16:creationId xmlns:a16="http://schemas.microsoft.com/office/drawing/2014/main" id="{300D9432-7D5F-4F9E-86B6-9412AB6B4F19}"/>
-              </a:ext>
-            </a:extLst>
-          </p:cNvPr>
-          <p:cNvSpPr>
-            <a:spLocks noGrp="1"/>
-          </p:cNvSpPr>
-          <p:nvPr>
-            <p:ph type="ctrTitle"/>
-          </p:nvPr>
-        </p:nvSpPr>
-        <p:spPr/>
-        <p:txBody>
-          <a:bodyPr/>
-          <a:lstStyle/>
-          <a:p>
-            <a:r>
-              <a:rPr lang="en-GB" dirty="0"/>
-              <a:t>LEVEL 4 &amp; 5</a:t>
-            </a:r>
-            <a:br>
-              <a:rPr lang="en-GB" dirty="0"/>
-            </a:br>
-            <a:r>
-              <a:rPr lang="en-GB" dirty="0"/>
-              <a:t>Group 2	</a:t>
-            </a:r>
-            <a:br>
-              <a:rPr lang="en-GB" dirty="0"/>
-            </a:br>
-            <a:endParaRPr lang="en-GB" dirty="0"/>
-          </a:p>
-        </p:txBody>
-      </p:sp>
-      <p:sp>
-        <p:nvSpPr>
-          <p:cNvPr id="3" name="Subtitle 2">
-            <a:extLst>
-              <a:ext uri="{FF2B5EF4-FFF2-40B4-BE49-F238E27FC236}">
-                <a16:creationId xmlns:a16="http://schemas.microsoft.com/office/drawing/2014/main" id="{44FBAC67-89D3-4FA2-87EF-4E5CD2B2C731}"/>
-              </a:ext>
-            </a:extLst>
-          </p:cNvPr>
-          <p:cNvSpPr>
-            <a:spLocks noGrp="1"/>
-          </p:cNvSpPr>
-          <p:nvPr>
-            <p:ph type="subTitle" idx="1"/>
-          </p:nvPr>
-        </p:nvSpPr>
-        <p:spPr/>
-        <p:txBody>
-          <a:bodyPr>
-            <a:normAutofit/>
-          </a:bodyPr>
-          <a:lstStyle/>
-          <a:p>
-            <a:r>
-              <a:rPr lang="en-GB" dirty="0"/>
-              <a:t>Willoughby Axtell </a:t>
-            </a:r>
-          </a:p>
-          <a:p>
-            <a:r>
-              <a:rPr lang="en-GB" dirty="0"/>
-              <a:t>Daniel Beales</a:t>
-            </a:r>
-          </a:p>
-          <a:p>
-            <a:r>
-              <a:rPr lang="en-GB" dirty="0"/>
-              <a:t>Kyle </a:t>
-            </a:r>
-            <a:r>
-              <a:rPr lang="en-GB" dirty="0" err="1"/>
-              <a:t>Bodin</a:t>
-            </a:r>
-            <a:endParaRPr lang="en-GB" dirty="0"/>
-          </a:p>
-          <a:p>
-            <a:r>
-              <a:rPr lang="en-GB" dirty="0"/>
-              <a:t>James </a:t>
-            </a:r>
-            <a:r>
-              <a:rPr lang="en-GB" dirty="0" err="1"/>
-              <a:t>Macleanan</a:t>
-            </a:r>
-            <a:r>
-              <a:rPr lang="en-GB" dirty="0"/>
-              <a:t> </a:t>
-            </a:r>
-          </a:p>
-        </p:txBody>
-      </p:sp>
-    </p:spTree>
-    <p:extLst>
-      <p:ext uri="{BB962C8B-B14F-4D97-AF65-F5344CB8AC3E}">
-        <p14:creationId xmlns:p14="http://schemas.microsoft.com/office/powerpoint/2010/main" val="3765559061"/>
-      </p:ext>
-    </p:extLst>
-  </p:cSld>
-  <p:clrMapOvr>
-    <a:masterClrMapping/>
-  </p:clrMapOvr>
-</p:sld>
-</file>
-
-<file path=ppt/slides/slide2.xml><?xml version="1.0" encoding="utf-8"?>
-<p:sld xmlns:a="http://schemas.openxmlformats.org/drawingml/2006/main" xmlns:r="http://schemas.openxmlformats.org/officeDocument/2006/relationships" xmlns:p="http://schemas.openxmlformats.org/presentationml/2006/main">
-  <p:cSld>
     <p:bg>
       <p:bgPr>
         <a:gradFill flip="none" rotWithShape="1">
           <a:gsLst>
             <a:gs pos="0">
-              <a:schemeClr val="accent1">
-                <a:lumMod val="89000"/>
+              <a:schemeClr val="bg2">
+                <a:lumMod val="40000"/>
               </a:schemeClr>
             </a:gs>
             <a:gs pos="23000">
               <a:schemeClr val="accent1">
-                <a:lumMod val="89000"/>
+                <a:lumMod val="77000"/>
+                <a:lumOff val="23000"/>
               </a:schemeClr>
             </a:gs>
             <a:gs pos="69000">
               <a:schemeClr val="accent1">
-                <a:lumMod val="75000"/>
+                <a:lumMod val="50000"/>
+                <a:lumOff val="50000"/>
               </a:schemeClr>
             </a:gs>
             <a:gs pos="97000">
               <a:schemeClr val="accent1">
-                <a:lumMod val="70000"/>
+                <a:lumMod val="63000"/>
+                <a:lumOff val="37000"/>
               </a:schemeClr>
             </a:gs>
           </a:gsLst>
@@ -11220,6 +11154,277 @@
           <p:cNvPr id="2" name="Title 1">
             <a:extLst>
               <a:ext uri="{FF2B5EF4-FFF2-40B4-BE49-F238E27FC236}">
+                <a16:creationId xmlns:a16="http://schemas.microsoft.com/office/drawing/2014/main" id="{300D9432-7D5F-4F9E-86B6-9412AB6B4F19}"/>
+              </a:ext>
+            </a:extLst>
+          </p:cNvPr>
+          <p:cNvSpPr>
+            <a:spLocks noGrp="1"/>
+          </p:cNvSpPr>
+          <p:nvPr>
+            <p:ph type="ctrTitle"/>
+          </p:nvPr>
+        </p:nvSpPr>
+        <p:spPr/>
+        <p:txBody>
+          <a:bodyPr/>
+          <a:lstStyle/>
+          <a:p>
+            <a:r>
+              <a:rPr lang="en-GB" dirty="0"/>
+              <a:t>LEVEL 4 &amp; 5</a:t>
+            </a:r>
+            <a:br>
+              <a:rPr lang="en-GB" dirty="0"/>
+            </a:br>
+            <a:r>
+              <a:rPr lang="en-GB" dirty="0"/>
+              <a:t>Group 2	</a:t>
+            </a:r>
+            <a:br>
+              <a:rPr lang="en-GB" dirty="0"/>
+            </a:br>
+            <a:endParaRPr lang="en-GB" dirty="0"/>
+          </a:p>
+        </p:txBody>
+      </p:sp>
+      <p:sp>
+        <p:nvSpPr>
+          <p:cNvPr id="3" name="Subtitle 2">
+            <a:extLst>
+              <a:ext uri="{FF2B5EF4-FFF2-40B4-BE49-F238E27FC236}">
+                <a16:creationId xmlns:a16="http://schemas.microsoft.com/office/drawing/2014/main" id="{44FBAC67-89D3-4FA2-87EF-4E5CD2B2C731}"/>
+              </a:ext>
+            </a:extLst>
+          </p:cNvPr>
+          <p:cNvSpPr>
+            <a:spLocks noGrp="1"/>
+          </p:cNvSpPr>
+          <p:nvPr>
+            <p:ph type="subTitle" idx="1"/>
+          </p:nvPr>
+        </p:nvSpPr>
+        <p:spPr/>
+        <p:txBody>
+          <a:bodyPr>
+            <a:normAutofit/>
+          </a:bodyPr>
+          <a:lstStyle/>
+          <a:p>
+            <a:r>
+              <a:rPr lang="en-GB" dirty="0"/>
+              <a:t>Willoughby Axtell </a:t>
+            </a:r>
+          </a:p>
+          <a:p>
+            <a:r>
+              <a:rPr lang="en-GB" dirty="0"/>
+              <a:t>Daniel Beales</a:t>
+            </a:r>
+          </a:p>
+          <a:p>
+            <a:r>
+              <a:rPr lang="en-GB" dirty="0"/>
+              <a:t>Kyle </a:t>
+            </a:r>
+            <a:r>
+              <a:rPr lang="en-GB" dirty="0" err="1"/>
+              <a:t>Bodin</a:t>
+            </a:r>
+            <a:endParaRPr lang="en-GB" dirty="0"/>
+          </a:p>
+          <a:p>
+            <a:r>
+              <a:rPr lang="en-GB" dirty="0"/>
+              <a:t>James </a:t>
+            </a:r>
+            <a:r>
+              <a:rPr lang="en-GB" dirty="0" err="1"/>
+              <a:t>Macleanan</a:t>
+            </a:r>
+            <a:r>
+              <a:rPr lang="en-GB" dirty="0"/>
+              <a:t> </a:t>
+            </a:r>
+          </a:p>
+        </p:txBody>
+      </p:sp>
+    </p:spTree>
+    <p:extLst>
+      <p:ext uri="{BB962C8B-B14F-4D97-AF65-F5344CB8AC3E}">
+        <p14:creationId xmlns:p14="http://schemas.microsoft.com/office/powerpoint/2010/main" val="3765559061"/>
+      </p:ext>
+    </p:extLst>
+  </p:cSld>
+  <p:clrMapOvr>
+    <a:masterClrMapping/>
+  </p:clrMapOvr>
+</p:sld>
+</file>
+
+<file path=ppt/slides/slide10.xml><?xml version="1.0" encoding="utf-8"?>
+<p:sld xmlns:a="http://schemas.openxmlformats.org/drawingml/2006/main" xmlns:r="http://schemas.openxmlformats.org/officeDocument/2006/relationships" xmlns:p="http://schemas.openxmlformats.org/presentationml/2006/main">
+  <p:cSld>
+    <p:spTree>
+      <p:nvGrpSpPr>
+        <p:cNvPr id="1" name=""/>
+        <p:cNvGrpSpPr/>
+        <p:nvPr/>
+      </p:nvGrpSpPr>
+      <p:grpSpPr>
+        <a:xfrm>
+          <a:off x="0" y="0"/>
+          <a:ext cx="0" cy="0"/>
+          <a:chOff x="0" y="0"/>
+          <a:chExt cx="0" cy="0"/>
+        </a:xfrm>
+      </p:grpSpPr>
+      <p:sp>
+        <p:nvSpPr>
+          <p:cNvPr id="2" name="Title 1">
+            <a:extLst>
+              <a:ext uri="{FF2B5EF4-FFF2-40B4-BE49-F238E27FC236}">
+                <a16:creationId xmlns:a16="http://schemas.microsoft.com/office/drawing/2014/main" id="{5F13B6D4-24BE-42B7-B0A1-A5D77BAFE603}"/>
+              </a:ext>
+            </a:extLst>
+          </p:cNvPr>
+          <p:cNvSpPr>
+            <a:spLocks noGrp="1"/>
+          </p:cNvSpPr>
+          <p:nvPr>
+            <p:ph type="title"/>
+          </p:nvPr>
+        </p:nvSpPr>
+        <p:spPr/>
+        <p:txBody>
+          <a:bodyPr/>
+          <a:lstStyle/>
+          <a:p>
+            <a:r>
+              <a:rPr lang="en-GB" dirty="0"/>
+              <a:t>Challenges</a:t>
+            </a:r>
+          </a:p>
+        </p:txBody>
+      </p:sp>
+      <p:sp>
+        <p:nvSpPr>
+          <p:cNvPr id="3" name="Content Placeholder 2">
+            <a:extLst>
+              <a:ext uri="{FF2B5EF4-FFF2-40B4-BE49-F238E27FC236}">
+                <a16:creationId xmlns:a16="http://schemas.microsoft.com/office/drawing/2014/main" id="{5C5D55C8-0D73-4C1A-A8A1-90A3648CA459}"/>
+              </a:ext>
+            </a:extLst>
+          </p:cNvPr>
+          <p:cNvSpPr>
+            <a:spLocks noGrp="1"/>
+          </p:cNvSpPr>
+          <p:nvPr>
+            <p:ph idx="1"/>
+          </p:nvPr>
+        </p:nvSpPr>
+        <p:spPr/>
+        <p:txBody>
+          <a:bodyPr/>
+          <a:lstStyle/>
+          <a:p>
+            <a:endParaRPr lang="en-GB"/>
+          </a:p>
+        </p:txBody>
+      </p:sp>
+    </p:spTree>
+    <p:extLst>
+      <p:ext uri="{BB962C8B-B14F-4D97-AF65-F5344CB8AC3E}">
+        <p14:creationId xmlns:p14="http://schemas.microsoft.com/office/powerpoint/2010/main" val="3215632618"/>
+      </p:ext>
+    </p:extLst>
+  </p:cSld>
+  <p:clrMapOvr>
+    <a:masterClrMapping/>
+  </p:clrMapOvr>
+</p:sld>
+</file>
+
+<file path=ppt/slides/slide11.xml><?xml version="1.0" encoding="utf-8"?>
+<p:sld xmlns:a="http://schemas.openxmlformats.org/drawingml/2006/main" xmlns:r="http://schemas.openxmlformats.org/officeDocument/2006/relationships" xmlns:p="http://schemas.openxmlformats.org/presentationml/2006/main">
+  <p:cSld>
+    <p:spTree>
+      <p:nvGrpSpPr>
+        <p:cNvPr id="1" name=""/>
+        <p:cNvGrpSpPr/>
+        <p:nvPr/>
+      </p:nvGrpSpPr>
+      <p:grpSpPr>
+        <a:xfrm>
+          <a:off x="0" y="0"/>
+          <a:ext cx="0" cy="0"/>
+          <a:chOff x="0" y="0"/>
+          <a:chExt cx="0" cy="0"/>
+        </a:xfrm>
+      </p:grpSpPr>
+      <p:sp>
+        <p:nvSpPr>
+          <p:cNvPr id="2" name="Title 1">
+            <a:extLst>
+              <a:ext uri="{FF2B5EF4-FFF2-40B4-BE49-F238E27FC236}">
+                <a16:creationId xmlns:a16="http://schemas.microsoft.com/office/drawing/2014/main" id="{5B07ACBD-0570-4570-A31D-B79D49A6BB4F}"/>
+              </a:ext>
+            </a:extLst>
+          </p:cNvPr>
+          <p:cNvSpPr>
+            <a:spLocks noGrp="1"/>
+          </p:cNvSpPr>
+          <p:nvPr>
+            <p:ph type="title"/>
+          </p:nvPr>
+        </p:nvSpPr>
+        <p:spPr/>
+        <p:txBody>
+          <a:bodyPr/>
+          <a:lstStyle/>
+          <a:p>
+            <a:r>
+              <a:rPr lang="en-GB" dirty="0"/>
+              <a:t>Any Questions</a:t>
+            </a:r>
+          </a:p>
+        </p:txBody>
+      </p:sp>
+    </p:spTree>
+    <p:extLst>
+      <p:ext uri="{BB962C8B-B14F-4D97-AF65-F5344CB8AC3E}">
+        <p14:creationId xmlns:p14="http://schemas.microsoft.com/office/powerpoint/2010/main" val="3403769163"/>
+      </p:ext>
+    </p:extLst>
+  </p:cSld>
+  <p:clrMapOvr>
+    <a:masterClrMapping/>
+  </p:clrMapOvr>
+</p:sld>
+</file>
+
+<file path=ppt/slides/slide2.xml><?xml version="1.0" encoding="utf-8"?>
+<p:sld xmlns:a="http://schemas.openxmlformats.org/drawingml/2006/main" xmlns:r="http://schemas.openxmlformats.org/officeDocument/2006/relationships" xmlns:p="http://schemas.openxmlformats.org/presentationml/2006/main">
+  <p:cSld>
+    <p:spTree>
+      <p:nvGrpSpPr>
+        <p:cNvPr id="1" name=""/>
+        <p:cNvGrpSpPr/>
+        <p:nvPr/>
+      </p:nvGrpSpPr>
+      <p:grpSpPr>
+        <a:xfrm>
+          <a:off x="0" y="0"/>
+          <a:ext cx="0" cy="0"/>
+          <a:chOff x="0" y="0"/>
+          <a:chExt cx="0" cy="0"/>
+        </a:xfrm>
+      </p:grpSpPr>
+      <p:sp>
+        <p:nvSpPr>
+          <p:cNvPr id="2" name="Title 1">
+            <a:extLst>
+              <a:ext uri="{FF2B5EF4-FFF2-40B4-BE49-F238E27FC236}">
                 <a16:creationId xmlns:a16="http://schemas.microsoft.com/office/drawing/2014/main" id="{CE3C858C-A39A-4674-A79F-97B516DBA765}"/>
               </a:ext>
             </a:extLst>
@@ -11236,7 +11441,10 @@
           <a:bodyPr/>
           <a:lstStyle/>
           <a:p>
-            <a:endParaRPr lang="en-GB" dirty="0"/>
+            <a:r>
+              <a:rPr lang="en-GB" dirty="0"/>
+              <a:t>Brief Requirements</a:t>
+            </a:r>
           </a:p>
         </p:txBody>
       </p:sp>
@@ -11269,6 +11477,588 @@
     <p:extLst>
       <p:ext uri="{BB962C8B-B14F-4D97-AF65-F5344CB8AC3E}">
         <p14:creationId xmlns:p14="http://schemas.microsoft.com/office/powerpoint/2010/main" val="2992699020"/>
+      </p:ext>
+    </p:extLst>
+  </p:cSld>
+  <p:clrMapOvr>
+    <a:masterClrMapping/>
+  </p:clrMapOvr>
+</p:sld>
+</file>
+
+<file path=ppt/slides/slide3.xml><?xml version="1.0" encoding="utf-8"?>
+<p:sld xmlns:a="http://schemas.openxmlformats.org/drawingml/2006/main" xmlns:r="http://schemas.openxmlformats.org/officeDocument/2006/relationships" xmlns:p="http://schemas.openxmlformats.org/presentationml/2006/main">
+  <p:cSld>
+    <p:spTree>
+      <p:nvGrpSpPr>
+        <p:cNvPr id="1" name=""/>
+        <p:cNvGrpSpPr/>
+        <p:nvPr/>
+      </p:nvGrpSpPr>
+      <p:grpSpPr>
+        <a:xfrm>
+          <a:off x="0" y="0"/>
+          <a:ext cx="0" cy="0"/>
+          <a:chOff x="0" y="0"/>
+          <a:chExt cx="0" cy="0"/>
+        </a:xfrm>
+      </p:grpSpPr>
+      <p:sp>
+        <p:nvSpPr>
+          <p:cNvPr id="2" name="Title 1">
+            <a:extLst>
+              <a:ext uri="{FF2B5EF4-FFF2-40B4-BE49-F238E27FC236}">
+                <a16:creationId xmlns:a16="http://schemas.microsoft.com/office/drawing/2014/main" id="{79FC9EE2-5642-44D1-B5DE-3044B5F7FC80}"/>
+              </a:ext>
+            </a:extLst>
+          </p:cNvPr>
+          <p:cNvSpPr>
+            <a:spLocks noGrp="1"/>
+          </p:cNvSpPr>
+          <p:nvPr>
+            <p:ph type="title"/>
+          </p:nvPr>
+        </p:nvSpPr>
+        <p:spPr/>
+        <p:txBody>
+          <a:bodyPr/>
+          <a:lstStyle/>
+          <a:p>
+            <a:r>
+              <a:rPr lang="en-GB" dirty="0"/>
+              <a:t>The Demographic</a:t>
+            </a:r>
+          </a:p>
+        </p:txBody>
+      </p:sp>
+      <p:sp>
+        <p:nvSpPr>
+          <p:cNvPr id="3" name="Content Placeholder 2">
+            <a:extLst>
+              <a:ext uri="{FF2B5EF4-FFF2-40B4-BE49-F238E27FC236}">
+                <a16:creationId xmlns:a16="http://schemas.microsoft.com/office/drawing/2014/main" id="{4A20420F-F253-4A2A-AA9A-22AA736CA074}"/>
+              </a:ext>
+            </a:extLst>
+          </p:cNvPr>
+          <p:cNvSpPr>
+            <a:spLocks noGrp="1"/>
+          </p:cNvSpPr>
+          <p:nvPr>
+            <p:ph idx="1"/>
+          </p:nvPr>
+        </p:nvSpPr>
+        <p:spPr/>
+        <p:txBody>
+          <a:bodyPr/>
+          <a:lstStyle/>
+          <a:p>
+            <a:endParaRPr lang="en-GB"/>
+          </a:p>
+        </p:txBody>
+      </p:sp>
+    </p:spTree>
+    <p:extLst>
+      <p:ext uri="{BB962C8B-B14F-4D97-AF65-F5344CB8AC3E}">
+        <p14:creationId xmlns:p14="http://schemas.microsoft.com/office/powerpoint/2010/main" val="635853567"/>
+      </p:ext>
+    </p:extLst>
+  </p:cSld>
+  <p:clrMapOvr>
+    <a:masterClrMapping/>
+  </p:clrMapOvr>
+</p:sld>
+</file>
+
+<file path=ppt/slides/slide4.xml><?xml version="1.0" encoding="utf-8"?>
+<p:sld xmlns:a="http://schemas.openxmlformats.org/drawingml/2006/main" xmlns:r="http://schemas.openxmlformats.org/officeDocument/2006/relationships" xmlns:p="http://schemas.openxmlformats.org/presentationml/2006/main">
+  <p:cSld>
+    <p:spTree>
+      <p:nvGrpSpPr>
+        <p:cNvPr id="1" name=""/>
+        <p:cNvGrpSpPr/>
+        <p:nvPr/>
+      </p:nvGrpSpPr>
+      <p:grpSpPr>
+        <a:xfrm>
+          <a:off x="0" y="0"/>
+          <a:ext cx="0" cy="0"/>
+          <a:chOff x="0" y="0"/>
+          <a:chExt cx="0" cy="0"/>
+        </a:xfrm>
+      </p:grpSpPr>
+      <p:sp>
+        <p:nvSpPr>
+          <p:cNvPr id="2" name="Title 1">
+            <a:extLst>
+              <a:ext uri="{FF2B5EF4-FFF2-40B4-BE49-F238E27FC236}">
+                <a16:creationId xmlns:a16="http://schemas.microsoft.com/office/drawing/2014/main" id="{E783FF7B-F7FD-4754-B82E-AE63D8C35B0F}"/>
+              </a:ext>
+            </a:extLst>
+          </p:cNvPr>
+          <p:cNvSpPr>
+            <a:spLocks noGrp="1"/>
+          </p:cNvSpPr>
+          <p:nvPr>
+            <p:ph type="title"/>
+          </p:nvPr>
+        </p:nvSpPr>
+        <p:spPr/>
+        <p:txBody>
+          <a:bodyPr/>
+          <a:lstStyle/>
+          <a:p>
+            <a:r>
+              <a:rPr lang="en-GB" dirty="0"/>
+              <a:t>The Concept</a:t>
+            </a:r>
+          </a:p>
+        </p:txBody>
+      </p:sp>
+      <p:sp>
+        <p:nvSpPr>
+          <p:cNvPr id="3" name="Content Placeholder 2">
+            <a:extLst>
+              <a:ext uri="{FF2B5EF4-FFF2-40B4-BE49-F238E27FC236}">
+                <a16:creationId xmlns:a16="http://schemas.microsoft.com/office/drawing/2014/main" id="{49101832-D535-43E0-B578-535A4613FBE6}"/>
+              </a:ext>
+            </a:extLst>
+          </p:cNvPr>
+          <p:cNvSpPr>
+            <a:spLocks noGrp="1"/>
+          </p:cNvSpPr>
+          <p:nvPr>
+            <p:ph idx="1"/>
+          </p:nvPr>
+        </p:nvSpPr>
+        <p:spPr/>
+        <p:txBody>
+          <a:bodyPr/>
+          <a:lstStyle/>
+          <a:p>
+            <a:endParaRPr lang="en-GB"/>
+          </a:p>
+        </p:txBody>
+      </p:sp>
+    </p:spTree>
+    <p:extLst>
+      <p:ext uri="{BB962C8B-B14F-4D97-AF65-F5344CB8AC3E}">
+        <p14:creationId xmlns:p14="http://schemas.microsoft.com/office/powerpoint/2010/main" val="4257044477"/>
+      </p:ext>
+    </p:extLst>
+  </p:cSld>
+  <p:clrMapOvr>
+    <a:masterClrMapping/>
+  </p:clrMapOvr>
+</p:sld>
+</file>
+
+<file path=ppt/slides/slide5.xml><?xml version="1.0" encoding="utf-8"?>
+<p:sld xmlns:a="http://schemas.openxmlformats.org/drawingml/2006/main" xmlns:r="http://schemas.openxmlformats.org/officeDocument/2006/relationships" xmlns:p="http://schemas.openxmlformats.org/presentationml/2006/main">
+  <p:cSld>
+    <p:spTree>
+      <p:nvGrpSpPr>
+        <p:cNvPr id="1" name=""/>
+        <p:cNvGrpSpPr/>
+        <p:nvPr/>
+      </p:nvGrpSpPr>
+      <p:grpSpPr>
+        <a:xfrm>
+          <a:off x="0" y="0"/>
+          <a:ext cx="0" cy="0"/>
+          <a:chOff x="0" y="0"/>
+          <a:chExt cx="0" cy="0"/>
+        </a:xfrm>
+      </p:grpSpPr>
+      <p:sp>
+        <p:nvSpPr>
+          <p:cNvPr id="2" name="Title 1">
+            <a:extLst>
+              <a:ext uri="{FF2B5EF4-FFF2-40B4-BE49-F238E27FC236}">
+                <a16:creationId xmlns:a16="http://schemas.microsoft.com/office/drawing/2014/main" id="{DA084290-6BC9-46C1-8777-A65B4A4CEC1A}"/>
+              </a:ext>
+            </a:extLst>
+          </p:cNvPr>
+          <p:cNvSpPr>
+            <a:spLocks noGrp="1"/>
+          </p:cNvSpPr>
+          <p:nvPr>
+            <p:ph type="title"/>
+          </p:nvPr>
+        </p:nvSpPr>
+        <p:spPr/>
+        <p:txBody>
+          <a:bodyPr/>
+          <a:lstStyle/>
+          <a:p>
+            <a:r>
+              <a:rPr lang="en-GB" dirty="0"/>
+              <a:t>The Core Game Loop</a:t>
+            </a:r>
+          </a:p>
+        </p:txBody>
+      </p:sp>
+      <p:sp>
+        <p:nvSpPr>
+          <p:cNvPr id="3" name="Content Placeholder 2">
+            <a:extLst>
+              <a:ext uri="{FF2B5EF4-FFF2-40B4-BE49-F238E27FC236}">
+                <a16:creationId xmlns:a16="http://schemas.microsoft.com/office/drawing/2014/main" id="{88A8764E-DECF-4B34-B731-15F09FD2F8AE}"/>
+              </a:ext>
+            </a:extLst>
+          </p:cNvPr>
+          <p:cNvSpPr>
+            <a:spLocks noGrp="1"/>
+          </p:cNvSpPr>
+          <p:nvPr>
+            <p:ph idx="1"/>
+          </p:nvPr>
+        </p:nvSpPr>
+        <p:spPr/>
+        <p:txBody>
+          <a:bodyPr/>
+          <a:lstStyle/>
+          <a:p>
+            <a:endParaRPr lang="en-GB"/>
+          </a:p>
+        </p:txBody>
+      </p:sp>
+    </p:spTree>
+    <p:extLst>
+      <p:ext uri="{BB962C8B-B14F-4D97-AF65-F5344CB8AC3E}">
+        <p14:creationId xmlns:p14="http://schemas.microsoft.com/office/powerpoint/2010/main" val="2094043784"/>
+      </p:ext>
+    </p:extLst>
+  </p:cSld>
+  <p:clrMapOvr>
+    <a:masterClrMapping/>
+  </p:clrMapOvr>
+</p:sld>
+</file>
+
+<file path=ppt/slides/slide6.xml><?xml version="1.0" encoding="utf-8"?>
+<p:sld xmlns:a="http://schemas.openxmlformats.org/drawingml/2006/main" xmlns:r="http://schemas.openxmlformats.org/officeDocument/2006/relationships" xmlns:p="http://schemas.openxmlformats.org/presentationml/2006/main">
+  <p:cSld>
+    <p:spTree>
+      <p:nvGrpSpPr>
+        <p:cNvPr id="1" name=""/>
+        <p:cNvGrpSpPr/>
+        <p:nvPr/>
+      </p:nvGrpSpPr>
+      <p:grpSpPr>
+        <a:xfrm>
+          <a:off x="0" y="0"/>
+          <a:ext cx="0" cy="0"/>
+          <a:chOff x="0" y="0"/>
+          <a:chExt cx="0" cy="0"/>
+        </a:xfrm>
+      </p:grpSpPr>
+      <p:sp>
+        <p:nvSpPr>
+          <p:cNvPr id="2" name="Title 1">
+            <a:extLst>
+              <a:ext uri="{FF2B5EF4-FFF2-40B4-BE49-F238E27FC236}">
+                <a16:creationId xmlns:a16="http://schemas.microsoft.com/office/drawing/2014/main" id="{AFBCF69E-0B4D-4EDA-9AAA-D6C8BED7ACE1}"/>
+              </a:ext>
+            </a:extLst>
+          </p:cNvPr>
+          <p:cNvSpPr>
+            <a:spLocks noGrp="1"/>
+          </p:cNvSpPr>
+          <p:nvPr>
+            <p:ph type="title"/>
+          </p:nvPr>
+        </p:nvSpPr>
+        <p:spPr/>
+        <p:txBody>
+          <a:bodyPr/>
+          <a:lstStyle/>
+          <a:p>
+            <a:r>
+              <a:rPr lang="en-GB" dirty="0"/>
+              <a:t>The Theme</a:t>
+            </a:r>
+          </a:p>
+        </p:txBody>
+      </p:sp>
+      <p:sp>
+        <p:nvSpPr>
+          <p:cNvPr id="3" name="Content Placeholder 2">
+            <a:extLst>
+              <a:ext uri="{FF2B5EF4-FFF2-40B4-BE49-F238E27FC236}">
+                <a16:creationId xmlns:a16="http://schemas.microsoft.com/office/drawing/2014/main" id="{669A7E74-13B6-4A59-B016-A47BFF8C9D82}"/>
+              </a:ext>
+            </a:extLst>
+          </p:cNvPr>
+          <p:cNvSpPr>
+            <a:spLocks noGrp="1"/>
+          </p:cNvSpPr>
+          <p:nvPr>
+            <p:ph idx="1"/>
+          </p:nvPr>
+        </p:nvSpPr>
+        <p:spPr/>
+        <p:txBody>
+          <a:bodyPr/>
+          <a:lstStyle/>
+          <a:p>
+            <a:endParaRPr lang="en-GB"/>
+          </a:p>
+        </p:txBody>
+      </p:sp>
+    </p:spTree>
+    <p:extLst>
+      <p:ext uri="{BB962C8B-B14F-4D97-AF65-F5344CB8AC3E}">
+        <p14:creationId xmlns:p14="http://schemas.microsoft.com/office/powerpoint/2010/main" val="2956544879"/>
+      </p:ext>
+    </p:extLst>
+  </p:cSld>
+  <p:clrMapOvr>
+    <a:masterClrMapping/>
+  </p:clrMapOvr>
+</p:sld>
+</file>
+
+<file path=ppt/slides/slide7.xml><?xml version="1.0" encoding="utf-8"?>
+<p:sld xmlns:a="http://schemas.openxmlformats.org/drawingml/2006/main" xmlns:r="http://schemas.openxmlformats.org/officeDocument/2006/relationships" xmlns:p="http://schemas.openxmlformats.org/presentationml/2006/main">
+  <p:cSld>
+    <p:spTree>
+      <p:nvGrpSpPr>
+        <p:cNvPr id="1" name=""/>
+        <p:cNvGrpSpPr/>
+        <p:nvPr/>
+      </p:nvGrpSpPr>
+      <p:grpSpPr>
+        <a:xfrm>
+          <a:off x="0" y="0"/>
+          <a:ext cx="0" cy="0"/>
+          <a:chOff x="0" y="0"/>
+          <a:chExt cx="0" cy="0"/>
+        </a:xfrm>
+      </p:grpSpPr>
+      <p:sp>
+        <p:nvSpPr>
+          <p:cNvPr id="2" name="Title 1">
+            <a:extLst>
+              <a:ext uri="{FF2B5EF4-FFF2-40B4-BE49-F238E27FC236}">
+                <a16:creationId xmlns:a16="http://schemas.microsoft.com/office/drawing/2014/main" id="{75643F8F-44D2-4AC5-A692-6674E58191CA}"/>
+              </a:ext>
+            </a:extLst>
+          </p:cNvPr>
+          <p:cNvSpPr>
+            <a:spLocks noGrp="1"/>
+          </p:cNvSpPr>
+          <p:nvPr>
+            <p:ph type="title"/>
+          </p:nvPr>
+        </p:nvSpPr>
+        <p:spPr/>
+        <p:txBody>
+          <a:bodyPr/>
+          <a:lstStyle/>
+          <a:p>
+            <a:r>
+              <a:rPr lang="en-GB" dirty="0" err="1"/>
+              <a:t>Moodboards</a:t>
+            </a:r>
+            <a:endParaRPr lang="en-GB" dirty="0"/>
+          </a:p>
+        </p:txBody>
+      </p:sp>
+      <p:sp>
+        <p:nvSpPr>
+          <p:cNvPr id="3" name="Content Placeholder 2">
+            <a:extLst>
+              <a:ext uri="{FF2B5EF4-FFF2-40B4-BE49-F238E27FC236}">
+                <a16:creationId xmlns:a16="http://schemas.microsoft.com/office/drawing/2014/main" id="{A31FE515-C884-41DF-8A4C-3017C6AF847E}"/>
+              </a:ext>
+            </a:extLst>
+          </p:cNvPr>
+          <p:cNvSpPr>
+            <a:spLocks noGrp="1"/>
+          </p:cNvSpPr>
+          <p:nvPr>
+            <p:ph idx="1"/>
+          </p:nvPr>
+        </p:nvSpPr>
+        <p:spPr/>
+        <p:txBody>
+          <a:bodyPr/>
+          <a:lstStyle/>
+          <a:p>
+            <a:endParaRPr lang="en-GB"/>
+          </a:p>
+        </p:txBody>
+      </p:sp>
+    </p:spTree>
+    <p:extLst>
+      <p:ext uri="{BB962C8B-B14F-4D97-AF65-F5344CB8AC3E}">
+        <p14:creationId xmlns:p14="http://schemas.microsoft.com/office/powerpoint/2010/main" val="1118623560"/>
+      </p:ext>
+    </p:extLst>
+  </p:cSld>
+  <p:clrMapOvr>
+    <a:masterClrMapping/>
+  </p:clrMapOvr>
+</p:sld>
+</file>
+
+<file path=ppt/slides/slide8.xml><?xml version="1.0" encoding="utf-8"?>
+<p:sld xmlns:a="http://schemas.openxmlformats.org/drawingml/2006/main" xmlns:r="http://schemas.openxmlformats.org/officeDocument/2006/relationships" xmlns:p="http://schemas.openxmlformats.org/presentationml/2006/main">
+  <p:cSld>
+    <p:spTree>
+      <p:nvGrpSpPr>
+        <p:cNvPr id="1" name=""/>
+        <p:cNvGrpSpPr/>
+        <p:nvPr/>
+      </p:nvGrpSpPr>
+      <p:grpSpPr>
+        <a:xfrm>
+          <a:off x="0" y="0"/>
+          <a:ext cx="0" cy="0"/>
+          <a:chOff x="0" y="0"/>
+          <a:chExt cx="0" cy="0"/>
+        </a:xfrm>
+      </p:grpSpPr>
+      <p:sp>
+        <p:nvSpPr>
+          <p:cNvPr id="2" name="Title 1">
+            <a:extLst>
+              <a:ext uri="{FF2B5EF4-FFF2-40B4-BE49-F238E27FC236}">
+                <a16:creationId xmlns:a16="http://schemas.microsoft.com/office/drawing/2014/main" id="{A1720803-B071-4198-A0AC-8D769B6A8F6C}"/>
+              </a:ext>
+            </a:extLst>
+          </p:cNvPr>
+          <p:cNvSpPr>
+            <a:spLocks noGrp="1"/>
+          </p:cNvSpPr>
+          <p:nvPr>
+            <p:ph type="title"/>
+          </p:nvPr>
+        </p:nvSpPr>
+        <p:spPr/>
+        <p:txBody>
+          <a:bodyPr/>
+          <a:lstStyle/>
+          <a:p>
+            <a:r>
+              <a:rPr lang="en-GB" dirty="0"/>
+              <a:t>Our Research</a:t>
+            </a:r>
+          </a:p>
+        </p:txBody>
+      </p:sp>
+      <p:sp>
+        <p:nvSpPr>
+          <p:cNvPr id="3" name="Content Placeholder 2">
+            <a:extLst>
+              <a:ext uri="{FF2B5EF4-FFF2-40B4-BE49-F238E27FC236}">
+                <a16:creationId xmlns:a16="http://schemas.microsoft.com/office/drawing/2014/main" id="{AEE70A35-4B0D-4467-B259-A3F3DDC516B7}"/>
+              </a:ext>
+            </a:extLst>
+          </p:cNvPr>
+          <p:cNvSpPr>
+            <a:spLocks noGrp="1"/>
+          </p:cNvSpPr>
+          <p:nvPr>
+            <p:ph idx="1"/>
+          </p:nvPr>
+        </p:nvSpPr>
+        <p:spPr/>
+        <p:txBody>
+          <a:bodyPr/>
+          <a:lstStyle/>
+          <a:p>
+            <a:endParaRPr lang="en-GB"/>
+          </a:p>
+        </p:txBody>
+      </p:sp>
+    </p:spTree>
+    <p:extLst>
+      <p:ext uri="{BB962C8B-B14F-4D97-AF65-F5344CB8AC3E}">
+        <p14:creationId xmlns:p14="http://schemas.microsoft.com/office/powerpoint/2010/main" val="3796094944"/>
+      </p:ext>
+    </p:extLst>
+  </p:cSld>
+  <p:clrMapOvr>
+    <a:masterClrMapping/>
+  </p:clrMapOvr>
+</p:sld>
+</file>
+
+<file path=ppt/slides/slide9.xml><?xml version="1.0" encoding="utf-8"?>
+<p:sld xmlns:a="http://schemas.openxmlformats.org/drawingml/2006/main" xmlns:r="http://schemas.openxmlformats.org/officeDocument/2006/relationships" xmlns:p="http://schemas.openxmlformats.org/presentationml/2006/main">
+  <p:cSld>
+    <p:spTree>
+      <p:nvGrpSpPr>
+        <p:cNvPr id="1" name=""/>
+        <p:cNvGrpSpPr/>
+        <p:nvPr/>
+      </p:nvGrpSpPr>
+      <p:grpSpPr>
+        <a:xfrm>
+          <a:off x="0" y="0"/>
+          <a:ext cx="0" cy="0"/>
+          <a:chOff x="0" y="0"/>
+          <a:chExt cx="0" cy="0"/>
+        </a:xfrm>
+      </p:grpSpPr>
+      <p:sp>
+        <p:nvSpPr>
+          <p:cNvPr id="2" name="Title 1">
+            <a:extLst>
+              <a:ext uri="{FF2B5EF4-FFF2-40B4-BE49-F238E27FC236}">
+                <a16:creationId xmlns:a16="http://schemas.microsoft.com/office/drawing/2014/main" id="{BE38C30D-8746-4954-BF0C-CEB90A866307}"/>
+              </a:ext>
+            </a:extLst>
+          </p:cNvPr>
+          <p:cNvSpPr>
+            <a:spLocks noGrp="1"/>
+          </p:cNvSpPr>
+          <p:nvPr>
+            <p:ph type="title"/>
+          </p:nvPr>
+        </p:nvSpPr>
+        <p:spPr/>
+        <p:txBody>
+          <a:bodyPr/>
+          <a:lstStyle/>
+          <a:p>
+            <a:r>
+              <a:rPr lang="en-GB" dirty="0"/>
+              <a:t>Research Continued</a:t>
+            </a:r>
+          </a:p>
+        </p:txBody>
+      </p:sp>
+      <p:sp>
+        <p:nvSpPr>
+          <p:cNvPr id="3" name="Content Placeholder 2">
+            <a:extLst>
+              <a:ext uri="{FF2B5EF4-FFF2-40B4-BE49-F238E27FC236}">
+                <a16:creationId xmlns:a16="http://schemas.microsoft.com/office/drawing/2014/main" id="{F9B9960E-91C3-4227-BE91-E01160D49A65}"/>
+              </a:ext>
+            </a:extLst>
+          </p:cNvPr>
+          <p:cNvSpPr>
+            <a:spLocks noGrp="1"/>
+          </p:cNvSpPr>
+          <p:nvPr>
+            <p:ph idx="1"/>
+          </p:nvPr>
+        </p:nvSpPr>
+        <p:spPr/>
+        <p:txBody>
+          <a:bodyPr/>
+          <a:lstStyle/>
+          <a:p>
+            <a:endParaRPr lang="en-GB"/>
+          </a:p>
+        </p:txBody>
+      </p:sp>
+    </p:spTree>
+    <p:extLst>
+      <p:ext uri="{BB962C8B-B14F-4D97-AF65-F5344CB8AC3E}">
+        <p14:creationId xmlns:p14="http://schemas.microsoft.com/office/powerpoint/2010/main" val="1632926934"/>
       </p:ext>
     </p:extLst>
   </p:cSld>

--- a/LEVEL 4 & 5.pptx
+++ b/LEVEL 4 & 5.pptx
@@ -5,18 +5,22 @@
     <p:sldMasterId id="2147483690" r:id="rId1"/>
     <p:sldMasterId id="2147483744" r:id="rId2"/>
   </p:sldMasterIdLst>
+  <p:notesMasterIdLst>
+    <p:notesMasterId r:id="rId15"/>
+  </p:notesMasterIdLst>
   <p:sldIdLst>
     <p:sldId id="256" r:id="rId3"/>
-    <p:sldId id="257" r:id="rId4"/>
-    <p:sldId id="258" r:id="rId5"/>
-    <p:sldId id="259" r:id="rId6"/>
-    <p:sldId id="264" r:id="rId7"/>
-    <p:sldId id="260" r:id="rId8"/>
-    <p:sldId id="261" r:id="rId9"/>
-    <p:sldId id="265" r:id="rId10"/>
-    <p:sldId id="263" r:id="rId11"/>
-    <p:sldId id="266" r:id="rId12"/>
-    <p:sldId id="262" r:id="rId13"/>
+    <p:sldId id="259" r:id="rId4"/>
+    <p:sldId id="267" r:id="rId5"/>
+    <p:sldId id="268" r:id="rId6"/>
+    <p:sldId id="260" r:id="rId7"/>
+    <p:sldId id="257" r:id="rId8"/>
+    <p:sldId id="258" r:id="rId9"/>
+    <p:sldId id="264" r:id="rId10"/>
+    <p:sldId id="265" r:id="rId11"/>
+    <p:sldId id="263" r:id="rId12"/>
+    <p:sldId id="266" r:id="rId13"/>
+    <p:sldId id="262" r:id="rId14"/>
   </p:sldIdLst>
   <p:sldSz cx="12192000" cy="6858000"/>
   <p:notesSz cx="6858000" cy="9144000"/>
@@ -123,6 +127,669 @@
 </p:presentation>
 </file>
 
+<file path=ppt/notesMasters/notesMaster1.xml><?xml version="1.0" encoding="utf-8"?>
+<p:notesMaster xmlns:a="http://schemas.openxmlformats.org/drawingml/2006/main" xmlns:r="http://schemas.openxmlformats.org/officeDocument/2006/relationships" xmlns:p="http://schemas.openxmlformats.org/presentationml/2006/main">
+  <p:cSld>
+    <p:bg>
+      <p:bgRef idx="1001">
+        <a:schemeClr val="bg1"/>
+      </p:bgRef>
+    </p:bg>
+    <p:spTree>
+      <p:nvGrpSpPr>
+        <p:cNvPr id="1" name=""/>
+        <p:cNvGrpSpPr/>
+        <p:nvPr/>
+      </p:nvGrpSpPr>
+      <p:grpSpPr>
+        <a:xfrm>
+          <a:off x="0" y="0"/>
+          <a:ext cx="0" cy="0"/>
+          <a:chOff x="0" y="0"/>
+          <a:chExt cx="0" cy="0"/>
+        </a:xfrm>
+      </p:grpSpPr>
+      <p:sp>
+        <p:nvSpPr>
+          <p:cNvPr id="2" name="Header Placeholder 1"/>
+          <p:cNvSpPr>
+            <a:spLocks noGrp="1"/>
+          </p:cNvSpPr>
+          <p:nvPr>
+            <p:ph type="hdr" sz="quarter"/>
+          </p:nvPr>
+        </p:nvSpPr>
+        <p:spPr>
+          <a:xfrm>
+            <a:off x="0" y="0"/>
+            <a:ext cx="2971800" cy="458788"/>
+          </a:xfrm>
+          <a:prstGeom prst="rect">
+            <a:avLst/>
+          </a:prstGeom>
+        </p:spPr>
+        <p:txBody>
+          <a:bodyPr vert="horz" lIns="91440" tIns="45720" rIns="91440" bIns="45720" rtlCol="0"/>
+          <a:lstStyle>
+            <a:lvl1pPr algn="l">
+              <a:defRPr sz="1200"/>
+            </a:lvl1pPr>
+          </a:lstStyle>
+          <a:p>
+            <a:endParaRPr lang="en-GB"/>
+          </a:p>
+        </p:txBody>
+      </p:sp>
+      <p:sp>
+        <p:nvSpPr>
+          <p:cNvPr id="3" name="Date Placeholder 2"/>
+          <p:cNvSpPr>
+            <a:spLocks noGrp="1"/>
+          </p:cNvSpPr>
+          <p:nvPr>
+            <p:ph type="dt" idx="1"/>
+          </p:nvPr>
+        </p:nvSpPr>
+        <p:spPr>
+          <a:xfrm>
+            <a:off x="3884613" y="0"/>
+            <a:ext cx="2971800" cy="458788"/>
+          </a:xfrm>
+          <a:prstGeom prst="rect">
+            <a:avLst/>
+          </a:prstGeom>
+        </p:spPr>
+        <p:txBody>
+          <a:bodyPr vert="horz" lIns="91440" tIns="45720" rIns="91440" bIns="45720" rtlCol="0"/>
+          <a:lstStyle>
+            <a:lvl1pPr algn="r">
+              <a:defRPr sz="1200"/>
+            </a:lvl1pPr>
+          </a:lstStyle>
+          <a:p>
+            <a:fld id="{CB51CD69-4188-4A59-B67E-A3D57F5B5DE4}" type="datetimeFigureOut">
+              <a:rPr lang="en-GB" smtClean="0"/>
+              <a:t>07/02/2018</a:t>
+            </a:fld>
+            <a:endParaRPr lang="en-GB"/>
+          </a:p>
+        </p:txBody>
+      </p:sp>
+      <p:sp>
+        <p:nvSpPr>
+          <p:cNvPr id="4" name="Slide Image Placeholder 3"/>
+          <p:cNvSpPr>
+            <a:spLocks noGrp="1" noRot="1" noChangeAspect="1"/>
+          </p:cNvSpPr>
+          <p:nvPr>
+            <p:ph type="sldImg" idx="2"/>
+          </p:nvPr>
+        </p:nvSpPr>
+        <p:spPr>
+          <a:xfrm>
+            <a:off x="685800" y="1143000"/>
+            <a:ext cx="5486400" cy="3086100"/>
+          </a:xfrm>
+          <a:prstGeom prst="rect">
+            <a:avLst/>
+          </a:prstGeom>
+          <a:noFill/>
+          <a:ln w="12700">
+            <a:solidFill>
+              <a:prstClr val="black"/>
+            </a:solidFill>
+          </a:ln>
+        </p:spPr>
+        <p:txBody>
+          <a:bodyPr vert="horz" lIns="91440" tIns="45720" rIns="91440" bIns="45720" rtlCol="0" anchor="ctr"/>
+          <a:lstStyle/>
+          <a:p>
+            <a:endParaRPr lang="en-GB"/>
+          </a:p>
+        </p:txBody>
+      </p:sp>
+      <p:sp>
+        <p:nvSpPr>
+          <p:cNvPr id="5" name="Notes Placeholder 4"/>
+          <p:cNvSpPr>
+            <a:spLocks noGrp="1"/>
+          </p:cNvSpPr>
+          <p:nvPr>
+            <p:ph type="body" sz="quarter" idx="3"/>
+          </p:nvPr>
+        </p:nvSpPr>
+        <p:spPr>
+          <a:xfrm>
+            <a:off x="685800" y="4400550"/>
+            <a:ext cx="5486400" cy="3600450"/>
+          </a:xfrm>
+          <a:prstGeom prst="rect">
+            <a:avLst/>
+          </a:prstGeom>
+        </p:spPr>
+        <p:txBody>
+          <a:bodyPr vert="horz" lIns="91440" tIns="45720" rIns="91440" bIns="45720" rtlCol="0"/>
+          <a:lstStyle/>
+          <a:p>
+            <a:pPr lvl="0"/>
+            <a:r>
+              <a:rPr lang="en-US"/>
+              <a:t>Edit Master text styles</a:t>
+            </a:r>
+          </a:p>
+          <a:p>
+            <a:pPr lvl="1"/>
+            <a:r>
+              <a:rPr lang="en-US"/>
+              <a:t>Second level</a:t>
+            </a:r>
+          </a:p>
+          <a:p>
+            <a:pPr lvl="2"/>
+            <a:r>
+              <a:rPr lang="en-US"/>
+              <a:t>Third level</a:t>
+            </a:r>
+          </a:p>
+          <a:p>
+            <a:pPr lvl="3"/>
+            <a:r>
+              <a:rPr lang="en-US"/>
+              <a:t>Fourth level</a:t>
+            </a:r>
+          </a:p>
+          <a:p>
+            <a:pPr lvl="4"/>
+            <a:r>
+              <a:rPr lang="en-US"/>
+              <a:t>Fifth level</a:t>
+            </a:r>
+            <a:endParaRPr lang="en-GB"/>
+          </a:p>
+        </p:txBody>
+      </p:sp>
+      <p:sp>
+        <p:nvSpPr>
+          <p:cNvPr id="6" name="Footer Placeholder 5"/>
+          <p:cNvSpPr>
+            <a:spLocks noGrp="1"/>
+          </p:cNvSpPr>
+          <p:nvPr>
+            <p:ph type="ftr" sz="quarter" idx="4"/>
+          </p:nvPr>
+        </p:nvSpPr>
+        <p:spPr>
+          <a:xfrm>
+            <a:off x="0" y="8685213"/>
+            <a:ext cx="2971800" cy="458787"/>
+          </a:xfrm>
+          <a:prstGeom prst="rect">
+            <a:avLst/>
+          </a:prstGeom>
+        </p:spPr>
+        <p:txBody>
+          <a:bodyPr vert="horz" lIns="91440" tIns="45720" rIns="91440" bIns="45720" rtlCol="0" anchor="b"/>
+          <a:lstStyle>
+            <a:lvl1pPr algn="l">
+              <a:defRPr sz="1200"/>
+            </a:lvl1pPr>
+          </a:lstStyle>
+          <a:p>
+            <a:endParaRPr lang="en-GB"/>
+          </a:p>
+        </p:txBody>
+      </p:sp>
+      <p:sp>
+        <p:nvSpPr>
+          <p:cNvPr id="7" name="Slide Number Placeholder 6"/>
+          <p:cNvSpPr>
+            <a:spLocks noGrp="1"/>
+          </p:cNvSpPr>
+          <p:nvPr>
+            <p:ph type="sldNum" sz="quarter" idx="5"/>
+          </p:nvPr>
+        </p:nvSpPr>
+        <p:spPr>
+          <a:xfrm>
+            <a:off x="3884613" y="8685213"/>
+            <a:ext cx="2971800" cy="458787"/>
+          </a:xfrm>
+          <a:prstGeom prst="rect">
+            <a:avLst/>
+          </a:prstGeom>
+        </p:spPr>
+        <p:txBody>
+          <a:bodyPr vert="horz" lIns="91440" tIns="45720" rIns="91440" bIns="45720" rtlCol="0" anchor="b"/>
+          <a:lstStyle>
+            <a:lvl1pPr algn="r">
+              <a:defRPr sz="1200"/>
+            </a:lvl1pPr>
+          </a:lstStyle>
+          <a:p>
+            <a:fld id="{E7AF9BD6-B177-4BBB-8BDC-7277F7ECF0D8}" type="slidenum">
+              <a:rPr lang="en-GB" smtClean="0"/>
+              <a:t>‹#›</a:t>
+            </a:fld>
+            <a:endParaRPr lang="en-GB"/>
+          </a:p>
+        </p:txBody>
+      </p:sp>
+    </p:spTree>
+    <p:extLst>
+      <p:ext uri="{BB962C8B-B14F-4D97-AF65-F5344CB8AC3E}">
+        <p14:creationId xmlns:p14="http://schemas.microsoft.com/office/powerpoint/2010/main" val="817262645"/>
+      </p:ext>
+    </p:extLst>
+  </p:cSld>
+  <p:clrMap bg1="lt1" tx1="dk1" bg2="lt2" tx2="dk2" accent1="accent1" accent2="accent2" accent3="accent3" accent4="accent4" accent5="accent5" accent6="accent6" hlink="hlink" folHlink="folHlink"/>
+  <p:notesStyle>
+    <a:lvl1pPr marL="0" algn="l" defTabSz="914400" rtl="0" eaLnBrk="1" latinLnBrk="0" hangingPunct="1">
+      <a:defRPr sz="1200" kern="1200">
+        <a:solidFill>
+          <a:schemeClr val="tx1"/>
+        </a:solidFill>
+        <a:latin typeface="+mn-lt"/>
+        <a:ea typeface="+mn-ea"/>
+        <a:cs typeface="+mn-cs"/>
+      </a:defRPr>
+    </a:lvl1pPr>
+    <a:lvl2pPr marL="457200" algn="l" defTabSz="914400" rtl="0" eaLnBrk="1" latinLnBrk="0" hangingPunct="1">
+      <a:defRPr sz="1200" kern="1200">
+        <a:solidFill>
+          <a:schemeClr val="tx1"/>
+        </a:solidFill>
+        <a:latin typeface="+mn-lt"/>
+        <a:ea typeface="+mn-ea"/>
+        <a:cs typeface="+mn-cs"/>
+      </a:defRPr>
+    </a:lvl2pPr>
+    <a:lvl3pPr marL="914400" algn="l" defTabSz="914400" rtl="0" eaLnBrk="1" latinLnBrk="0" hangingPunct="1">
+      <a:defRPr sz="1200" kern="1200">
+        <a:solidFill>
+          <a:schemeClr val="tx1"/>
+        </a:solidFill>
+        <a:latin typeface="+mn-lt"/>
+        <a:ea typeface="+mn-ea"/>
+        <a:cs typeface="+mn-cs"/>
+      </a:defRPr>
+    </a:lvl3pPr>
+    <a:lvl4pPr marL="1371600" algn="l" defTabSz="914400" rtl="0" eaLnBrk="1" latinLnBrk="0" hangingPunct="1">
+      <a:defRPr sz="1200" kern="1200">
+        <a:solidFill>
+          <a:schemeClr val="tx1"/>
+        </a:solidFill>
+        <a:latin typeface="+mn-lt"/>
+        <a:ea typeface="+mn-ea"/>
+        <a:cs typeface="+mn-cs"/>
+      </a:defRPr>
+    </a:lvl4pPr>
+    <a:lvl5pPr marL="1828800" algn="l" defTabSz="914400" rtl="0" eaLnBrk="1" latinLnBrk="0" hangingPunct="1">
+      <a:defRPr sz="1200" kern="1200">
+        <a:solidFill>
+          <a:schemeClr val="tx1"/>
+        </a:solidFill>
+        <a:latin typeface="+mn-lt"/>
+        <a:ea typeface="+mn-ea"/>
+        <a:cs typeface="+mn-cs"/>
+      </a:defRPr>
+    </a:lvl5pPr>
+    <a:lvl6pPr marL="2286000" algn="l" defTabSz="914400" rtl="0" eaLnBrk="1" latinLnBrk="0" hangingPunct="1">
+      <a:defRPr sz="1200" kern="1200">
+        <a:solidFill>
+          <a:schemeClr val="tx1"/>
+        </a:solidFill>
+        <a:latin typeface="+mn-lt"/>
+        <a:ea typeface="+mn-ea"/>
+        <a:cs typeface="+mn-cs"/>
+      </a:defRPr>
+    </a:lvl6pPr>
+    <a:lvl7pPr marL="2743200" algn="l" defTabSz="914400" rtl="0" eaLnBrk="1" latinLnBrk="0" hangingPunct="1">
+      <a:defRPr sz="1200" kern="1200">
+        <a:solidFill>
+          <a:schemeClr val="tx1"/>
+        </a:solidFill>
+        <a:latin typeface="+mn-lt"/>
+        <a:ea typeface="+mn-ea"/>
+        <a:cs typeface="+mn-cs"/>
+      </a:defRPr>
+    </a:lvl7pPr>
+    <a:lvl8pPr marL="3200400" algn="l" defTabSz="914400" rtl="0" eaLnBrk="1" latinLnBrk="0" hangingPunct="1">
+      <a:defRPr sz="1200" kern="1200">
+        <a:solidFill>
+          <a:schemeClr val="tx1"/>
+        </a:solidFill>
+        <a:latin typeface="+mn-lt"/>
+        <a:ea typeface="+mn-ea"/>
+        <a:cs typeface="+mn-cs"/>
+      </a:defRPr>
+    </a:lvl8pPr>
+    <a:lvl9pPr marL="3657600" algn="l" defTabSz="914400" rtl="0" eaLnBrk="1" latinLnBrk="0" hangingPunct="1">
+      <a:defRPr sz="1200" kern="1200">
+        <a:solidFill>
+          <a:schemeClr val="tx1"/>
+        </a:solidFill>
+        <a:latin typeface="+mn-lt"/>
+        <a:ea typeface="+mn-ea"/>
+        <a:cs typeface="+mn-cs"/>
+      </a:defRPr>
+    </a:lvl9pPr>
+  </p:notesStyle>
+</p:notesMaster>
+</file>
+
+<file path=ppt/notesSlides/notesSlide1.xml><?xml version="1.0" encoding="utf-8"?>
+<p:notes xmlns:a="http://schemas.openxmlformats.org/drawingml/2006/main" xmlns:r="http://schemas.openxmlformats.org/officeDocument/2006/relationships" xmlns:p="http://schemas.openxmlformats.org/presentationml/2006/main">
+  <p:cSld>
+    <p:spTree>
+      <p:nvGrpSpPr>
+        <p:cNvPr id="1" name=""/>
+        <p:cNvGrpSpPr/>
+        <p:nvPr/>
+      </p:nvGrpSpPr>
+      <p:grpSpPr>
+        <a:xfrm>
+          <a:off x="0" y="0"/>
+          <a:ext cx="0" cy="0"/>
+          <a:chOff x="0" y="0"/>
+          <a:chExt cx="0" cy="0"/>
+        </a:xfrm>
+      </p:grpSpPr>
+      <p:sp>
+        <p:nvSpPr>
+          <p:cNvPr id="2" name="Slide Image Placeholder 1"/>
+          <p:cNvSpPr>
+            <a:spLocks noGrp="1" noRot="1" noChangeAspect="1"/>
+          </p:cNvSpPr>
+          <p:nvPr>
+            <p:ph type="sldImg"/>
+          </p:nvPr>
+        </p:nvSpPr>
+        <p:spPr/>
+      </p:sp>
+      <p:sp>
+        <p:nvSpPr>
+          <p:cNvPr id="3" name="Notes Placeholder 2"/>
+          <p:cNvSpPr>
+            <a:spLocks noGrp="1"/>
+          </p:cNvSpPr>
+          <p:nvPr>
+            <p:ph type="body" idx="1"/>
+          </p:nvPr>
+        </p:nvSpPr>
+        <p:spPr/>
+        <p:txBody>
+          <a:bodyPr/>
+          <a:lstStyle/>
+          <a:p>
+            <a:r>
+              <a:rPr lang="en-GB" dirty="0"/>
+              <a:t>We are not restricting the game to under 12’s, as by our research its proved that its fairly common for games to be created for this age group, but be commonly played by adults. IE Angry birds, Doodle Jump. Plants vs zombies. </a:t>
+            </a:r>
+          </a:p>
+          <a:p>
+            <a:endParaRPr lang="en-GB" dirty="0"/>
+          </a:p>
+          <a:p>
+            <a:pPr marL="0" marR="0" lvl="0" indent="0" algn="l" defTabSz="914400" rtl="0" eaLnBrk="1" fontAlgn="auto" latinLnBrk="0" hangingPunct="1">
+              <a:lnSpc>
+                <a:spcPct val="100000"/>
+              </a:lnSpc>
+              <a:spcBef>
+                <a:spcPts val="0"/>
+              </a:spcBef>
+              <a:spcAft>
+                <a:spcPts val="0"/>
+              </a:spcAft>
+              <a:buClrTx/>
+              <a:buSzTx/>
+              <a:buFontTx/>
+              <a:buNone/>
+              <a:tabLst/>
+              <a:defRPr/>
+            </a:pPr>
+            <a:r>
+              <a:rPr lang="en-GB" sz="1200" b="0" i="0" u="none" strike="noStrike" kern="1200" baseline="0" dirty="0">
+                <a:solidFill>
+                  <a:schemeClr val="tx1"/>
+                </a:solidFill>
+                <a:latin typeface="+mn-lt"/>
+                <a:ea typeface="+mn-ea"/>
+                <a:cs typeface="+mn-cs"/>
+              </a:rPr>
+              <a:t>What are their interests? 	Looking at the games above it would be competing skill. Through either the timing of a shot or the strategy used to overpower your opponent. Does not have to have violence, although there is a theme of that present. 	</a:t>
+            </a:r>
+          </a:p>
+          <a:p>
+            <a:pPr marL="0" marR="0" lvl="0" indent="0" algn="l" defTabSz="914400" rtl="0" eaLnBrk="1" fontAlgn="auto" latinLnBrk="0" hangingPunct="1">
+              <a:lnSpc>
+                <a:spcPct val="100000"/>
+              </a:lnSpc>
+              <a:spcBef>
+                <a:spcPts val="0"/>
+              </a:spcBef>
+              <a:spcAft>
+                <a:spcPts val="0"/>
+              </a:spcAft>
+              <a:buClrTx/>
+              <a:buSzTx/>
+              <a:buFontTx/>
+              <a:buNone/>
+              <a:tabLst/>
+              <a:defRPr/>
+            </a:pPr>
+            <a:endParaRPr lang="en-GB" sz="1200" b="0" i="0" u="none" strike="noStrike" kern="1200" baseline="0" dirty="0">
+              <a:solidFill>
+                <a:schemeClr val="tx1"/>
+              </a:solidFill>
+              <a:latin typeface="+mn-lt"/>
+              <a:ea typeface="+mn-ea"/>
+              <a:cs typeface="+mn-cs"/>
+            </a:endParaRPr>
+          </a:p>
+          <a:p>
+            <a:pPr marL="0" marR="0" lvl="0" indent="0" algn="l" defTabSz="914400" rtl="0" eaLnBrk="1" fontAlgn="auto" latinLnBrk="0" hangingPunct="1">
+              <a:lnSpc>
+                <a:spcPct val="100000"/>
+              </a:lnSpc>
+              <a:spcBef>
+                <a:spcPts val="0"/>
+              </a:spcBef>
+              <a:spcAft>
+                <a:spcPts val="0"/>
+              </a:spcAft>
+              <a:buClrTx/>
+              <a:buSzTx/>
+              <a:buFontTx/>
+              <a:buNone/>
+              <a:tabLst/>
+              <a:defRPr/>
+            </a:pPr>
+            <a:r>
+              <a:rPr lang="en-GB" sz="1200" b="0" i="0" u="none" strike="noStrike" kern="1200" baseline="0" dirty="0">
+                <a:solidFill>
+                  <a:schemeClr val="tx1"/>
+                </a:solidFill>
+                <a:latin typeface="+mn-lt"/>
+                <a:ea typeface="+mn-ea"/>
+                <a:cs typeface="+mn-cs"/>
+              </a:rPr>
+              <a:t>They Enjoy </a:t>
+            </a:r>
+            <a:r>
+              <a:rPr lang="en-GB" sz="1200" b="0" i="0" u="none" strike="noStrike" kern="1200" baseline="0" dirty="0" err="1">
+                <a:solidFill>
+                  <a:schemeClr val="tx1"/>
+                </a:solidFill>
+                <a:latin typeface="+mn-lt"/>
+                <a:ea typeface="+mn-ea"/>
+                <a:cs typeface="+mn-cs"/>
+              </a:rPr>
+              <a:t>recieivng</a:t>
+            </a:r>
+            <a:r>
+              <a:rPr lang="en-GB" sz="1200" b="0" i="0" u="none" strike="noStrike" kern="1200" baseline="0" dirty="0">
+                <a:solidFill>
+                  <a:schemeClr val="tx1"/>
+                </a:solidFill>
+                <a:latin typeface="+mn-lt"/>
+                <a:ea typeface="+mn-ea"/>
+                <a:cs typeface="+mn-cs"/>
+              </a:rPr>
+              <a:t> rewards as well as beating their opponent. IE Bonus Points. </a:t>
+            </a:r>
+          </a:p>
+          <a:p>
+            <a:pPr marL="0" marR="0" lvl="0" indent="0" algn="l" defTabSz="914400" rtl="0" eaLnBrk="1" fontAlgn="auto" latinLnBrk="0" hangingPunct="1">
+              <a:lnSpc>
+                <a:spcPct val="100000"/>
+              </a:lnSpc>
+              <a:spcBef>
+                <a:spcPts val="0"/>
+              </a:spcBef>
+              <a:spcAft>
+                <a:spcPts val="0"/>
+              </a:spcAft>
+              <a:buClrTx/>
+              <a:buSzTx/>
+              <a:buFontTx/>
+              <a:buNone/>
+              <a:tabLst/>
+              <a:defRPr/>
+            </a:pPr>
+            <a:endParaRPr lang="en-GB" sz="1200" b="0" i="0" u="none" strike="noStrike" kern="1200" baseline="0" dirty="0">
+              <a:solidFill>
+                <a:schemeClr val="tx1"/>
+              </a:solidFill>
+              <a:latin typeface="+mn-lt"/>
+              <a:ea typeface="+mn-ea"/>
+              <a:cs typeface="+mn-cs"/>
+            </a:endParaRPr>
+          </a:p>
+        </p:txBody>
+      </p:sp>
+      <p:sp>
+        <p:nvSpPr>
+          <p:cNvPr id="4" name="Slide Number Placeholder 3"/>
+          <p:cNvSpPr>
+            <a:spLocks noGrp="1"/>
+          </p:cNvSpPr>
+          <p:nvPr>
+            <p:ph type="sldNum" sz="quarter" idx="10"/>
+          </p:nvPr>
+        </p:nvSpPr>
+        <p:spPr/>
+        <p:txBody>
+          <a:bodyPr/>
+          <a:lstStyle/>
+          <a:p>
+            <a:fld id="{E7AF9BD6-B177-4BBB-8BDC-7277F7ECF0D8}" type="slidenum">
+              <a:rPr lang="en-GB" smtClean="0"/>
+              <a:t>7</a:t>
+            </a:fld>
+            <a:endParaRPr lang="en-GB"/>
+          </a:p>
+        </p:txBody>
+      </p:sp>
+    </p:spTree>
+    <p:extLst>
+      <p:ext uri="{BB962C8B-B14F-4D97-AF65-F5344CB8AC3E}">
+        <p14:creationId xmlns:p14="http://schemas.microsoft.com/office/powerpoint/2010/main" val="1071419576"/>
+      </p:ext>
+    </p:extLst>
+  </p:cSld>
+  <p:clrMapOvr>
+    <a:masterClrMapping/>
+  </p:clrMapOvr>
+</p:notes>
+</file>
+
+<file path=ppt/notesSlides/notesSlide2.xml><?xml version="1.0" encoding="utf-8"?>
+<p:notes xmlns:a="http://schemas.openxmlformats.org/drawingml/2006/main" xmlns:r="http://schemas.openxmlformats.org/officeDocument/2006/relationships" xmlns:p="http://schemas.openxmlformats.org/presentationml/2006/main">
+  <p:cSld>
+    <p:spTree>
+      <p:nvGrpSpPr>
+        <p:cNvPr id="1" name=""/>
+        <p:cNvGrpSpPr/>
+        <p:nvPr/>
+      </p:nvGrpSpPr>
+      <p:grpSpPr>
+        <a:xfrm>
+          <a:off x="0" y="0"/>
+          <a:ext cx="0" cy="0"/>
+          <a:chOff x="0" y="0"/>
+          <a:chExt cx="0" cy="0"/>
+        </a:xfrm>
+      </p:grpSpPr>
+      <p:sp>
+        <p:nvSpPr>
+          <p:cNvPr id="2" name="Slide Image Placeholder 1"/>
+          <p:cNvSpPr>
+            <a:spLocks noGrp="1" noRot="1" noChangeAspect="1"/>
+          </p:cNvSpPr>
+          <p:nvPr>
+            <p:ph type="sldImg"/>
+          </p:nvPr>
+        </p:nvSpPr>
+        <p:spPr/>
+      </p:sp>
+      <p:sp>
+        <p:nvSpPr>
+          <p:cNvPr id="3" name="Notes Placeholder 2"/>
+          <p:cNvSpPr>
+            <a:spLocks noGrp="1"/>
+          </p:cNvSpPr>
+          <p:nvPr>
+            <p:ph type="body" idx="1"/>
+          </p:nvPr>
+        </p:nvSpPr>
+        <p:spPr/>
+        <p:txBody>
+          <a:bodyPr/>
+          <a:lstStyle/>
+          <a:p>
+            <a:r>
+              <a:rPr lang="en-GB" dirty="0"/>
+              <a:t>Multiple Games within our genre were play tested by team members,</a:t>
+            </a:r>
+          </a:p>
+        </p:txBody>
+      </p:sp>
+      <p:sp>
+        <p:nvSpPr>
+          <p:cNvPr id="4" name="Slide Number Placeholder 3"/>
+          <p:cNvSpPr>
+            <a:spLocks noGrp="1"/>
+          </p:cNvSpPr>
+          <p:nvPr>
+            <p:ph type="sldNum" sz="quarter" idx="10"/>
+          </p:nvPr>
+        </p:nvSpPr>
+        <p:spPr/>
+        <p:txBody>
+          <a:bodyPr/>
+          <a:lstStyle/>
+          <a:p>
+            <a:fld id="{E7AF9BD6-B177-4BBB-8BDC-7277F7ECF0D8}" type="slidenum">
+              <a:rPr lang="en-GB" smtClean="0"/>
+              <a:t>9</a:t>
+            </a:fld>
+            <a:endParaRPr lang="en-GB"/>
+          </a:p>
+        </p:txBody>
+      </p:sp>
+    </p:spTree>
+    <p:extLst>
+      <p:ext uri="{BB962C8B-B14F-4D97-AF65-F5344CB8AC3E}">
+        <p14:creationId xmlns:p14="http://schemas.microsoft.com/office/powerpoint/2010/main" val="2874236975"/>
+      </p:ext>
+    </p:extLst>
+  </p:cSld>
+  <p:clrMapOvr>
+    <a:masterClrMapping/>
+  </p:clrMapOvr>
+</p:notes>
+</file>
+
 <file path=ppt/slideLayouts/slideLayout1.xml><?xml version="1.0" encoding="utf-8"?>
 <p:sldLayout xmlns:a="http://schemas.openxmlformats.org/drawingml/2006/main" xmlns:r="http://schemas.openxmlformats.org/officeDocument/2006/relationships" xmlns:p="http://schemas.openxmlformats.org/presentationml/2006/main" type="title" preserve="1">
   <p:cSld name="Title Slide">
@@ -314,7 +981,7 @@
           <a:p>
             <a:fld id="{0E520F00-71AE-4099-9421-19B948D8B007}" type="datetimeFigureOut">
               <a:rPr lang="en-GB" smtClean="0"/>
-              <a:t>06/02/2018</a:t>
+              <a:t>07/02/2018</a:t>
             </a:fld>
             <a:endParaRPr lang="en-GB"/>
           </a:p>
@@ -750,7 +1417,7 @@
           <a:p>
             <a:fld id="{0E520F00-71AE-4099-9421-19B948D8B007}" type="datetimeFigureOut">
               <a:rPr lang="en-GB" smtClean="0"/>
-              <a:t>06/02/2018</a:t>
+              <a:t>07/02/2018</a:t>
             </a:fld>
             <a:endParaRPr lang="en-GB"/>
           </a:p>
@@ -1000,7 +1667,7 @@
           <a:p>
             <a:fld id="{0E520F00-71AE-4099-9421-19B948D8B007}" type="datetimeFigureOut">
               <a:rPr lang="en-GB" smtClean="0"/>
-              <a:t>06/02/2018</a:t>
+              <a:t>07/02/2018</a:t>
             </a:fld>
             <a:endParaRPr lang="en-GB"/>
           </a:p>
@@ -1308,7 +1975,7 @@
           <a:p>
             <a:fld id="{0E520F00-71AE-4099-9421-19B948D8B007}" type="datetimeFigureOut">
               <a:rPr lang="en-GB" smtClean="0"/>
-              <a:t>06/02/2018</a:t>
+              <a:t>07/02/2018</a:t>
             </a:fld>
             <a:endParaRPr lang="en-GB"/>
           </a:p>
@@ -1626,7 +2293,7 @@
           <a:p>
             <a:fld id="{0E520F00-71AE-4099-9421-19B948D8B007}" type="datetimeFigureOut">
               <a:rPr lang="en-GB" smtClean="0"/>
-              <a:t>06/02/2018</a:t>
+              <a:t>07/02/2018</a:t>
             </a:fld>
             <a:endParaRPr lang="en-GB"/>
           </a:p>
@@ -1928,7 +2595,7 @@
           <a:p>
             <a:fld id="{0E520F00-71AE-4099-9421-19B948D8B007}" type="datetimeFigureOut">
               <a:rPr lang="en-GB" smtClean="0"/>
-              <a:t>06/02/2018</a:t>
+              <a:t>07/02/2018</a:t>
             </a:fld>
             <a:endParaRPr lang="en-GB"/>
           </a:p>
@@ -2295,7 +2962,7 @@
           <a:p>
             <a:fld id="{0E520F00-71AE-4099-9421-19B948D8B007}" type="datetimeFigureOut">
               <a:rPr lang="en-GB" smtClean="0"/>
-              <a:t>06/02/2018</a:t>
+              <a:t>07/02/2018</a:t>
             </a:fld>
             <a:endParaRPr lang="en-GB"/>
           </a:p>
@@ -2469,7 +3136,7 @@
           <a:p>
             <a:fld id="{0E520F00-71AE-4099-9421-19B948D8B007}" type="datetimeFigureOut">
               <a:rPr lang="en-GB" smtClean="0"/>
-              <a:t>06/02/2018</a:t>
+              <a:t>07/02/2018</a:t>
             </a:fld>
             <a:endParaRPr lang="en-GB"/>
           </a:p>
@@ -2649,7 +3316,7 @@
           <a:p>
             <a:fld id="{0E520F00-71AE-4099-9421-19B948D8B007}" type="datetimeFigureOut">
               <a:rPr lang="en-GB" smtClean="0"/>
-              <a:t>06/02/2018</a:t>
+              <a:t>07/02/2018</a:t>
             </a:fld>
             <a:endParaRPr lang="en-GB"/>
           </a:p>
@@ -2906,7 +3573,7 @@
           <a:p>
             <a:fld id="{0E520F00-71AE-4099-9421-19B948D8B007}" type="datetimeFigureOut">
               <a:rPr lang="en-GB" smtClean="0"/>
-              <a:t>06/02/2018</a:t>
+              <a:t>07/02/2018</a:t>
             </a:fld>
             <a:endParaRPr lang="en-GB"/>
           </a:p>
@@ -3076,7 +3743,7 @@
           <a:p>
             <a:fld id="{0E520F00-71AE-4099-9421-19B948D8B007}" type="datetimeFigureOut">
               <a:rPr lang="en-GB" smtClean="0"/>
-              <a:t>06/02/2018</a:t>
+              <a:t>07/02/2018</a:t>
             </a:fld>
             <a:endParaRPr lang="en-GB"/>
           </a:p>
@@ -3246,7 +3913,7 @@
           <a:p>
             <a:fld id="{0E520F00-71AE-4099-9421-19B948D8B007}" type="datetimeFigureOut">
               <a:rPr lang="en-GB" smtClean="0"/>
-              <a:t>06/02/2018</a:t>
+              <a:t>07/02/2018</a:t>
             </a:fld>
             <a:endParaRPr lang="en-GB"/>
           </a:p>
@@ -3503,7 +4170,7 @@
           <a:p>
             <a:fld id="{0E520F00-71AE-4099-9421-19B948D8B007}" type="datetimeFigureOut">
               <a:rPr lang="en-GB" smtClean="0"/>
-              <a:t>06/02/2018</a:t>
+              <a:t>07/02/2018</a:t>
             </a:fld>
             <a:endParaRPr lang="en-GB"/>
           </a:p>
@@ -3735,7 +4402,7 @@
           <a:p>
             <a:fld id="{0E520F00-71AE-4099-9421-19B948D8B007}" type="datetimeFigureOut">
               <a:rPr lang="en-GB" smtClean="0"/>
-              <a:t>06/02/2018</a:t>
+              <a:t>07/02/2018</a:t>
             </a:fld>
             <a:endParaRPr lang="en-GB"/>
           </a:p>
@@ -4128,7 +4795,7 @@
           <a:p>
             <a:fld id="{0E520F00-71AE-4099-9421-19B948D8B007}" type="datetimeFigureOut">
               <a:rPr lang="en-GB" smtClean="0"/>
-              <a:t>06/02/2018</a:t>
+              <a:t>07/02/2018</a:t>
             </a:fld>
             <a:endParaRPr lang="en-GB"/>
           </a:p>
@@ -4246,7 +4913,7 @@
           <a:p>
             <a:fld id="{0E520F00-71AE-4099-9421-19B948D8B007}" type="datetimeFigureOut">
               <a:rPr lang="en-GB" smtClean="0"/>
-              <a:t>06/02/2018</a:t>
+              <a:t>07/02/2018</a:t>
             </a:fld>
             <a:endParaRPr lang="en-GB"/>
           </a:p>
@@ -4341,7 +5008,7 @@
           <a:p>
             <a:fld id="{0E520F00-71AE-4099-9421-19B948D8B007}" type="datetimeFigureOut">
               <a:rPr lang="en-GB" smtClean="0"/>
-              <a:t>06/02/2018</a:t>
+              <a:t>07/02/2018</a:t>
             </a:fld>
             <a:endParaRPr lang="en-GB"/>
           </a:p>
@@ -4614,7 +5281,7 @@
           <a:p>
             <a:fld id="{0E520F00-71AE-4099-9421-19B948D8B007}" type="datetimeFigureOut">
               <a:rPr lang="en-GB" smtClean="0"/>
-              <a:t>06/02/2018</a:t>
+              <a:t>07/02/2018</a:t>
             </a:fld>
             <a:endParaRPr lang="en-GB"/>
           </a:p>
@@ -4895,7 +5562,7 @@
           <a:p>
             <a:fld id="{0E520F00-71AE-4099-9421-19B948D8B007}" type="datetimeFigureOut">
               <a:rPr lang="en-GB" smtClean="0"/>
-              <a:t>06/02/2018</a:t>
+              <a:t>07/02/2018</a:t>
             </a:fld>
             <a:endParaRPr lang="en-GB"/>
           </a:p>
@@ -5176,7 +5843,7 @@
           <a:p>
             <a:fld id="{0E520F00-71AE-4099-9421-19B948D8B007}" type="datetimeFigureOut">
               <a:rPr lang="en-GB" smtClean="0"/>
-              <a:t>06/02/2018</a:t>
+              <a:t>07/02/2018</a:t>
             </a:fld>
             <a:endParaRPr lang="en-GB"/>
           </a:p>
@@ -5368,7 +6035,7 @@
           <a:p>
             <a:fld id="{0E520F00-71AE-4099-9421-19B948D8B007}" type="datetimeFigureOut">
               <a:rPr lang="en-GB" smtClean="0"/>
-              <a:t>06/02/2018</a:t>
+              <a:t>07/02/2018</a:t>
             </a:fld>
             <a:endParaRPr lang="en-GB"/>
           </a:p>
@@ -5629,7 +6296,7 @@
           <a:p>
             <a:fld id="{0E520F00-71AE-4099-9421-19B948D8B007}" type="datetimeFigureOut">
               <a:rPr lang="en-GB" smtClean="0"/>
-              <a:t>06/02/2018</a:t>
+              <a:t>07/02/2018</a:t>
             </a:fld>
             <a:endParaRPr lang="en-GB"/>
           </a:p>
@@ -6111,7 +6778,7 @@
           <a:p>
             <a:fld id="{0E520F00-71AE-4099-9421-19B948D8B007}" type="datetimeFigureOut">
               <a:rPr lang="en-GB" smtClean="0"/>
-              <a:t>06/02/2018</a:t>
+              <a:t>07/02/2018</a:t>
             </a:fld>
             <a:endParaRPr lang="en-GB"/>
           </a:p>
@@ -6305,7 +6972,7 @@
           <a:p>
             <a:fld id="{0E520F00-71AE-4099-9421-19B948D8B007}" type="datetimeFigureOut">
               <a:rPr lang="en-GB" smtClean="0"/>
-              <a:t>06/02/2018</a:t>
+              <a:t>07/02/2018</a:t>
             </a:fld>
             <a:endParaRPr lang="en-GB"/>
           </a:p>
@@ -6851,7 +7518,7 @@
           <a:p>
             <a:fld id="{0E520F00-71AE-4099-9421-19B948D8B007}" type="datetimeFigureOut">
               <a:rPr lang="en-GB" smtClean="0"/>
-              <a:t>06/02/2018</a:t>
+              <a:t>07/02/2018</a:t>
             </a:fld>
             <a:endParaRPr lang="en-GB"/>
           </a:p>
@@ -7682,7 +8349,7 @@
           <a:p>
             <a:fld id="{0E520F00-71AE-4099-9421-19B948D8B007}" type="datetimeFigureOut">
               <a:rPr lang="en-GB" smtClean="0"/>
-              <a:t>06/02/2018</a:t>
+              <a:t>07/02/2018</a:t>
             </a:fld>
             <a:endParaRPr lang="en-GB"/>
           </a:p>
@@ -7852,7 +8519,7 @@
           <a:p>
             <a:fld id="{0E520F00-71AE-4099-9421-19B948D8B007}" type="datetimeFigureOut">
               <a:rPr lang="en-GB" smtClean="0"/>
-              <a:t>06/02/2018</a:t>
+              <a:t>07/02/2018</a:t>
             </a:fld>
             <a:endParaRPr lang="en-GB"/>
           </a:p>
@@ -8032,7 +8699,7 @@
           <a:p>
             <a:fld id="{0E520F00-71AE-4099-9421-19B948D8B007}" type="datetimeFigureOut">
               <a:rPr lang="en-GB" smtClean="0"/>
-              <a:t>06/02/2018</a:t>
+              <a:t>07/02/2018</a:t>
             </a:fld>
             <a:endParaRPr lang="en-GB"/>
           </a:p>
@@ -8268,7 +8935,7 @@
           <a:p>
             <a:fld id="{0E520F00-71AE-4099-9421-19B948D8B007}" type="datetimeFigureOut">
               <a:rPr lang="en-GB" smtClean="0"/>
-              <a:t>06/02/2018</a:t>
+              <a:t>07/02/2018</a:t>
             </a:fld>
             <a:endParaRPr lang="en-GB"/>
           </a:p>
@@ -8650,7 +9317,7 @@
           <a:p>
             <a:fld id="{0E520F00-71AE-4099-9421-19B948D8B007}" type="datetimeFigureOut">
               <a:rPr lang="en-GB" smtClean="0"/>
-              <a:t>06/02/2018</a:t>
+              <a:t>07/02/2018</a:t>
             </a:fld>
             <a:endParaRPr lang="en-GB"/>
           </a:p>
@@ -8768,7 +9435,7 @@
           <a:p>
             <a:fld id="{0E520F00-71AE-4099-9421-19B948D8B007}" type="datetimeFigureOut">
               <a:rPr lang="en-GB" smtClean="0"/>
-              <a:t>06/02/2018</a:t>
+              <a:t>07/02/2018</a:t>
             </a:fld>
             <a:endParaRPr lang="en-GB"/>
           </a:p>
@@ -8863,7 +9530,7 @@
           <a:p>
             <a:fld id="{0E520F00-71AE-4099-9421-19B948D8B007}" type="datetimeFigureOut">
               <a:rPr lang="en-GB" smtClean="0"/>
-              <a:t>06/02/2018</a:t>
+              <a:t>07/02/2018</a:t>
             </a:fld>
             <a:endParaRPr lang="en-GB"/>
           </a:p>
@@ -9118,7 +9785,7 @@
           <a:p>
             <a:fld id="{0E520F00-71AE-4099-9421-19B948D8B007}" type="datetimeFigureOut">
               <a:rPr lang="en-GB" smtClean="0"/>
-              <a:t>06/02/2018</a:t>
+              <a:t>07/02/2018</a:t>
             </a:fld>
             <a:endParaRPr lang="en-GB"/>
           </a:p>
@@ -9401,7 +10068,7 @@
           <a:p>
             <a:fld id="{0E520F00-71AE-4099-9421-19B948D8B007}" type="datetimeFigureOut">
               <a:rPr lang="en-GB" smtClean="0"/>
-              <a:t>06/02/2018</a:t>
+              <a:t>07/02/2018</a:t>
             </a:fld>
             <a:endParaRPr lang="en-GB"/>
           </a:p>
@@ -9835,7 +10502,7 @@
           <a:p>
             <a:fld id="{0E520F00-71AE-4099-9421-19B948D8B007}" type="datetimeFigureOut">
               <a:rPr lang="en-GB" smtClean="0"/>
-              <a:t>06/02/2018</a:t>
+              <a:t>07/02/2018</a:t>
             </a:fld>
             <a:endParaRPr lang="en-GB"/>
           </a:p>
@@ -10551,7 +11218,7 @@
           <a:p>
             <a:fld id="{0E520F00-71AE-4099-9421-19B948D8B007}" type="datetimeFigureOut">
               <a:rPr lang="en-GB" smtClean="0"/>
-              <a:t>06/02/2018</a:t>
+              <a:t>07/02/2018</a:t>
             </a:fld>
             <a:endParaRPr lang="en-GB"/>
           </a:p>
@@ -11101,37 +11768,11 @@
   <p:cSld>
     <p:bg>
       <p:bgPr>
-        <a:gradFill flip="none" rotWithShape="1">
-          <a:gsLst>
-            <a:gs pos="0">
-              <a:schemeClr val="bg2">
-                <a:lumMod val="40000"/>
-              </a:schemeClr>
-            </a:gs>
-            <a:gs pos="23000">
-              <a:schemeClr val="accent1">
-                <a:lumMod val="77000"/>
-                <a:lumOff val="23000"/>
-              </a:schemeClr>
-            </a:gs>
-            <a:gs pos="69000">
-              <a:schemeClr val="accent1">
-                <a:lumMod val="50000"/>
-                <a:lumOff val="50000"/>
-              </a:schemeClr>
-            </a:gs>
-            <a:gs pos="97000">
-              <a:schemeClr val="accent1">
-                <a:lumMod val="63000"/>
-                <a:lumOff val="37000"/>
-              </a:schemeClr>
-            </a:gs>
-          </a:gsLst>
-          <a:path path="circle">
-            <a:fillToRect l="50000" t="50000" r="50000" b="50000"/>
-          </a:path>
-          <a:tileRect/>
-        </a:gradFill>
+        <a:solidFill>
+          <a:schemeClr val="tx2">
+            <a:lumMod val="50000"/>
+          </a:schemeClr>
+        </a:solidFill>
         <a:effectLst/>
       </p:bgPr>
     </p:bg>
@@ -11281,6 +11922,479 @@
       </p:grpSpPr>
       <p:sp>
         <p:nvSpPr>
+          <p:cNvPr id="15" name="TextBox 14">
+            <a:extLst>
+              <a:ext uri="{FF2B5EF4-FFF2-40B4-BE49-F238E27FC236}">
+                <a16:creationId xmlns:a16="http://schemas.microsoft.com/office/drawing/2014/main" id="{19802398-D859-4025-AA38-30AC5379EB99}"/>
+              </a:ext>
+            </a:extLst>
+          </p:cNvPr>
+          <p:cNvSpPr txBox="1"/>
+          <p:nvPr/>
+        </p:nvSpPr>
+        <p:spPr>
+          <a:xfrm>
+            <a:off x="8772847" y="1552172"/>
+            <a:ext cx="2580952" cy="646331"/>
+          </a:xfrm>
+          <a:prstGeom prst="rect">
+            <a:avLst/>
+          </a:prstGeom>
+          <a:solidFill>
+            <a:schemeClr val="tx1"/>
+          </a:solidFill>
+        </p:spPr>
+        <p:txBody>
+          <a:bodyPr wrap="square" rtlCol="0">
+            <a:spAutoFit/>
+          </a:bodyPr>
+          <a:lstStyle/>
+          <a:p>
+            <a:r>
+              <a:rPr lang="en-GB" dirty="0">
+                <a:solidFill>
+                  <a:schemeClr val="bg1"/>
+                </a:solidFill>
+              </a:rPr>
+              <a:t>Jenga inspired Game</a:t>
+            </a:r>
+          </a:p>
+          <a:p>
+            <a:endParaRPr lang="en-GB" dirty="0">
+              <a:solidFill>
+                <a:schemeClr val="bg1"/>
+              </a:solidFill>
+            </a:endParaRPr>
+          </a:p>
+        </p:txBody>
+      </p:sp>
+      <p:sp>
+        <p:nvSpPr>
+          <p:cNvPr id="2" name="Title 1">
+            <a:extLst>
+              <a:ext uri="{FF2B5EF4-FFF2-40B4-BE49-F238E27FC236}">
+                <a16:creationId xmlns:a16="http://schemas.microsoft.com/office/drawing/2014/main" id="{BE38C30D-8746-4954-BF0C-CEB90A866307}"/>
+              </a:ext>
+            </a:extLst>
+          </p:cNvPr>
+          <p:cNvSpPr>
+            <a:spLocks noGrp="1"/>
+          </p:cNvSpPr>
+          <p:nvPr>
+            <p:ph type="title"/>
+          </p:nvPr>
+        </p:nvSpPr>
+        <p:spPr/>
+        <p:txBody>
+          <a:bodyPr/>
+          <a:lstStyle/>
+          <a:p>
+            <a:r>
+              <a:rPr lang="en-GB" dirty="0"/>
+              <a:t>Alternate Concepts</a:t>
+            </a:r>
+          </a:p>
+        </p:txBody>
+      </p:sp>
+      <p:pic>
+        <p:nvPicPr>
+          <p:cNvPr id="4" name="Picture 3" descr="Untitled - Paint">
+            <a:extLst>
+              <a:ext uri="{FF2B5EF4-FFF2-40B4-BE49-F238E27FC236}">
+                <a16:creationId xmlns:a16="http://schemas.microsoft.com/office/drawing/2014/main" id="{7630E88B-0242-4E23-9129-4B8B6B395BE7}"/>
+              </a:ext>
+            </a:extLst>
+          </p:cNvPr>
+          <p:cNvPicPr/>
+          <p:nvPr/>
+        </p:nvPicPr>
+        <p:blipFill rotWithShape="1">
+          <a:blip r:embed="rId3" cstate="print">
+            <a:extLst>
+              <a:ext uri="{28A0092B-C50C-407E-A947-70E740481C1C}">
+                <a14:useLocalDpi xmlns:a14="http://schemas.microsoft.com/office/drawing/2010/main" val="0"/>
+              </a:ext>
+            </a:extLst>
+          </a:blip>
+          <a:srcRect t="20811" r="2283" b="10762"/>
+          <a:stretch/>
+        </p:blipFill>
+        <p:spPr bwMode="auto">
+          <a:xfrm>
+            <a:off x="482187" y="1585071"/>
+            <a:ext cx="3262787" cy="1500568"/>
+          </a:xfrm>
+          <a:prstGeom prst="rect">
+            <a:avLst/>
+          </a:prstGeom>
+          <a:ln>
+            <a:noFill/>
+          </a:ln>
+          <a:extLst>
+            <a:ext uri="{53640926-AAD7-44D8-BBD7-CCE9431645EC}">
+              <a14:shadowObscured xmlns:a14="http://schemas.microsoft.com/office/drawing/2010/main"/>
+            </a:ext>
+          </a:extLst>
+        </p:spPr>
+      </p:pic>
+      <p:pic>
+        <p:nvPicPr>
+          <p:cNvPr id="5" name="Picture 4" descr="Untitled - Paint">
+            <a:extLst>
+              <a:ext uri="{FF2B5EF4-FFF2-40B4-BE49-F238E27FC236}">
+                <a16:creationId xmlns:a16="http://schemas.microsoft.com/office/drawing/2014/main" id="{548B6AE5-9601-41C7-8811-86261CF87145}"/>
+              </a:ext>
+            </a:extLst>
+          </p:cNvPr>
+          <p:cNvPicPr/>
+          <p:nvPr/>
+        </p:nvPicPr>
+        <p:blipFill rotWithShape="1">
+          <a:blip r:embed="rId4" cstate="print">
+            <a:extLst>
+              <a:ext uri="{28A0092B-C50C-407E-A947-70E740481C1C}">
+                <a14:useLocalDpi xmlns:a14="http://schemas.microsoft.com/office/drawing/2010/main" val="0"/>
+              </a:ext>
+            </a:extLst>
+          </a:blip>
+          <a:srcRect l="8808" t="21127" r="10924" b="30944"/>
+          <a:stretch/>
+        </p:blipFill>
+        <p:spPr bwMode="auto">
+          <a:xfrm>
+            <a:off x="494074" y="3095140"/>
+            <a:ext cx="4062742" cy="1582603"/>
+          </a:xfrm>
+          <a:prstGeom prst="rect">
+            <a:avLst/>
+          </a:prstGeom>
+          <a:ln>
+            <a:noFill/>
+          </a:ln>
+          <a:extLst>
+            <a:ext uri="{53640926-AAD7-44D8-BBD7-CCE9431645EC}">
+              <a14:shadowObscured xmlns:a14="http://schemas.microsoft.com/office/drawing/2010/main"/>
+            </a:ext>
+          </a:extLst>
+        </p:spPr>
+      </p:pic>
+      <p:pic>
+        <p:nvPicPr>
+          <p:cNvPr id="6" name="Picture 5" descr="Untitled - Paint">
+            <a:extLst>
+              <a:ext uri="{FF2B5EF4-FFF2-40B4-BE49-F238E27FC236}">
+                <a16:creationId xmlns:a16="http://schemas.microsoft.com/office/drawing/2014/main" id="{FE71F07F-B1D6-45DC-BC29-D2BDDBA0E839}"/>
+              </a:ext>
+            </a:extLst>
+          </p:cNvPr>
+          <p:cNvPicPr/>
+          <p:nvPr/>
+        </p:nvPicPr>
+        <p:blipFill rotWithShape="1">
+          <a:blip r:embed="rId5" cstate="print">
+            <a:extLst>
+              <a:ext uri="{28A0092B-C50C-407E-A947-70E740481C1C}">
+                <a14:useLocalDpi xmlns:a14="http://schemas.microsoft.com/office/drawing/2010/main" val="0"/>
+              </a:ext>
+            </a:extLst>
+          </a:blip>
+          <a:srcRect l="13627" t="21758" r="16741" b="21169"/>
+          <a:stretch/>
+        </p:blipFill>
+        <p:spPr bwMode="auto">
+          <a:xfrm>
+            <a:off x="5918368" y="1567265"/>
+            <a:ext cx="2981325" cy="1287780"/>
+          </a:xfrm>
+          <a:prstGeom prst="rect">
+            <a:avLst/>
+          </a:prstGeom>
+          <a:ln>
+            <a:noFill/>
+          </a:ln>
+          <a:extLst>
+            <a:ext uri="{53640926-AAD7-44D8-BBD7-CCE9431645EC}">
+              <a14:shadowObscured xmlns:a14="http://schemas.microsoft.com/office/drawing/2010/main"/>
+            </a:ext>
+          </a:extLst>
+        </p:spPr>
+      </p:pic>
+      <p:pic>
+        <p:nvPicPr>
+          <p:cNvPr id="7" name="Picture 6" descr="Untitled - Paint">
+            <a:extLst>
+              <a:ext uri="{FF2B5EF4-FFF2-40B4-BE49-F238E27FC236}">
+                <a16:creationId xmlns:a16="http://schemas.microsoft.com/office/drawing/2014/main" id="{66646304-0910-44A9-BAA3-C96C62A6F927}"/>
+              </a:ext>
+            </a:extLst>
+          </p:cNvPr>
+          <p:cNvPicPr/>
+          <p:nvPr/>
+        </p:nvPicPr>
+        <p:blipFill rotWithShape="1">
+          <a:blip r:embed="rId6" cstate="print">
+            <a:extLst>
+              <a:ext uri="{28A0092B-C50C-407E-A947-70E740481C1C}">
+                <a14:useLocalDpi xmlns:a14="http://schemas.microsoft.com/office/drawing/2010/main" val="0"/>
+              </a:ext>
+            </a:extLst>
+          </a:blip>
+          <a:srcRect l="19942" t="20719" r="12585" b="28093"/>
+          <a:stretch/>
+        </p:blipFill>
+        <p:spPr bwMode="auto">
+          <a:xfrm>
+            <a:off x="543038" y="4687245"/>
+            <a:ext cx="4015900" cy="1677313"/>
+          </a:xfrm>
+          <a:prstGeom prst="rect">
+            <a:avLst/>
+          </a:prstGeom>
+          <a:ln>
+            <a:noFill/>
+          </a:ln>
+          <a:extLst>
+            <a:ext uri="{53640926-AAD7-44D8-BBD7-CCE9431645EC}">
+              <a14:shadowObscured xmlns:a14="http://schemas.microsoft.com/office/drawing/2010/main"/>
+            </a:ext>
+          </a:extLst>
+        </p:spPr>
+      </p:pic>
+      <p:pic>
+        <p:nvPicPr>
+          <p:cNvPr id="8" name="Picture 7">
+            <a:extLst>
+              <a:ext uri="{FF2B5EF4-FFF2-40B4-BE49-F238E27FC236}">
+                <a16:creationId xmlns:a16="http://schemas.microsoft.com/office/drawing/2014/main" id="{70038891-8BD1-4BBB-AB7C-83155649DC62}"/>
+              </a:ext>
+            </a:extLst>
+          </p:cNvPr>
+          <p:cNvPicPr>
+            <a:picLocks noChangeAspect="1"/>
+          </p:cNvPicPr>
+          <p:nvPr/>
+        </p:nvPicPr>
+        <p:blipFill>
+          <a:blip r:embed="rId7"/>
+          <a:stretch>
+            <a:fillRect/>
+          </a:stretch>
+        </p:blipFill>
+        <p:spPr>
+          <a:xfrm>
+            <a:off x="6589686" y="2809538"/>
+            <a:ext cx="4764114" cy="3571825"/>
+          </a:xfrm>
+          <a:prstGeom prst="rect">
+            <a:avLst/>
+          </a:prstGeom>
+        </p:spPr>
+      </p:pic>
+      <p:pic>
+        <p:nvPicPr>
+          <p:cNvPr id="9" name="Picture 8">
+            <a:extLst>
+              <a:ext uri="{FF2B5EF4-FFF2-40B4-BE49-F238E27FC236}">
+                <a16:creationId xmlns:a16="http://schemas.microsoft.com/office/drawing/2014/main" id="{BCA9668D-04A3-4B00-8A6D-47B978DA2C00}"/>
+              </a:ext>
+            </a:extLst>
+          </p:cNvPr>
+          <p:cNvPicPr>
+            <a:picLocks noChangeAspect="1"/>
+          </p:cNvPicPr>
+          <p:nvPr/>
+        </p:nvPicPr>
+        <p:blipFill>
+          <a:blip r:embed="rId8"/>
+          <a:stretch>
+            <a:fillRect/>
+          </a:stretch>
+        </p:blipFill>
+        <p:spPr>
+          <a:xfrm>
+            <a:off x="4558938" y="4543141"/>
+            <a:ext cx="2030748" cy="1866563"/>
+          </a:xfrm>
+          <a:prstGeom prst="rect">
+            <a:avLst/>
+          </a:prstGeom>
+        </p:spPr>
+      </p:pic>
+      <p:pic>
+        <p:nvPicPr>
+          <p:cNvPr id="10" name="Picture 9">
+            <a:extLst>
+              <a:ext uri="{FF2B5EF4-FFF2-40B4-BE49-F238E27FC236}">
+                <a16:creationId xmlns:a16="http://schemas.microsoft.com/office/drawing/2014/main" id="{2E29FE87-48AE-42C1-958A-82CBCD3673EF}"/>
+              </a:ext>
+            </a:extLst>
+          </p:cNvPr>
+          <p:cNvPicPr>
+            <a:picLocks noChangeAspect="1"/>
+          </p:cNvPicPr>
+          <p:nvPr/>
+        </p:nvPicPr>
+        <p:blipFill>
+          <a:blip r:embed="rId9"/>
+          <a:stretch>
+            <a:fillRect/>
+          </a:stretch>
+        </p:blipFill>
+        <p:spPr>
+          <a:xfrm>
+            <a:off x="4569512" y="2855045"/>
+            <a:ext cx="2030748" cy="1676097"/>
+          </a:xfrm>
+          <a:prstGeom prst="rect">
+            <a:avLst/>
+          </a:prstGeom>
+        </p:spPr>
+      </p:pic>
+      <p:pic>
+        <p:nvPicPr>
+          <p:cNvPr id="17" name="Picture 16">
+            <a:extLst>
+              <a:ext uri="{FF2B5EF4-FFF2-40B4-BE49-F238E27FC236}">
+                <a16:creationId xmlns:a16="http://schemas.microsoft.com/office/drawing/2014/main" id="{89E3AA10-A9A5-44A9-A2B1-956C20FE8017}"/>
+              </a:ext>
+            </a:extLst>
+          </p:cNvPr>
+          <p:cNvPicPr>
+            <a:picLocks noChangeAspect="1"/>
+          </p:cNvPicPr>
+          <p:nvPr/>
+        </p:nvPicPr>
+        <p:blipFill>
+          <a:blip r:embed="rId10">
+            <a:extLst>
+              <a:ext uri="{28A0092B-C50C-407E-A947-70E740481C1C}">
+                <a14:useLocalDpi xmlns:a14="http://schemas.microsoft.com/office/drawing/2010/main" val="0"/>
+              </a:ext>
+            </a:extLst>
+          </a:blip>
+          <a:stretch>
+            <a:fillRect/>
+          </a:stretch>
+        </p:blipFill>
+        <p:spPr>
+          <a:xfrm>
+            <a:off x="8772846" y="1976307"/>
+            <a:ext cx="2578832" cy="1219306"/>
+          </a:xfrm>
+          <a:prstGeom prst="rect">
+            <a:avLst/>
+          </a:prstGeom>
+          <a:ln w="38100" cap="sq">
+            <a:solidFill>
+              <a:srgbClr val="000000"/>
+            </a:solidFill>
+            <a:prstDash val="solid"/>
+            <a:miter lim="800000"/>
+          </a:ln>
+          <a:effectLst>
+            <a:outerShdw blurRad="50800" dist="38100" dir="2700000" algn="tl" rotWithShape="0">
+              <a:srgbClr val="000000">
+                <a:alpha val="43000"/>
+              </a:srgbClr>
+            </a:outerShdw>
+          </a:effectLst>
+        </p:spPr>
+      </p:pic>
+      <p:graphicFrame>
+        <p:nvGraphicFramePr>
+          <p:cNvPr id="20" name="Object 19">
+            <a:extLst>
+              <a:ext uri="{FF2B5EF4-FFF2-40B4-BE49-F238E27FC236}">
+                <a16:creationId xmlns:a16="http://schemas.microsoft.com/office/drawing/2014/main" id="{B07C79D1-0BE2-4CBB-BD34-753DBBE55C7B}"/>
+              </a:ext>
+            </a:extLst>
+          </p:cNvPr>
+          <p:cNvGraphicFramePr>
+            <a:graphicFrameLocks noChangeAspect="1"/>
+          </p:cNvGraphicFramePr>
+          <p:nvPr>
+            <p:extLst>
+              <p:ext uri="{D42A27DB-BD31-4B8C-83A1-F6EECF244321}">
+                <p14:modId xmlns:p14="http://schemas.microsoft.com/office/powerpoint/2010/main" val="1084379751"/>
+              </p:ext>
+            </p:extLst>
+          </p:nvPr>
+        </p:nvGraphicFramePr>
+        <p:xfrm>
+          <a:off x="3692375" y="1585071"/>
+          <a:ext cx="2501407" cy="1257975"/>
+        </p:xfrm>
+        <a:graphic>
+          <a:graphicData uri="http://schemas.openxmlformats.org/presentationml/2006/ole">
+            <mc:AlternateContent xmlns:mc="http://schemas.openxmlformats.org/markup-compatibility/2006">
+              <mc:Choice xmlns:v="urn:schemas-microsoft-com:vml" Requires="v">
+                <p:oleObj spid="_x0000_s5122" name="Image" r:id="rId11" imgW="4368240" imgH="2196720" progId="Photoshop.Image.17">
+                  <p:embed/>
+                </p:oleObj>
+              </mc:Choice>
+              <mc:Fallback>
+                <p:oleObj name="Image" r:id="rId11" imgW="4368240" imgH="2196720" progId="Photoshop.Image.17">
+                  <p:embed/>
+                  <p:pic>
+                    <p:nvPicPr>
+                      <p:cNvPr id="0" name=""/>
+                      <p:cNvPicPr/>
+                      <p:nvPr/>
+                    </p:nvPicPr>
+                    <p:blipFill>
+                      <a:blip r:embed="rId12"/>
+                      <a:stretch>
+                        <a:fillRect/>
+                      </a:stretch>
+                    </p:blipFill>
+                    <p:spPr>
+                      <a:xfrm>
+                        <a:off x="3692375" y="1585071"/>
+                        <a:ext cx="2501407" cy="1257975"/>
+                      </a:xfrm>
+                      <a:prstGeom prst="rect">
+                        <a:avLst/>
+                      </a:prstGeom>
+                    </p:spPr>
+                  </p:pic>
+                </p:oleObj>
+              </mc:Fallback>
+            </mc:AlternateContent>
+          </a:graphicData>
+        </a:graphic>
+      </p:graphicFrame>
+    </p:spTree>
+    <p:extLst>
+      <p:ext uri="{BB962C8B-B14F-4D97-AF65-F5344CB8AC3E}">
+        <p14:creationId xmlns:p14="http://schemas.microsoft.com/office/powerpoint/2010/main" val="1632926934"/>
+      </p:ext>
+    </p:extLst>
+  </p:cSld>
+  <p:clrMapOvr>
+    <a:masterClrMapping/>
+  </p:clrMapOvr>
+</p:sld>
+</file>
+
+<file path=ppt/slides/slide11.xml><?xml version="1.0" encoding="utf-8"?>
+<p:sld xmlns:a="http://schemas.openxmlformats.org/drawingml/2006/main" xmlns:r="http://schemas.openxmlformats.org/officeDocument/2006/relationships" xmlns:p="http://schemas.openxmlformats.org/presentationml/2006/main">
+  <p:cSld>
+    <p:spTree>
+      <p:nvGrpSpPr>
+        <p:cNvPr id="1" name=""/>
+        <p:cNvGrpSpPr/>
+        <p:nvPr/>
+      </p:nvGrpSpPr>
+      <p:grpSpPr>
+        <a:xfrm>
+          <a:off x="0" y="0"/>
+          <a:ext cx="0" cy="0"/>
+          <a:chOff x="0" y="0"/>
+          <a:chExt cx="0" cy="0"/>
+        </a:xfrm>
+      </p:grpSpPr>
+      <p:sp>
+        <p:nvSpPr>
           <p:cNvPr id="2" name="Title 1">
             <a:extLst>
               <a:ext uri="{FF2B5EF4-FFF2-40B4-BE49-F238E27FC236}">
@@ -11328,7 +12442,28 @@
           <a:bodyPr/>
           <a:lstStyle/>
           <a:p>
-            <a:endParaRPr lang="en-GB"/>
+            <a:r>
+              <a:rPr lang="en-GB" dirty="0"/>
+              <a:t>Keeping the player immersed </a:t>
+            </a:r>
+          </a:p>
+          <a:p>
+            <a:endParaRPr lang="en-GB" dirty="0"/>
+          </a:p>
+          <a:p>
+            <a:r>
+              <a:rPr lang="en-GB" dirty="0"/>
+              <a:t>Keeping the game balanced  for both players</a:t>
+            </a:r>
+          </a:p>
+          <a:p>
+            <a:endParaRPr lang="en-GB" dirty="0"/>
+          </a:p>
+          <a:p>
+            <a:r>
+              <a:rPr lang="en-GB" dirty="0"/>
+              <a:t>Creating a difficulty to master but easy to understand and play.</a:t>
+            </a:r>
           </a:p>
         </p:txBody>
       </p:sp>
@@ -11345,7 +12480,7 @@
 </p:sld>
 </file>
 
-<file path=ppt/slides/slide11.xml><?xml version="1.0" encoding="utf-8"?>
+<file path=ppt/slides/slide12.xml><?xml version="1.0" encoding="utf-8"?>
 <p:sld xmlns:a="http://schemas.openxmlformats.org/drawingml/2006/main" xmlns:r="http://schemas.openxmlformats.org/officeDocument/2006/relationships" xmlns:p="http://schemas.openxmlformats.org/presentationml/2006/main">
   <p:cSld>
     <p:spTree>
@@ -11425,7 +12560,7 @@
           <p:cNvPr id="2" name="Title 1">
             <a:extLst>
               <a:ext uri="{FF2B5EF4-FFF2-40B4-BE49-F238E27FC236}">
-                <a16:creationId xmlns:a16="http://schemas.microsoft.com/office/drawing/2014/main" id="{CE3C858C-A39A-4674-A79F-97B516DBA765}"/>
+                <a16:creationId xmlns:a16="http://schemas.microsoft.com/office/drawing/2014/main" id="{E783FF7B-F7FD-4754-B82E-AE63D8C35B0F}"/>
               </a:ext>
             </a:extLst>
           </p:cNvPr>
@@ -11443,7 +12578,7 @@
           <a:p>
             <a:r>
               <a:rPr lang="en-GB" dirty="0"/>
-              <a:t>Brief Requirements</a:t>
+              <a:t>The Concept</a:t>
             </a:r>
           </a:p>
         </p:txBody>
@@ -11453,7 +12588,7 @@
           <p:cNvPr id="3" name="Content Placeholder 2">
             <a:extLst>
               <a:ext uri="{FF2B5EF4-FFF2-40B4-BE49-F238E27FC236}">
-                <a16:creationId xmlns:a16="http://schemas.microsoft.com/office/drawing/2014/main" id="{CCE1D293-4879-46C3-807F-B2C5AD1DCD99}"/>
+                <a16:creationId xmlns:a16="http://schemas.microsoft.com/office/drawing/2014/main" id="{49101832-D535-43E0-B578-535A4613FBE6}"/>
               </a:ext>
             </a:extLst>
           </p:cNvPr>
@@ -11469,6 +12604,42 @@
           <a:bodyPr/>
           <a:lstStyle/>
           <a:p>
+            <a:r>
+              <a:rPr lang="en-GB" dirty="0"/>
+              <a:t>Simple tap, aim and shoot.</a:t>
+            </a:r>
+          </a:p>
+          <a:p>
+            <a:r>
+              <a:rPr lang="en-GB" dirty="0"/>
+              <a:t>Beat your opponent to the top.</a:t>
+            </a:r>
+          </a:p>
+          <a:p>
+            <a:r>
+              <a:rPr lang="en-GB" dirty="0"/>
+              <a:t>Don’t run out of time.</a:t>
+            </a:r>
+          </a:p>
+          <a:p>
+            <a:r>
+              <a:rPr lang="en-GB" dirty="0"/>
+              <a:t>Get the most points</a:t>
+            </a:r>
+          </a:p>
+          <a:p>
+            <a:endParaRPr lang="en-GB" dirty="0"/>
+          </a:p>
+          <a:p>
+            <a:r>
+              <a:rPr lang="en-GB" dirty="0"/>
+              <a:t>A pilot bee using a flower to launch to the top of a plant. </a:t>
+            </a:r>
+          </a:p>
+          <a:p>
+            <a:pPr marL="0" indent="0">
+              <a:buNone/>
+            </a:pPr>
             <a:endParaRPr lang="en-GB" dirty="0"/>
           </a:p>
         </p:txBody>
@@ -11476,7 +12647,7 @@
     </p:spTree>
     <p:extLst>
       <p:ext uri="{BB962C8B-B14F-4D97-AF65-F5344CB8AC3E}">
-        <p14:creationId xmlns:p14="http://schemas.microsoft.com/office/powerpoint/2010/main" val="2992699020"/>
+        <p14:creationId xmlns:p14="http://schemas.microsoft.com/office/powerpoint/2010/main" val="4257044477"/>
       </p:ext>
     </p:extLst>
   </p:cSld>
@@ -11508,7 +12679,7 @@
           <p:cNvPr id="2" name="Title 1">
             <a:extLst>
               <a:ext uri="{FF2B5EF4-FFF2-40B4-BE49-F238E27FC236}">
-                <a16:creationId xmlns:a16="http://schemas.microsoft.com/office/drawing/2014/main" id="{79FC9EE2-5642-44D1-B5DE-3044B5F7FC80}"/>
+                <a16:creationId xmlns:a16="http://schemas.microsoft.com/office/drawing/2014/main" id="{9F0179B7-74B2-4AD2-A22E-4ABE7D6EA7E5}"/>
               </a:ext>
             </a:extLst>
           </p:cNvPr>
@@ -11526,40 +12697,201 @@
           <a:p>
             <a:r>
               <a:rPr lang="en-GB" dirty="0"/>
-              <a:t>The Demographic</a:t>
-            </a:r>
-          </a:p>
-        </p:txBody>
-      </p:sp>
-      <p:sp>
-        <p:nvSpPr>
-          <p:cNvPr id="3" name="Content Placeholder 2">
+              <a:t>Concept Sketches</a:t>
+            </a:r>
+          </a:p>
+        </p:txBody>
+      </p:sp>
+      <p:pic>
+        <p:nvPicPr>
+          <p:cNvPr id="4" name="Picture 10" descr="https://scontent-lhr3-1.xx.fbcdn.net/v/t34.0-12/27783364_10155605600882672_1860463156_n.jpg?oh=160bb3a7e5f2500bf092fe0b47e3a715&amp;oe=5A7D4150">
             <a:extLst>
               <a:ext uri="{FF2B5EF4-FFF2-40B4-BE49-F238E27FC236}">
-                <a16:creationId xmlns:a16="http://schemas.microsoft.com/office/drawing/2014/main" id="{4A20420F-F253-4A2A-AA9A-22AA736CA074}"/>
+                <a16:creationId xmlns:a16="http://schemas.microsoft.com/office/drawing/2014/main" id="{7013DF62-6EBE-4CFD-89F0-EBBD15687493}"/>
               </a:ext>
             </a:extLst>
           </p:cNvPr>
-          <p:cNvSpPr>
-            <a:spLocks noGrp="1"/>
-          </p:cNvSpPr>
-          <p:nvPr>
-            <p:ph idx="1"/>
-          </p:nvPr>
-        </p:nvSpPr>
-        <p:spPr/>
-        <p:txBody>
-          <a:bodyPr/>
-          <a:lstStyle/>
-          <a:p>
-            <a:endParaRPr lang="en-GB"/>
-          </a:p>
-        </p:txBody>
-      </p:sp>
+          <p:cNvPicPr>
+            <a:picLocks noChangeAspect="1" noChangeArrowheads="1"/>
+          </p:cNvPicPr>
+          <p:nvPr/>
+        </p:nvPicPr>
+        <p:blipFill rotWithShape="1">
+          <a:blip r:embed="rId2">
+            <a:extLst>
+              <a:ext uri="{28A0092B-C50C-407E-A947-70E740481C1C}">
+                <a14:useLocalDpi xmlns:a14="http://schemas.microsoft.com/office/drawing/2010/main" val="0"/>
+              </a:ext>
+            </a:extLst>
+          </a:blip>
+          <a:srcRect r="14810" b="12417"/>
+          <a:stretch/>
+        </p:blipFill>
+        <p:spPr bwMode="auto">
+          <a:xfrm>
+            <a:off x="704116" y="2404689"/>
+            <a:ext cx="2686784" cy="3682991"/>
+          </a:xfrm>
+          <a:prstGeom prst="rect">
+            <a:avLst/>
+          </a:prstGeom>
+          <a:noFill/>
+          <a:extLst>
+            <a:ext uri="{909E8E84-426E-40DD-AFC4-6F175D3DCCD1}">
+              <a14:hiddenFill xmlns:a14="http://schemas.microsoft.com/office/drawing/2010/main">
+                <a:solidFill>
+                  <a:srgbClr val="FFFFFF"/>
+                </a:solidFill>
+              </a14:hiddenFill>
+            </a:ext>
+          </a:extLst>
+        </p:spPr>
+      </p:pic>
+      <p:pic>
+        <p:nvPicPr>
+          <p:cNvPr id="5" name="Picture 12" descr="https://scontent-lhr3-1.xx.fbcdn.net/v/t34.0-12/27783192_10155605600852672_1238488860_n.jpg?oh=d8c0da8faf67e0b1900669f0b570c9f5&amp;oe=5A7D0CED">
+            <a:extLst>
+              <a:ext uri="{FF2B5EF4-FFF2-40B4-BE49-F238E27FC236}">
+                <a16:creationId xmlns:a16="http://schemas.microsoft.com/office/drawing/2014/main" id="{454CD80F-DEC5-4107-B5D0-0AA3019800EA}"/>
+              </a:ext>
+            </a:extLst>
+          </p:cNvPr>
+          <p:cNvPicPr>
+            <a:picLocks noChangeAspect="1" noChangeArrowheads="1"/>
+          </p:cNvPicPr>
+          <p:nvPr/>
+        </p:nvPicPr>
+        <p:blipFill rotWithShape="1">
+          <a:blip r:embed="rId3">
+            <a:extLst>
+              <a:ext uri="{28A0092B-C50C-407E-A947-70E740481C1C}">
+                <a14:useLocalDpi xmlns:a14="http://schemas.microsoft.com/office/drawing/2010/main" val="0"/>
+              </a:ext>
+            </a:extLst>
+          </a:blip>
+          <a:srcRect t="4607" r="2229" b="49726"/>
+          <a:stretch/>
+        </p:blipFill>
+        <p:spPr bwMode="auto">
+          <a:xfrm>
+            <a:off x="6949431" y="3842312"/>
+            <a:ext cx="3914506" cy="2437876"/>
+          </a:xfrm>
+          <a:prstGeom prst="rect">
+            <a:avLst/>
+          </a:prstGeom>
+          <a:noFill/>
+          <a:extLst>
+            <a:ext uri="{909E8E84-426E-40DD-AFC4-6F175D3DCCD1}">
+              <a14:hiddenFill xmlns:a14="http://schemas.microsoft.com/office/drawing/2010/main">
+                <a:solidFill>
+                  <a:srgbClr val="FFFFFF"/>
+                </a:solidFill>
+              </a14:hiddenFill>
+            </a:ext>
+          </a:extLst>
+        </p:spPr>
+      </p:pic>
+      <p:pic>
+        <p:nvPicPr>
+          <p:cNvPr id="6" name="Picture 8" descr="https://scontent-lhr3-1.xx.fbcdn.net/v/t35.0-12/27906340_10155605601142672_1528588426_o.jpg?oh=1a1c96728f351f83362e27fa77b80a28&amp;oe=5A7D1064">
+            <a:extLst>
+              <a:ext uri="{FF2B5EF4-FFF2-40B4-BE49-F238E27FC236}">
+                <a16:creationId xmlns:a16="http://schemas.microsoft.com/office/drawing/2014/main" id="{4B7DE056-A35C-4A26-A1C9-E521026B54D4}"/>
+              </a:ext>
+            </a:extLst>
+          </p:cNvPr>
+          <p:cNvPicPr>
+            <a:picLocks noChangeAspect="1" noChangeArrowheads="1"/>
+          </p:cNvPicPr>
+          <p:nvPr/>
+        </p:nvPicPr>
+        <p:blipFill rotWithShape="1">
+          <a:blip r:embed="rId4">
+            <a:extLst>
+              <a:ext uri="{28A0092B-C50C-407E-A947-70E740481C1C}">
+                <a14:useLocalDpi xmlns:a14="http://schemas.microsoft.com/office/drawing/2010/main" val="0"/>
+              </a:ext>
+            </a:extLst>
+          </a:blip>
+          <a:srcRect l="4099" t="6015" r="941" b="11023"/>
+          <a:stretch/>
+        </p:blipFill>
+        <p:spPr bwMode="auto">
+          <a:xfrm>
+            <a:off x="2943300" y="3016374"/>
+            <a:ext cx="3724200" cy="2440278"/>
+          </a:xfrm>
+          <a:prstGeom prst="rect">
+            <a:avLst/>
+          </a:prstGeom>
+          <a:noFill/>
+          <a:scene3d>
+            <a:camera prst="orthographicFront">
+              <a:rot lat="0" lon="0" rev="5400000"/>
+            </a:camera>
+            <a:lightRig rig="threePt" dir="t"/>
+          </a:scene3d>
+          <a:extLst>
+            <a:ext uri="{909E8E84-426E-40DD-AFC4-6F175D3DCCD1}">
+              <a14:hiddenFill xmlns:a14="http://schemas.microsoft.com/office/drawing/2010/main">
+                <a:solidFill>
+                  <a:srgbClr val="FFFFFF"/>
+                </a:solidFill>
+              </a14:hiddenFill>
+            </a:ext>
+          </a:extLst>
+        </p:spPr>
+      </p:pic>
+      <p:pic>
+        <p:nvPicPr>
+          <p:cNvPr id="7" name="Picture 6" descr="https://scontent-lhr3-1.xx.fbcdn.net/v/t34.0-12/27781734_10155605600927672_620891607_n.jpg?oh=e9e177698ae9f917e46dc7d3c7944674&amp;oe=5A7D0910">
+            <a:extLst>
+              <a:ext uri="{FF2B5EF4-FFF2-40B4-BE49-F238E27FC236}">
+                <a16:creationId xmlns:a16="http://schemas.microsoft.com/office/drawing/2014/main" id="{DC9F6631-7483-4999-97E0-01A9E10515DC}"/>
+              </a:ext>
+            </a:extLst>
+          </p:cNvPr>
+          <p:cNvPicPr>
+            <a:picLocks noChangeAspect="1" noChangeArrowheads="1"/>
+          </p:cNvPicPr>
+          <p:nvPr/>
+        </p:nvPicPr>
+        <p:blipFill rotWithShape="1">
+          <a:blip r:embed="rId5">
+            <a:extLst>
+              <a:ext uri="{28A0092B-C50C-407E-A947-70E740481C1C}">
+                <a14:useLocalDpi xmlns:a14="http://schemas.microsoft.com/office/drawing/2010/main" val="0"/>
+              </a:ext>
+            </a:extLst>
+          </a:blip>
+          <a:srcRect l="12196" r="3655" b="6206"/>
+          <a:stretch/>
+        </p:blipFill>
+        <p:spPr bwMode="auto">
+          <a:xfrm>
+            <a:off x="7934515" y="365125"/>
+            <a:ext cx="2249138" cy="3342551"/>
+          </a:xfrm>
+          <a:prstGeom prst="rect">
+            <a:avLst/>
+          </a:prstGeom>
+          <a:noFill/>
+          <a:extLst>
+            <a:ext uri="{909E8E84-426E-40DD-AFC4-6F175D3DCCD1}">
+              <a14:hiddenFill xmlns:a14="http://schemas.microsoft.com/office/drawing/2010/main">
+                <a:solidFill>
+                  <a:srgbClr val="FFFFFF"/>
+                </a:solidFill>
+              </a14:hiddenFill>
+            </a:ext>
+          </a:extLst>
+        </p:spPr>
+      </p:pic>
     </p:spTree>
     <p:extLst>
       <p:ext uri="{BB962C8B-B14F-4D97-AF65-F5344CB8AC3E}">
-        <p14:creationId xmlns:p14="http://schemas.microsoft.com/office/powerpoint/2010/main" val="635853567"/>
+        <p14:creationId xmlns:p14="http://schemas.microsoft.com/office/powerpoint/2010/main" val="3408207434"/>
       </p:ext>
     </p:extLst>
   </p:cSld>
@@ -11591,7 +12923,7 @@
           <p:cNvPr id="2" name="Title 1">
             <a:extLst>
               <a:ext uri="{FF2B5EF4-FFF2-40B4-BE49-F238E27FC236}">
-                <a16:creationId xmlns:a16="http://schemas.microsoft.com/office/drawing/2014/main" id="{E783FF7B-F7FD-4754-B82E-AE63D8C35B0F}"/>
+                <a16:creationId xmlns:a16="http://schemas.microsoft.com/office/drawing/2014/main" id="{4E813A38-F3A4-4078-8DF2-EF41972FB908}"/>
               </a:ext>
             </a:extLst>
           </p:cNvPr>
@@ -11609,40 +12941,569 @@
           <a:p>
             <a:r>
               <a:rPr lang="en-GB" dirty="0"/>
-              <a:t>The Concept</a:t>
-            </a:r>
-          </a:p>
-        </p:txBody>
-      </p:sp>
-      <p:sp>
-        <p:nvSpPr>
-          <p:cNvPr id="3" name="Content Placeholder 2">
+              <a:t>Mechanic Concept</a:t>
+            </a:r>
+          </a:p>
+        </p:txBody>
+      </p:sp>
+      <p:pic>
+        <p:nvPicPr>
+          <p:cNvPr id="4" name="Picture 3">
             <a:extLst>
               <a:ext uri="{FF2B5EF4-FFF2-40B4-BE49-F238E27FC236}">
-                <a16:creationId xmlns:a16="http://schemas.microsoft.com/office/drawing/2014/main" id="{49101832-D535-43E0-B578-535A4613FBE6}"/>
+                <a16:creationId xmlns:a16="http://schemas.microsoft.com/office/drawing/2014/main" id="{B6E0C1E7-7FA2-4720-AD1B-D2EA6E3E743C}"/>
               </a:ext>
             </a:extLst>
           </p:cNvPr>
-          <p:cNvSpPr>
-            <a:spLocks noGrp="1"/>
-          </p:cNvSpPr>
-          <p:nvPr>
-            <p:ph idx="1"/>
-          </p:nvPr>
-        </p:nvSpPr>
-        <p:spPr/>
-        <p:txBody>
-          <a:bodyPr/>
-          <a:lstStyle/>
-          <a:p>
-            <a:endParaRPr lang="en-GB"/>
+          <p:cNvPicPr>
+            <a:picLocks noChangeAspect="1"/>
+          </p:cNvPicPr>
+          <p:nvPr/>
+        </p:nvPicPr>
+        <p:blipFill>
+          <a:blip r:embed="rId2"/>
+          <a:stretch>
+            <a:fillRect/>
+          </a:stretch>
+        </p:blipFill>
+        <p:spPr>
+          <a:xfrm>
+            <a:off x="838200" y="2186214"/>
+            <a:ext cx="2542857" cy="3628571"/>
+          </a:xfrm>
+          <a:prstGeom prst="rect">
+            <a:avLst/>
+          </a:prstGeom>
+        </p:spPr>
+      </p:pic>
+      <p:pic>
+        <p:nvPicPr>
+          <p:cNvPr id="8" name="Picture 7">
+            <a:extLst>
+              <a:ext uri="{FF2B5EF4-FFF2-40B4-BE49-F238E27FC236}">
+                <a16:creationId xmlns:a16="http://schemas.microsoft.com/office/drawing/2014/main" id="{969D7E47-D822-468B-9877-DB3F977FFD8E}"/>
+              </a:ext>
+            </a:extLst>
+          </p:cNvPr>
+          <p:cNvPicPr>
+            <a:picLocks noChangeAspect="1"/>
+          </p:cNvPicPr>
+          <p:nvPr/>
+        </p:nvPicPr>
+        <p:blipFill>
+          <a:blip r:embed="rId3">
+            <a:extLst>
+              <a:ext uri="{28A0092B-C50C-407E-A947-70E740481C1C}">
+                <a14:useLocalDpi xmlns:a14="http://schemas.microsoft.com/office/drawing/2010/main" val="0"/>
+              </a:ext>
+            </a:extLst>
+          </a:blip>
+          <a:stretch>
+            <a:fillRect/>
+          </a:stretch>
+        </p:blipFill>
+        <p:spPr>
+          <a:xfrm>
+            <a:off x="8926512" y="2185759"/>
+            <a:ext cx="2543175" cy="3629025"/>
+          </a:xfrm>
+          <a:prstGeom prst="rect">
+            <a:avLst/>
+          </a:prstGeom>
+        </p:spPr>
+      </p:pic>
+      <p:pic>
+        <p:nvPicPr>
+          <p:cNvPr id="10" name="Picture 9">
+            <a:extLst>
+              <a:ext uri="{FF2B5EF4-FFF2-40B4-BE49-F238E27FC236}">
+                <a16:creationId xmlns:a16="http://schemas.microsoft.com/office/drawing/2014/main" id="{391D4C56-E48D-4CB4-95D9-0D62774CDB1E}"/>
+              </a:ext>
+            </a:extLst>
+          </p:cNvPr>
+          <p:cNvPicPr>
+            <a:picLocks noChangeAspect="1"/>
+          </p:cNvPicPr>
+          <p:nvPr/>
+        </p:nvPicPr>
+        <p:blipFill>
+          <a:blip r:embed="rId4">
+            <a:extLst>
+              <a:ext uri="{28A0092B-C50C-407E-A947-70E740481C1C}">
+                <a14:useLocalDpi xmlns:a14="http://schemas.microsoft.com/office/drawing/2010/main" val="0"/>
+              </a:ext>
+            </a:extLst>
+          </a:blip>
+          <a:stretch>
+            <a:fillRect/>
+          </a:stretch>
+        </p:blipFill>
+        <p:spPr>
+          <a:xfrm>
+            <a:off x="4824412" y="2259578"/>
+            <a:ext cx="2543175" cy="3629025"/>
+          </a:xfrm>
+          <a:prstGeom prst="rect">
+            <a:avLst/>
+          </a:prstGeom>
+        </p:spPr>
+      </p:pic>
+      <p:cxnSp>
+        <p:nvCxnSpPr>
+          <p:cNvPr id="18" name="Connector: Curved 17">
+            <a:extLst>
+              <a:ext uri="{FF2B5EF4-FFF2-40B4-BE49-F238E27FC236}">
+                <a16:creationId xmlns:a16="http://schemas.microsoft.com/office/drawing/2014/main" id="{4888F089-CF35-4035-9660-B90185CFA3EA}"/>
+              </a:ext>
+            </a:extLst>
+          </p:cNvPr>
+          <p:cNvCxnSpPr/>
+          <p:nvPr/>
+        </p:nvCxnSpPr>
+        <p:spPr>
+          <a:xfrm rot="10800000" flipV="1">
+            <a:off x="5965031" y="5238749"/>
+            <a:ext cx="95250" cy="59531"/>
+          </a:xfrm>
+          <a:prstGeom prst="curvedConnector3">
+            <a:avLst/>
+          </a:prstGeom>
+          <a:ln>
+            <a:solidFill>
+              <a:schemeClr val="bg1"/>
+            </a:solidFill>
+            <a:tailEnd type="triangle"/>
+          </a:ln>
+        </p:spPr>
+        <p:style>
+          <a:lnRef idx="1">
+            <a:schemeClr val="accent1"/>
+          </a:lnRef>
+          <a:fillRef idx="0">
+            <a:schemeClr val="accent1"/>
+          </a:fillRef>
+          <a:effectRef idx="0">
+            <a:schemeClr val="accent1"/>
+          </a:effectRef>
+          <a:fontRef idx="minor">
+            <a:schemeClr val="tx1"/>
+          </a:fontRef>
+        </p:style>
+      </p:cxnSp>
+      <p:cxnSp>
+        <p:nvCxnSpPr>
+          <p:cNvPr id="19" name="Connector: Curved 18">
+            <a:extLst>
+              <a:ext uri="{FF2B5EF4-FFF2-40B4-BE49-F238E27FC236}">
+                <a16:creationId xmlns:a16="http://schemas.microsoft.com/office/drawing/2014/main" id="{23ED964D-695D-486A-B771-206E55ACD01F}"/>
+              </a:ext>
+            </a:extLst>
+          </p:cNvPr>
+          <p:cNvCxnSpPr>
+            <a:cxnSpLocks/>
+          </p:cNvCxnSpPr>
+          <p:nvPr/>
+        </p:nvCxnSpPr>
+        <p:spPr>
+          <a:xfrm rot="5400000">
+            <a:off x="5824537" y="5376863"/>
+            <a:ext cx="104779" cy="28576"/>
+          </a:xfrm>
+          <a:prstGeom prst="curvedConnector3">
+            <a:avLst/>
+          </a:prstGeom>
+          <a:ln>
+            <a:solidFill>
+              <a:schemeClr val="bg1"/>
+            </a:solidFill>
+            <a:tailEnd type="triangle"/>
+          </a:ln>
+        </p:spPr>
+        <p:style>
+          <a:lnRef idx="1">
+            <a:schemeClr val="accent1"/>
+          </a:lnRef>
+          <a:fillRef idx="0">
+            <a:schemeClr val="accent1"/>
+          </a:fillRef>
+          <a:effectRef idx="0">
+            <a:schemeClr val="accent1"/>
+          </a:effectRef>
+          <a:fontRef idx="minor">
+            <a:schemeClr val="tx1"/>
+          </a:fontRef>
+        </p:style>
+      </p:cxnSp>
+      <p:cxnSp>
+        <p:nvCxnSpPr>
+          <p:cNvPr id="22" name="Connector: Curved 21">
+            <a:extLst>
+              <a:ext uri="{FF2B5EF4-FFF2-40B4-BE49-F238E27FC236}">
+                <a16:creationId xmlns:a16="http://schemas.microsoft.com/office/drawing/2014/main" id="{5AE35905-8504-461C-BFB6-4740829104E6}"/>
+              </a:ext>
+            </a:extLst>
+          </p:cNvPr>
+          <p:cNvCxnSpPr>
+            <a:cxnSpLocks/>
+          </p:cNvCxnSpPr>
+          <p:nvPr/>
+        </p:nvCxnSpPr>
+        <p:spPr>
+          <a:xfrm rot="10800000">
+            <a:off x="6176962" y="5251849"/>
+            <a:ext cx="116682" cy="59528"/>
+          </a:xfrm>
+          <a:prstGeom prst="curvedConnector3">
+            <a:avLst>
+              <a:gd name="adj1" fmla="val 21428"/>
+            </a:avLst>
+          </a:prstGeom>
+          <a:ln>
+            <a:solidFill>
+              <a:schemeClr val="bg1"/>
+            </a:solidFill>
+            <a:tailEnd type="triangle"/>
+          </a:ln>
+        </p:spPr>
+        <p:style>
+          <a:lnRef idx="1">
+            <a:schemeClr val="accent1"/>
+          </a:lnRef>
+          <a:fillRef idx="0">
+            <a:schemeClr val="accent1"/>
+          </a:fillRef>
+          <a:effectRef idx="0">
+            <a:schemeClr val="accent1"/>
+          </a:effectRef>
+          <a:fontRef idx="minor">
+            <a:schemeClr val="tx1"/>
+          </a:fontRef>
+        </p:style>
+      </p:cxnSp>
+      <p:cxnSp>
+        <p:nvCxnSpPr>
+          <p:cNvPr id="26" name="Connector: Curved 25">
+            <a:extLst>
+              <a:ext uri="{FF2B5EF4-FFF2-40B4-BE49-F238E27FC236}">
+                <a16:creationId xmlns:a16="http://schemas.microsoft.com/office/drawing/2014/main" id="{8335241E-1559-4BA5-BA1C-21A227BD0333}"/>
+              </a:ext>
+            </a:extLst>
+          </p:cNvPr>
+          <p:cNvCxnSpPr>
+            <a:cxnSpLocks/>
+          </p:cNvCxnSpPr>
+          <p:nvPr/>
+        </p:nvCxnSpPr>
+        <p:spPr>
+          <a:xfrm rot="16200000" flipV="1">
+            <a:off x="6301980" y="5409010"/>
+            <a:ext cx="126204" cy="42863"/>
+          </a:xfrm>
+          <a:prstGeom prst="curvedConnector3">
+            <a:avLst>
+              <a:gd name="adj1" fmla="val 50000"/>
+            </a:avLst>
+          </a:prstGeom>
+          <a:ln>
+            <a:solidFill>
+              <a:schemeClr val="bg1"/>
+            </a:solidFill>
+            <a:tailEnd type="triangle"/>
+          </a:ln>
+        </p:spPr>
+        <p:style>
+          <a:lnRef idx="1">
+            <a:schemeClr val="accent1"/>
+          </a:lnRef>
+          <a:fillRef idx="0">
+            <a:schemeClr val="accent1"/>
+          </a:fillRef>
+          <a:effectRef idx="0">
+            <a:schemeClr val="accent1"/>
+          </a:effectRef>
+          <a:fontRef idx="minor">
+            <a:schemeClr val="tx1"/>
+          </a:fontRef>
+        </p:style>
+      </p:cxnSp>
+      <p:cxnSp>
+        <p:nvCxnSpPr>
+          <p:cNvPr id="31" name="Connector: Curved 30">
+            <a:extLst>
+              <a:ext uri="{FF2B5EF4-FFF2-40B4-BE49-F238E27FC236}">
+                <a16:creationId xmlns:a16="http://schemas.microsoft.com/office/drawing/2014/main" id="{4456BE75-A905-4173-AFBF-D0AB15920BDB}"/>
+              </a:ext>
+            </a:extLst>
+          </p:cNvPr>
+          <p:cNvCxnSpPr/>
+          <p:nvPr/>
+        </p:nvCxnSpPr>
+        <p:spPr>
+          <a:xfrm rot="5400000" flipH="1" flipV="1">
+            <a:off x="5919787" y="5372102"/>
+            <a:ext cx="97630" cy="88105"/>
+          </a:xfrm>
+          <a:prstGeom prst="curvedConnector3">
+            <a:avLst/>
+          </a:prstGeom>
+          <a:ln>
+            <a:solidFill>
+              <a:schemeClr val="bg1"/>
+            </a:solidFill>
+            <a:tailEnd type="triangle"/>
+          </a:ln>
+        </p:spPr>
+        <p:style>
+          <a:lnRef idx="1">
+            <a:schemeClr val="accent1"/>
+          </a:lnRef>
+          <a:fillRef idx="0">
+            <a:schemeClr val="accent1"/>
+          </a:fillRef>
+          <a:effectRef idx="0">
+            <a:schemeClr val="accent1"/>
+          </a:effectRef>
+          <a:fontRef idx="minor">
+            <a:schemeClr val="tx1"/>
+          </a:fontRef>
+        </p:style>
+      </p:cxnSp>
+      <p:cxnSp>
+        <p:nvCxnSpPr>
+          <p:cNvPr id="32" name="Connector: Curved 31">
+            <a:extLst>
+              <a:ext uri="{FF2B5EF4-FFF2-40B4-BE49-F238E27FC236}">
+                <a16:creationId xmlns:a16="http://schemas.microsoft.com/office/drawing/2014/main" id="{04CBA409-03C4-4214-8FE1-643752F40C7E}"/>
+              </a:ext>
+            </a:extLst>
+          </p:cNvPr>
+          <p:cNvCxnSpPr>
+            <a:cxnSpLocks/>
+          </p:cNvCxnSpPr>
+          <p:nvPr/>
+        </p:nvCxnSpPr>
+        <p:spPr>
+          <a:xfrm flipV="1">
+            <a:off x="6045989" y="5311378"/>
+            <a:ext cx="130972" cy="1"/>
+          </a:xfrm>
+          <a:prstGeom prst="curvedConnector3">
+            <a:avLst>
+              <a:gd name="adj1" fmla="val 50000"/>
+            </a:avLst>
+          </a:prstGeom>
+          <a:ln>
+            <a:solidFill>
+              <a:schemeClr val="bg1"/>
+            </a:solidFill>
+            <a:tailEnd type="triangle"/>
+          </a:ln>
+        </p:spPr>
+        <p:style>
+          <a:lnRef idx="1">
+            <a:schemeClr val="accent1"/>
+          </a:lnRef>
+          <a:fillRef idx="0">
+            <a:schemeClr val="accent1"/>
+          </a:fillRef>
+          <a:effectRef idx="0">
+            <a:schemeClr val="accent1"/>
+          </a:effectRef>
+          <a:fontRef idx="minor">
+            <a:schemeClr val="tx1"/>
+          </a:fontRef>
+        </p:style>
+      </p:cxnSp>
+      <p:cxnSp>
+        <p:nvCxnSpPr>
+          <p:cNvPr id="37" name="Connector: Curved 36">
+            <a:extLst>
+              <a:ext uri="{FF2B5EF4-FFF2-40B4-BE49-F238E27FC236}">
+                <a16:creationId xmlns:a16="http://schemas.microsoft.com/office/drawing/2014/main" id="{5E835BD7-B6E6-4109-8177-8EBA8502D2E2}"/>
+              </a:ext>
+            </a:extLst>
+          </p:cNvPr>
+          <p:cNvCxnSpPr>
+            <a:cxnSpLocks/>
+          </p:cNvCxnSpPr>
+          <p:nvPr/>
+        </p:nvCxnSpPr>
+        <p:spPr>
+          <a:xfrm rot="16200000" flipH="1">
+            <a:off x="6197800" y="5372694"/>
+            <a:ext cx="126205" cy="115493"/>
+          </a:xfrm>
+          <a:prstGeom prst="curvedConnector3">
+            <a:avLst>
+              <a:gd name="adj1" fmla="val 39937"/>
+            </a:avLst>
+          </a:prstGeom>
+          <a:ln>
+            <a:solidFill>
+              <a:schemeClr val="bg1"/>
+            </a:solidFill>
+            <a:tailEnd type="triangle"/>
+          </a:ln>
+        </p:spPr>
+        <p:style>
+          <a:lnRef idx="1">
+            <a:schemeClr val="accent1"/>
+          </a:lnRef>
+          <a:fillRef idx="0">
+            <a:schemeClr val="accent1"/>
+          </a:fillRef>
+          <a:effectRef idx="0">
+            <a:schemeClr val="accent1"/>
+          </a:effectRef>
+          <a:fontRef idx="minor">
+            <a:schemeClr val="tx1"/>
+          </a:fontRef>
+        </p:style>
+      </p:cxnSp>
+      <p:sp>
+        <p:nvSpPr>
+          <p:cNvPr id="40" name="TextBox 39">
+            <a:extLst>
+              <a:ext uri="{FF2B5EF4-FFF2-40B4-BE49-F238E27FC236}">
+                <a16:creationId xmlns:a16="http://schemas.microsoft.com/office/drawing/2014/main" id="{510EE723-AE86-44C3-B59C-98D5F12AA5F5}"/>
+              </a:ext>
+            </a:extLst>
+          </p:cNvPr>
+          <p:cNvSpPr txBox="1"/>
+          <p:nvPr/>
+        </p:nvSpPr>
+        <p:spPr>
+          <a:xfrm>
+            <a:off x="1244600" y="6299200"/>
+            <a:ext cx="1936749" cy="369332"/>
+          </a:xfrm>
+          <a:prstGeom prst="rect">
+            <a:avLst/>
+          </a:prstGeom>
+          <a:noFill/>
+        </p:spPr>
+        <p:txBody>
+          <a:bodyPr wrap="none" rtlCol="0">
+            <a:spAutoFit/>
+          </a:bodyPr>
+          <a:lstStyle/>
+          <a:p>
+            <a:r>
+              <a:rPr lang="en-GB" dirty="0"/>
+              <a:t>Slides Left to right</a:t>
+            </a:r>
+          </a:p>
+        </p:txBody>
+      </p:sp>
+      <p:sp>
+        <p:nvSpPr>
+          <p:cNvPr id="41" name="TextBox 40">
+            <a:extLst>
+              <a:ext uri="{FF2B5EF4-FFF2-40B4-BE49-F238E27FC236}">
+                <a16:creationId xmlns:a16="http://schemas.microsoft.com/office/drawing/2014/main" id="{93E058D4-60AE-42FE-B9FB-BC0F1B80CD7C}"/>
+              </a:ext>
+            </a:extLst>
+          </p:cNvPr>
+          <p:cNvSpPr txBox="1"/>
+          <p:nvPr/>
+        </p:nvSpPr>
+        <p:spPr>
+          <a:xfrm>
+            <a:off x="5181600" y="6388100"/>
+            <a:ext cx="2164695" cy="369332"/>
+          </a:xfrm>
+          <a:prstGeom prst="rect">
+            <a:avLst/>
+          </a:prstGeom>
+          <a:noFill/>
+        </p:spPr>
+        <p:txBody>
+          <a:bodyPr wrap="none" rtlCol="0">
+            <a:spAutoFit/>
+          </a:bodyPr>
+          <a:lstStyle/>
+          <a:p>
+            <a:r>
+              <a:rPr lang="en-GB" dirty="0"/>
+              <a:t>Rotates 180 degrees</a:t>
+            </a:r>
+          </a:p>
+        </p:txBody>
+      </p:sp>
+      <p:sp>
+        <p:nvSpPr>
+          <p:cNvPr id="42" name="TextBox 41">
+            <a:extLst>
+              <a:ext uri="{FF2B5EF4-FFF2-40B4-BE49-F238E27FC236}">
+                <a16:creationId xmlns:a16="http://schemas.microsoft.com/office/drawing/2014/main" id="{07399F75-3167-4D47-AA3A-EE20E73245BC}"/>
+              </a:ext>
+            </a:extLst>
+          </p:cNvPr>
+          <p:cNvSpPr txBox="1"/>
+          <p:nvPr/>
+        </p:nvSpPr>
+        <p:spPr>
+          <a:xfrm>
+            <a:off x="9924626" y="6351130"/>
+            <a:ext cx="546945" cy="369332"/>
+          </a:xfrm>
+          <a:prstGeom prst="rect">
+            <a:avLst/>
+          </a:prstGeom>
+          <a:noFill/>
+        </p:spPr>
+        <p:txBody>
+          <a:bodyPr wrap="none" rtlCol="0">
+            <a:spAutoFit/>
+          </a:bodyPr>
+          <a:lstStyle/>
+          <a:p>
+            <a:r>
+              <a:rPr lang="en-GB" dirty="0"/>
+              <a:t>Fire</a:t>
+            </a:r>
+          </a:p>
+        </p:txBody>
+      </p:sp>
+      <p:sp>
+        <p:nvSpPr>
+          <p:cNvPr id="43" name="TextBox 42">
+            <a:extLst>
+              <a:ext uri="{FF2B5EF4-FFF2-40B4-BE49-F238E27FC236}">
+                <a16:creationId xmlns:a16="http://schemas.microsoft.com/office/drawing/2014/main" id="{AE2D19F2-AB1B-4DE0-9F3F-0430E47B7E3F}"/>
+              </a:ext>
+            </a:extLst>
+          </p:cNvPr>
+          <p:cNvSpPr txBox="1"/>
+          <p:nvPr/>
+        </p:nvSpPr>
+        <p:spPr>
+          <a:xfrm>
+            <a:off x="838200" y="1574675"/>
+            <a:ext cx="2651816" cy="369332"/>
+          </a:xfrm>
+          <a:prstGeom prst="rect">
+            <a:avLst/>
+          </a:prstGeom>
+          <a:noFill/>
+        </p:spPr>
+        <p:txBody>
+          <a:bodyPr wrap="none" rtlCol="0">
+            <a:spAutoFit/>
+          </a:bodyPr>
+          <a:lstStyle/>
+          <a:p>
+            <a:r>
+              <a:rPr lang="en-GB" dirty="0"/>
+              <a:t>A Single Tap at each stage</a:t>
+            </a:r>
           </a:p>
         </p:txBody>
       </p:sp>
     </p:spTree>
     <p:extLst>
       <p:ext uri="{BB962C8B-B14F-4D97-AF65-F5344CB8AC3E}">
-        <p14:creationId xmlns:p14="http://schemas.microsoft.com/office/powerpoint/2010/main" val="4257044477"/>
+        <p14:creationId xmlns:p14="http://schemas.microsoft.com/office/powerpoint/2010/main" val="1146074499"/>
       </p:ext>
     </p:extLst>
   </p:cSld>
@@ -11674,7 +13535,7 @@
           <p:cNvPr id="2" name="Title 1">
             <a:extLst>
               <a:ext uri="{FF2B5EF4-FFF2-40B4-BE49-F238E27FC236}">
-                <a16:creationId xmlns:a16="http://schemas.microsoft.com/office/drawing/2014/main" id="{DA084290-6BC9-46C1-8777-A65B4A4CEC1A}"/>
+                <a16:creationId xmlns:a16="http://schemas.microsoft.com/office/drawing/2014/main" id="{AFBCF69E-0B4D-4EDA-9AAA-D6C8BED7ACE1}"/>
               </a:ext>
             </a:extLst>
           </p:cNvPr>
@@ -11692,7 +13553,7 @@
           <a:p>
             <a:r>
               <a:rPr lang="en-GB" dirty="0"/>
-              <a:t>The Core Game Loop</a:t>
+              <a:t>The Theme</a:t>
             </a:r>
           </a:p>
         </p:txBody>
@@ -11702,7 +13563,7 @@
           <p:cNvPr id="3" name="Content Placeholder 2">
             <a:extLst>
               <a:ext uri="{FF2B5EF4-FFF2-40B4-BE49-F238E27FC236}">
-                <a16:creationId xmlns:a16="http://schemas.microsoft.com/office/drawing/2014/main" id="{88A8764E-DECF-4B34-B731-15F09FD2F8AE}"/>
+                <a16:creationId xmlns:a16="http://schemas.microsoft.com/office/drawing/2014/main" id="{669A7E74-13B6-4A59-B016-A47BFF8C9D82}"/>
               </a:ext>
             </a:extLst>
           </p:cNvPr>
@@ -11718,14 +13579,400 @@
           <a:bodyPr/>
           <a:lstStyle/>
           <a:p>
-            <a:endParaRPr lang="en-GB"/>
-          </a:p>
-        </p:txBody>
-      </p:sp>
+            <a:r>
+              <a:rPr lang="en-GB" dirty="0"/>
+              <a:t>Brightly coloured, Cartoonist characters and objects. </a:t>
+            </a:r>
+          </a:p>
+          <a:p>
+            <a:endParaRPr lang="en-GB" dirty="0"/>
+          </a:p>
+        </p:txBody>
+      </p:sp>
+      <p:pic>
+        <p:nvPicPr>
+          <p:cNvPr id="2050" name="Picture 2" descr="https://scontent-lhr3-1.xx.fbcdn.net/v/t34.0-12/27721208_1655637201149824_266086415_n.jpg?oh=563a508cf3fc2ac7f2e8d81ab4bced2c&amp;oe=5A7C3F57">
+            <a:extLst>
+              <a:ext uri="{FF2B5EF4-FFF2-40B4-BE49-F238E27FC236}">
+                <a16:creationId xmlns:a16="http://schemas.microsoft.com/office/drawing/2014/main" id="{DBD9D187-14C7-46D8-A14A-79824373CCC1}"/>
+              </a:ext>
+            </a:extLst>
+          </p:cNvPr>
+          <p:cNvPicPr>
+            <a:picLocks noChangeAspect="1" noChangeArrowheads="1"/>
+          </p:cNvPicPr>
+          <p:nvPr/>
+        </p:nvPicPr>
+        <p:blipFill rotWithShape="1">
+          <a:blip r:embed="rId2">
+            <a:extLst>
+              <a:ext uri="{28A0092B-C50C-407E-A947-70E740481C1C}">
+                <a14:useLocalDpi xmlns:a14="http://schemas.microsoft.com/office/drawing/2010/main" val="0"/>
+              </a:ext>
+            </a:extLst>
+          </a:blip>
+          <a:srcRect l="18068" t="14375" r="26191" b="11697"/>
+          <a:stretch/>
+        </p:blipFill>
+        <p:spPr bwMode="auto">
+          <a:xfrm>
+            <a:off x="1107872" y="3585085"/>
+            <a:ext cx="1340214" cy="2369968"/>
+          </a:xfrm>
+          <a:prstGeom prst="rect">
+            <a:avLst/>
+          </a:prstGeom>
+          <a:noFill/>
+          <a:extLst>
+            <a:ext uri="{909E8E84-426E-40DD-AFC4-6F175D3DCCD1}">
+              <a14:hiddenFill xmlns:a14="http://schemas.microsoft.com/office/drawing/2010/main">
+                <a:solidFill>
+                  <a:srgbClr val="FFFFFF"/>
+                </a:solidFill>
+              </a14:hiddenFill>
+            </a:ext>
+          </a:extLst>
+        </p:spPr>
+      </p:pic>
+      <p:pic>
+        <p:nvPicPr>
+          <p:cNvPr id="2052" name="Picture 4" descr="https://scontent-lhr3-1.xx.fbcdn.net/v/t34.0-12/27783070_1655637204483157_1532121145_n.jpg?oh=728f5542fb9aa60025004e3576935460&amp;oe=5A7D50D2">
+            <a:extLst>
+              <a:ext uri="{FF2B5EF4-FFF2-40B4-BE49-F238E27FC236}">
+                <a16:creationId xmlns:a16="http://schemas.microsoft.com/office/drawing/2014/main" id="{3E54A6E0-AF75-4B7C-892D-7A39CDCDA621}"/>
+              </a:ext>
+            </a:extLst>
+          </p:cNvPr>
+          <p:cNvPicPr>
+            <a:picLocks noChangeAspect="1" noChangeArrowheads="1"/>
+          </p:cNvPicPr>
+          <p:nvPr/>
+        </p:nvPicPr>
+        <p:blipFill rotWithShape="1">
+          <a:blip r:embed="rId3">
+            <a:extLst>
+              <a:ext uri="{28A0092B-C50C-407E-A947-70E740481C1C}">
+                <a14:useLocalDpi xmlns:a14="http://schemas.microsoft.com/office/drawing/2010/main" val="0"/>
+              </a:ext>
+            </a:extLst>
+          </a:blip>
+          <a:srcRect l="-1" t="19195" r="82507" b="28621"/>
+          <a:stretch/>
+        </p:blipFill>
+        <p:spPr bwMode="auto">
+          <a:xfrm>
+            <a:off x="6664236" y="2944491"/>
+            <a:ext cx="772843" cy="3181124"/>
+          </a:xfrm>
+          <a:prstGeom prst="rect">
+            <a:avLst/>
+          </a:prstGeom>
+          <a:ln w="38100" cap="sq">
+            <a:solidFill>
+              <a:srgbClr val="000000"/>
+            </a:solidFill>
+            <a:prstDash val="solid"/>
+            <a:miter lim="800000"/>
+          </a:ln>
+          <a:effectLst>
+            <a:outerShdw blurRad="50800" dist="38100" dir="2700000" algn="tl" rotWithShape="0">
+              <a:srgbClr val="000000">
+                <a:alpha val="43000"/>
+              </a:srgbClr>
+            </a:outerShdw>
+          </a:effectLst>
+          <a:extLst>
+            <a:ext uri="{909E8E84-426E-40DD-AFC4-6F175D3DCCD1}">
+              <a14:hiddenFill xmlns:a14="http://schemas.microsoft.com/office/drawing/2010/main">
+                <a:solidFill>
+                  <a:srgbClr val="FFFFFF"/>
+                </a:solidFill>
+              </a14:hiddenFill>
+            </a:ext>
+          </a:extLst>
+        </p:spPr>
+      </p:pic>
+      <p:pic>
+        <p:nvPicPr>
+          <p:cNvPr id="7" name="Picture 4" descr="https://scontent-lhr3-1.xx.fbcdn.net/v/t34.0-12/27783070_1655637204483157_1532121145_n.jpg?oh=728f5542fb9aa60025004e3576935460&amp;oe=5A7D50D2">
+            <a:extLst>
+              <a:ext uri="{FF2B5EF4-FFF2-40B4-BE49-F238E27FC236}">
+                <a16:creationId xmlns:a16="http://schemas.microsoft.com/office/drawing/2014/main" id="{6B722F44-444A-49FE-8F66-983EA4D31F64}"/>
+              </a:ext>
+            </a:extLst>
+          </p:cNvPr>
+          <p:cNvPicPr>
+            <a:picLocks noChangeAspect="1" noChangeArrowheads="1"/>
+          </p:cNvPicPr>
+          <p:nvPr/>
+        </p:nvPicPr>
+        <p:blipFill rotWithShape="1">
+          <a:blip r:embed="rId3">
+            <a:extLst>
+              <a:ext uri="{28A0092B-C50C-407E-A947-70E740481C1C}">
+                <a14:useLocalDpi xmlns:a14="http://schemas.microsoft.com/office/drawing/2010/main" val="0"/>
+              </a:ext>
+            </a:extLst>
+          </a:blip>
+          <a:srcRect l="31428" t="29942" r="30357" b="39790"/>
+          <a:stretch/>
+        </p:blipFill>
+        <p:spPr bwMode="auto">
+          <a:xfrm>
+            <a:off x="8260856" y="4236267"/>
+            <a:ext cx="1747158" cy="1845129"/>
+          </a:xfrm>
+          <a:prstGeom prst="rect">
+            <a:avLst/>
+          </a:prstGeom>
+          <a:noFill/>
+          <a:extLst>
+            <a:ext uri="{909E8E84-426E-40DD-AFC4-6F175D3DCCD1}">
+              <a14:hiddenFill xmlns:a14="http://schemas.microsoft.com/office/drawing/2010/main">
+                <a:solidFill>
+                  <a:srgbClr val="FFFFFF"/>
+                </a:solidFill>
+              </a14:hiddenFill>
+            </a:ext>
+          </a:extLst>
+        </p:spPr>
+      </p:pic>
+      <p:pic>
+        <p:nvPicPr>
+          <p:cNvPr id="8" name="Picture 4" descr="https://scontent-lhr3-1.xx.fbcdn.net/v/t34.0-12/27783070_1655637204483157_1532121145_n.jpg?oh=728f5542fb9aa60025004e3576935460&amp;oe=5A7D50D2">
+            <a:extLst>
+              <a:ext uri="{FF2B5EF4-FFF2-40B4-BE49-F238E27FC236}">
+                <a16:creationId xmlns:a16="http://schemas.microsoft.com/office/drawing/2014/main" id="{24CDE4C6-4441-4E21-AF71-FDAF7C3CF8CB}"/>
+              </a:ext>
+            </a:extLst>
+          </p:cNvPr>
+          <p:cNvPicPr>
+            <a:picLocks noChangeAspect="1" noChangeArrowheads="1"/>
+          </p:cNvPicPr>
+          <p:nvPr/>
+        </p:nvPicPr>
+        <p:blipFill rotWithShape="1">
+          <a:blip r:embed="rId3">
+            <a:extLst>
+              <a:ext uri="{28A0092B-C50C-407E-A947-70E740481C1C}">
+                <a14:useLocalDpi xmlns:a14="http://schemas.microsoft.com/office/drawing/2010/main" val="0"/>
+              </a:ext>
+            </a:extLst>
+          </a:blip>
+          <a:srcRect l="79079" t="32154" r="5921" b="56900"/>
+          <a:stretch/>
+        </p:blipFill>
+        <p:spPr bwMode="auto">
+          <a:xfrm>
+            <a:off x="11120858" y="5414165"/>
+            <a:ext cx="685801" cy="667231"/>
+          </a:xfrm>
+          <a:prstGeom prst="rect">
+            <a:avLst/>
+          </a:prstGeom>
+          <a:noFill/>
+          <a:extLst>
+            <a:ext uri="{909E8E84-426E-40DD-AFC4-6F175D3DCCD1}">
+              <a14:hiddenFill xmlns:a14="http://schemas.microsoft.com/office/drawing/2010/main">
+                <a:solidFill>
+                  <a:srgbClr val="FFFFFF"/>
+                </a:solidFill>
+              </a14:hiddenFill>
+            </a:ext>
+          </a:extLst>
+        </p:spPr>
+      </p:pic>
+      <p:sp>
+        <p:nvSpPr>
+          <p:cNvPr id="5" name="TextBox 4">
+            <a:extLst>
+              <a:ext uri="{FF2B5EF4-FFF2-40B4-BE49-F238E27FC236}">
+                <a16:creationId xmlns:a16="http://schemas.microsoft.com/office/drawing/2014/main" id="{6EEC5A85-75EF-4577-BF9E-B44294CCB236}"/>
+              </a:ext>
+            </a:extLst>
+          </p:cNvPr>
+          <p:cNvSpPr txBox="1"/>
+          <p:nvPr/>
+        </p:nvSpPr>
+        <p:spPr>
+          <a:xfrm>
+            <a:off x="2448086" y="6103252"/>
+            <a:ext cx="1340214" cy="369332"/>
+          </a:xfrm>
+          <a:prstGeom prst="rect">
+            <a:avLst/>
+          </a:prstGeom>
+          <a:noFill/>
+        </p:spPr>
+        <p:txBody>
+          <a:bodyPr wrap="square" rtlCol="0">
+            <a:spAutoFit/>
+          </a:bodyPr>
+          <a:lstStyle/>
+          <a:p>
+            <a:pPr algn="ctr"/>
+            <a:r>
+              <a:rPr lang="en-GB" dirty="0"/>
+              <a:t>Bee Pilot</a:t>
+            </a:r>
+          </a:p>
+        </p:txBody>
+      </p:sp>
+      <p:sp>
+        <p:nvSpPr>
+          <p:cNvPr id="6" name="TextBox 5">
+            <a:extLst>
+              <a:ext uri="{FF2B5EF4-FFF2-40B4-BE49-F238E27FC236}">
+                <a16:creationId xmlns:a16="http://schemas.microsoft.com/office/drawing/2014/main" id="{7A750896-FF1B-4ADD-A223-E06139D3ADFC}"/>
+              </a:ext>
+            </a:extLst>
+          </p:cNvPr>
+          <p:cNvSpPr txBox="1"/>
+          <p:nvPr/>
+        </p:nvSpPr>
+        <p:spPr>
+          <a:xfrm>
+            <a:off x="6259369" y="6272529"/>
+            <a:ext cx="1582576" cy="369332"/>
+          </a:xfrm>
+          <a:prstGeom prst="rect">
+            <a:avLst/>
+          </a:prstGeom>
+          <a:noFill/>
+        </p:spPr>
+        <p:txBody>
+          <a:bodyPr wrap="square" rtlCol="0">
+            <a:spAutoFit/>
+          </a:bodyPr>
+          <a:lstStyle/>
+          <a:p>
+            <a:pPr algn="ctr"/>
+            <a:r>
+              <a:rPr lang="en-GB" dirty="0"/>
+              <a:t>Background</a:t>
+            </a:r>
+          </a:p>
+        </p:txBody>
+      </p:sp>
+      <p:sp>
+        <p:nvSpPr>
+          <p:cNvPr id="9" name="TextBox 8">
+            <a:extLst>
+              <a:ext uri="{FF2B5EF4-FFF2-40B4-BE49-F238E27FC236}">
+                <a16:creationId xmlns:a16="http://schemas.microsoft.com/office/drawing/2014/main" id="{714F3C1B-F1C4-441E-9992-282B7DBB51AD}"/>
+              </a:ext>
+            </a:extLst>
+          </p:cNvPr>
+          <p:cNvSpPr txBox="1"/>
+          <p:nvPr/>
+        </p:nvSpPr>
+        <p:spPr>
+          <a:xfrm>
+            <a:off x="8260856" y="6188392"/>
+            <a:ext cx="2152025" cy="369332"/>
+          </a:xfrm>
+          <a:prstGeom prst="rect">
+            <a:avLst/>
+          </a:prstGeom>
+          <a:noFill/>
+        </p:spPr>
+        <p:txBody>
+          <a:bodyPr wrap="square" rtlCol="0">
+            <a:spAutoFit/>
+          </a:bodyPr>
+          <a:lstStyle/>
+          <a:p>
+            <a:r>
+              <a:rPr lang="en-GB" dirty="0"/>
+              <a:t>Flower Launch pad</a:t>
+            </a:r>
+          </a:p>
+        </p:txBody>
+      </p:sp>
+      <p:sp>
+        <p:nvSpPr>
+          <p:cNvPr id="10" name="TextBox 9">
+            <a:extLst>
+              <a:ext uri="{FF2B5EF4-FFF2-40B4-BE49-F238E27FC236}">
+                <a16:creationId xmlns:a16="http://schemas.microsoft.com/office/drawing/2014/main" id="{F480E2B7-EFFD-4621-9758-5FFB002CA38E}"/>
+              </a:ext>
+            </a:extLst>
+          </p:cNvPr>
+          <p:cNvSpPr txBox="1"/>
+          <p:nvPr/>
+        </p:nvSpPr>
+        <p:spPr>
+          <a:xfrm>
+            <a:off x="11028382" y="6272529"/>
+            <a:ext cx="870751" cy="369332"/>
+          </a:xfrm>
+          <a:prstGeom prst="rect">
+            <a:avLst/>
+          </a:prstGeom>
+          <a:noFill/>
+        </p:spPr>
+        <p:txBody>
+          <a:bodyPr wrap="none" rtlCol="0">
+            <a:spAutoFit/>
+          </a:bodyPr>
+          <a:lstStyle/>
+          <a:p>
+            <a:r>
+              <a:rPr lang="en-GB" dirty="0"/>
+              <a:t>Pick up</a:t>
+            </a:r>
+          </a:p>
+        </p:txBody>
+      </p:sp>
+      <p:pic>
+        <p:nvPicPr>
+          <p:cNvPr id="14" name="Picture 4" descr="https://scontent-lhr3-1.xx.fbcdn.net/v/t34.0-12/27781034_1655637214483156_1021286345_n.jpg?oh=fcb7079e564853f6272894431b196bd8&amp;oe=5A7C46F5">
+            <a:extLst>
+              <a:ext uri="{FF2B5EF4-FFF2-40B4-BE49-F238E27FC236}">
+                <a16:creationId xmlns:a16="http://schemas.microsoft.com/office/drawing/2014/main" id="{4A07BFE9-07A5-48B6-A52E-088DE2DD8D80}"/>
+              </a:ext>
+            </a:extLst>
+          </p:cNvPr>
+          <p:cNvPicPr>
+            <a:picLocks noChangeAspect="1" noChangeArrowheads="1"/>
+          </p:cNvPicPr>
+          <p:nvPr/>
+        </p:nvPicPr>
+        <p:blipFill rotWithShape="1">
+          <a:blip r:embed="rId4">
+            <a:extLst>
+              <a:ext uri="{28A0092B-C50C-407E-A947-70E740481C1C}">
+                <a14:useLocalDpi xmlns:a14="http://schemas.microsoft.com/office/drawing/2010/main" val="0"/>
+              </a:ext>
+            </a:extLst>
+          </a:blip>
+          <a:srcRect l="32024" t="14375" r="30119" b="34732"/>
+          <a:stretch/>
+        </p:blipFill>
+        <p:spPr bwMode="auto">
+          <a:xfrm>
+            <a:off x="3674615" y="3585084"/>
+            <a:ext cx="1322192" cy="2369969"/>
+          </a:xfrm>
+          <a:prstGeom prst="rect">
+            <a:avLst/>
+          </a:prstGeom>
+          <a:noFill/>
+          <a:extLst>
+            <a:ext uri="{909E8E84-426E-40DD-AFC4-6F175D3DCCD1}">
+              <a14:hiddenFill xmlns:a14="http://schemas.microsoft.com/office/drawing/2010/main">
+                <a:solidFill>
+                  <a:srgbClr val="FFFFFF"/>
+                </a:solidFill>
+              </a14:hiddenFill>
+            </a:ext>
+          </a:extLst>
+        </p:spPr>
+      </p:pic>
     </p:spTree>
     <p:extLst>
       <p:ext uri="{BB962C8B-B14F-4D97-AF65-F5344CB8AC3E}">
-        <p14:creationId xmlns:p14="http://schemas.microsoft.com/office/powerpoint/2010/main" val="2094043784"/>
+        <p14:creationId xmlns:p14="http://schemas.microsoft.com/office/powerpoint/2010/main" val="2956544879"/>
       </p:ext>
     </p:extLst>
   </p:cSld>
@@ -11757,7 +14004,7 @@
           <p:cNvPr id="2" name="Title 1">
             <a:extLst>
               <a:ext uri="{FF2B5EF4-FFF2-40B4-BE49-F238E27FC236}">
-                <a16:creationId xmlns:a16="http://schemas.microsoft.com/office/drawing/2014/main" id="{AFBCF69E-0B4D-4EDA-9AAA-D6C8BED7ACE1}"/>
+                <a16:creationId xmlns:a16="http://schemas.microsoft.com/office/drawing/2014/main" id="{CE3C858C-A39A-4674-A79F-97B516DBA765}"/>
               </a:ext>
             </a:extLst>
           </p:cNvPr>
@@ -11775,7 +14022,7 @@
           <a:p>
             <a:r>
               <a:rPr lang="en-GB" dirty="0"/>
-              <a:t>The Theme</a:t>
+              <a:t>Meeting the Requirements</a:t>
             </a:r>
           </a:p>
         </p:txBody>
@@ -11785,7 +14032,7 @@
           <p:cNvPr id="3" name="Content Placeholder 2">
             <a:extLst>
               <a:ext uri="{FF2B5EF4-FFF2-40B4-BE49-F238E27FC236}">
-                <a16:creationId xmlns:a16="http://schemas.microsoft.com/office/drawing/2014/main" id="{669A7E74-13B6-4A59-B016-A47BFF8C9D82}"/>
+                <a16:creationId xmlns:a16="http://schemas.microsoft.com/office/drawing/2014/main" id="{CCE1D293-4879-46C3-807F-B2C5AD1DCD99}"/>
               </a:ext>
             </a:extLst>
           </p:cNvPr>
@@ -11801,14 +14048,35 @@
           <a:bodyPr/>
           <a:lstStyle/>
           <a:p>
-            <a:endParaRPr lang="en-GB"/>
+            <a:r>
+              <a:rPr lang="en-GB" dirty="0"/>
+              <a:t>A 2D game using single taps on a device screen. </a:t>
+            </a:r>
+          </a:p>
+          <a:p>
+            <a:r>
+              <a:rPr lang="en-GB" dirty="0"/>
+              <a:t>Each user takes their turn individually on a single device.</a:t>
+            </a:r>
+          </a:p>
+          <a:p>
+            <a:r>
+              <a:rPr lang="en-GB" dirty="0"/>
+              <a:t>The levels are symmetrical, simple and intuitive to learn and understand. </a:t>
+            </a:r>
+          </a:p>
+          <a:p>
+            <a:r>
+              <a:rPr lang="en-GB" dirty="0"/>
+              <a:t>Challenge comes from beating the other player.  </a:t>
+            </a:r>
           </a:p>
         </p:txBody>
       </p:sp>
     </p:spTree>
     <p:extLst>
       <p:ext uri="{BB962C8B-B14F-4D97-AF65-F5344CB8AC3E}">
-        <p14:creationId xmlns:p14="http://schemas.microsoft.com/office/powerpoint/2010/main" val="2956544879"/>
+        <p14:creationId xmlns:p14="http://schemas.microsoft.com/office/powerpoint/2010/main" val="2992699020"/>
       </p:ext>
     </p:extLst>
   </p:cSld>
@@ -11840,7 +14108,7 @@
           <p:cNvPr id="2" name="Title 1">
             <a:extLst>
               <a:ext uri="{FF2B5EF4-FFF2-40B4-BE49-F238E27FC236}">
-                <a16:creationId xmlns:a16="http://schemas.microsoft.com/office/drawing/2014/main" id="{75643F8F-44D2-4AC5-A692-6674E58191CA}"/>
+                <a16:creationId xmlns:a16="http://schemas.microsoft.com/office/drawing/2014/main" id="{79FC9EE2-5642-44D1-B5DE-3044B5F7FC80}"/>
               </a:ext>
             </a:extLst>
           </p:cNvPr>
@@ -11857,10 +14125,9 @@
           <a:lstStyle/>
           <a:p>
             <a:r>
-              <a:rPr lang="en-GB" dirty="0" err="1"/>
-              <a:t>Moodboards</a:t>
-            </a:r>
-            <a:endParaRPr lang="en-GB" dirty="0"/>
+              <a:rPr lang="en-GB" dirty="0"/>
+              <a:t>The Demographic</a:t>
+            </a:r>
           </a:p>
         </p:txBody>
       </p:sp>
@@ -11869,7 +14136,7 @@
           <p:cNvPr id="3" name="Content Placeholder 2">
             <a:extLst>
               <a:ext uri="{FF2B5EF4-FFF2-40B4-BE49-F238E27FC236}">
-                <a16:creationId xmlns:a16="http://schemas.microsoft.com/office/drawing/2014/main" id="{A31FE515-C884-41DF-8A4C-3017C6AF847E}"/>
+                <a16:creationId xmlns:a16="http://schemas.microsoft.com/office/drawing/2014/main" id="{4A20420F-F253-4A2A-AA9A-22AA736CA074}"/>
               </a:ext>
             </a:extLst>
           </p:cNvPr>
@@ -11885,14 +14152,26 @@
           <a:bodyPr/>
           <a:lstStyle/>
           <a:p>
-            <a:endParaRPr lang="en-GB"/>
+            <a:r>
+              <a:rPr lang="en-GB" dirty="0"/>
+              <a:t>Under 12’s </a:t>
+            </a:r>
+          </a:p>
+          <a:p>
+            <a:r>
+              <a:rPr lang="en-GB" dirty="0"/>
+              <a:t>Females </a:t>
+            </a:r>
+          </a:p>
+          <a:p>
+            <a:endParaRPr lang="en-GB" dirty="0"/>
           </a:p>
         </p:txBody>
       </p:sp>
     </p:spTree>
     <p:extLst>
       <p:ext uri="{BB962C8B-B14F-4D97-AF65-F5344CB8AC3E}">
-        <p14:creationId xmlns:p14="http://schemas.microsoft.com/office/powerpoint/2010/main" val="1118623560"/>
+        <p14:creationId xmlns:p14="http://schemas.microsoft.com/office/powerpoint/2010/main" val="635853567"/>
       </p:ext>
     </p:extLst>
   </p:cSld>
@@ -11924,7 +14203,7 @@
           <p:cNvPr id="2" name="Title 1">
             <a:extLst>
               <a:ext uri="{FF2B5EF4-FFF2-40B4-BE49-F238E27FC236}">
-                <a16:creationId xmlns:a16="http://schemas.microsoft.com/office/drawing/2014/main" id="{A1720803-B071-4198-A0AC-8D769B6A8F6C}"/>
+                <a16:creationId xmlns:a16="http://schemas.microsoft.com/office/drawing/2014/main" id="{DA084290-6BC9-46C1-8777-A65B4A4CEC1A}"/>
               </a:ext>
             </a:extLst>
           </p:cNvPr>
@@ -11942,40 +14221,62 @@
           <a:p>
             <a:r>
               <a:rPr lang="en-GB" dirty="0"/>
-              <a:t>Our Research</a:t>
-            </a:r>
-          </a:p>
-        </p:txBody>
-      </p:sp>
-      <p:sp>
-        <p:nvSpPr>
-          <p:cNvPr id="3" name="Content Placeholder 2">
+              <a:t>The Core Game Loop</a:t>
+            </a:r>
+          </a:p>
+        </p:txBody>
+      </p:sp>
+      <p:pic>
+        <p:nvPicPr>
+          <p:cNvPr id="3076" name="Picture 4" descr="https://scontent-lhr3-1.xx.fbcdn.net/v/t35.0-12/27946524_1655675801145964_1372750778_o.png?oh=65d47c4a3ee3ca38e7d057be26e6b436&amp;oe=5A7D4618">
             <a:extLst>
               <a:ext uri="{FF2B5EF4-FFF2-40B4-BE49-F238E27FC236}">
-                <a16:creationId xmlns:a16="http://schemas.microsoft.com/office/drawing/2014/main" id="{AEE70A35-4B0D-4467-B259-A3F3DDC516B7}"/>
+                <a16:creationId xmlns:a16="http://schemas.microsoft.com/office/drawing/2014/main" id="{E4D709A7-FBCE-4B6B-8A71-91198860E9FB}"/>
               </a:ext>
             </a:extLst>
           </p:cNvPr>
-          <p:cNvSpPr>
-            <a:spLocks noGrp="1"/>
-          </p:cNvSpPr>
-          <p:nvPr>
-            <p:ph idx="1"/>
-          </p:nvPr>
-        </p:nvSpPr>
-        <p:spPr/>
-        <p:txBody>
-          <a:bodyPr/>
-          <a:lstStyle/>
-          <a:p>
-            <a:endParaRPr lang="en-GB"/>
-          </a:p>
-        </p:txBody>
-      </p:sp>
+          <p:cNvPicPr>
+            <a:picLocks noChangeAspect="1" noChangeArrowheads="1"/>
+          </p:cNvPicPr>
+          <p:nvPr/>
+        </p:nvPicPr>
+        <p:blipFill>
+          <a:blip r:embed="rId2">
+            <a:extLst>
+              <a:ext uri="{28A0092B-C50C-407E-A947-70E740481C1C}">
+                <a14:useLocalDpi xmlns:a14="http://schemas.microsoft.com/office/drawing/2010/main" val="0"/>
+              </a:ext>
+            </a:extLst>
+          </a:blip>
+          <a:srcRect/>
+          <a:stretch>
+            <a:fillRect/>
+          </a:stretch>
+        </p:blipFill>
+        <p:spPr bwMode="auto">
+          <a:xfrm>
+            <a:off x="1577975" y="1489075"/>
+            <a:ext cx="8201025" cy="4785274"/>
+          </a:xfrm>
+          <a:prstGeom prst="rect">
+            <a:avLst/>
+          </a:prstGeom>
+          <a:noFill/>
+          <a:extLst>
+            <a:ext uri="{909E8E84-426E-40DD-AFC4-6F175D3DCCD1}">
+              <a14:hiddenFill xmlns:a14="http://schemas.microsoft.com/office/drawing/2010/main">
+                <a:solidFill>
+                  <a:srgbClr val="FFFFFF"/>
+                </a:solidFill>
+              </a14:hiddenFill>
+            </a:ext>
+          </a:extLst>
+        </p:spPr>
+      </p:pic>
     </p:spTree>
     <p:extLst>
       <p:ext uri="{BB962C8B-B14F-4D97-AF65-F5344CB8AC3E}">
-        <p14:creationId xmlns:p14="http://schemas.microsoft.com/office/powerpoint/2010/main" val="3796094944"/>
+        <p14:creationId xmlns:p14="http://schemas.microsoft.com/office/powerpoint/2010/main" val="2094043784"/>
       </p:ext>
     </p:extLst>
   </p:cSld>
@@ -12007,7 +14308,7 @@
           <p:cNvPr id="2" name="Title 1">
             <a:extLst>
               <a:ext uri="{FF2B5EF4-FFF2-40B4-BE49-F238E27FC236}">
-                <a16:creationId xmlns:a16="http://schemas.microsoft.com/office/drawing/2014/main" id="{BE38C30D-8746-4954-BF0C-CEB90A866307}"/>
+                <a16:creationId xmlns:a16="http://schemas.microsoft.com/office/drawing/2014/main" id="{A1720803-B071-4198-A0AC-8D769B6A8F6C}"/>
               </a:ext>
             </a:extLst>
           </p:cNvPr>
@@ -12025,40 +14326,131 @@
           <a:p>
             <a:r>
               <a:rPr lang="en-GB" dirty="0"/>
-              <a:t>Research Continued</a:t>
-            </a:r>
-          </a:p>
-        </p:txBody>
-      </p:sp>
-      <p:sp>
-        <p:nvSpPr>
-          <p:cNvPr id="3" name="Content Placeholder 2">
+              <a:t>Our Research</a:t>
+            </a:r>
+          </a:p>
+        </p:txBody>
+      </p:sp>
+      <p:pic>
+        <p:nvPicPr>
+          <p:cNvPr id="4" name="Picture 3">
             <a:extLst>
               <a:ext uri="{FF2B5EF4-FFF2-40B4-BE49-F238E27FC236}">
-                <a16:creationId xmlns:a16="http://schemas.microsoft.com/office/drawing/2014/main" id="{F9B9960E-91C3-4227-BE91-E01160D49A65}"/>
+                <a16:creationId xmlns:a16="http://schemas.microsoft.com/office/drawing/2014/main" id="{2E4408F2-98E9-41C1-B77E-465911A8C79F}"/>
               </a:ext>
             </a:extLst>
           </p:cNvPr>
-          <p:cNvSpPr>
-            <a:spLocks noGrp="1"/>
-          </p:cNvSpPr>
-          <p:nvPr>
-            <p:ph idx="1"/>
-          </p:nvPr>
-        </p:nvSpPr>
-        <p:spPr/>
-        <p:txBody>
-          <a:bodyPr/>
-          <a:lstStyle/>
-          <a:p>
-            <a:endParaRPr lang="en-GB"/>
-          </a:p>
-        </p:txBody>
-      </p:sp>
+          <p:cNvPicPr>
+            <a:picLocks noChangeAspect="1"/>
+          </p:cNvPicPr>
+          <p:nvPr/>
+        </p:nvPicPr>
+        <p:blipFill rotWithShape="1">
+          <a:blip r:embed="rId3"/>
+          <a:srcRect l="17237" t="41666" r="25969" b="37143"/>
+          <a:stretch/>
+        </p:blipFill>
+        <p:spPr>
+          <a:xfrm>
+            <a:off x="587828" y="1502229"/>
+            <a:ext cx="5518873" cy="1812471"/>
+          </a:xfrm>
+          <a:prstGeom prst="rect">
+            <a:avLst/>
+          </a:prstGeom>
+        </p:spPr>
+      </p:pic>
+      <p:pic>
+        <p:nvPicPr>
+          <p:cNvPr id="5" name="Picture 4">
+            <a:extLst>
+              <a:ext uri="{FF2B5EF4-FFF2-40B4-BE49-F238E27FC236}">
+                <a16:creationId xmlns:a16="http://schemas.microsoft.com/office/drawing/2014/main" id="{5DC1734C-4CC5-4F25-8ED3-C6D6C85D325A}"/>
+              </a:ext>
+            </a:extLst>
+          </p:cNvPr>
+          <p:cNvPicPr>
+            <a:picLocks noChangeAspect="1"/>
+          </p:cNvPicPr>
+          <p:nvPr/>
+        </p:nvPicPr>
+        <p:blipFill rotWithShape="1">
+          <a:blip r:embed="rId4"/>
+          <a:srcRect l="17656" t="39287" r="22406" b="39047"/>
+          <a:stretch/>
+        </p:blipFill>
+        <p:spPr>
+          <a:xfrm>
+            <a:off x="587828" y="3314700"/>
+            <a:ext cx="5518873" cy="1756004"/>
+          </a:xfrm>
+          <a:prstGeom prst="rect">
+            <a:avLst/>
+          </a:prstGeom>
+        </p:spPr>
+      </p:pic>
+      <p:pic>
+        <p:nvPicPr>
+          <p:cNvPr id="6" name="Picture 5">
+            <a:extLst>
+              <a:ext uri="{FF2B5EF4-FFF2-40B4-BE49-F238E27FC236}">
+                <a16:creationId xmlns:a16="http://schemas.microsoft.com/office/drawing/2014/main" id="{47C277DB-D52C-40D9-A506-A0237DBD8D3B}"/>
+              </a:ext>
+            </a:extLst>
+          </p:cNvPr>
+          <p:cNvPicPr>
+            <a:picLocks noChangeAspect="1"/>
+          </p:cNvPicPr>
+          <p:nvPr/>
+        </p:nvPicPr>
+        <p:blipFill rotWithShape="1">
+          <a:blip r:embed="rId5"/>
+          <a:srcRect l="17237" t="35910" r="29166" b="44762"/>
+          <a:stretch/>
+        </p:blipFill>
+        <p:spPr>
+          <a:xfrm>
+            <a:off x="6095999" y="1502229"/>
+            <a:ext cx="5693229" cy="1807210"/>
+          </a:xfrm>
+          <a:prstGeom prst="rect">
+            <a:avLst/>
+          </a:prstGeom>
+        </p:spPr>
+      </p:pic>
+      <p:pic>
+        <p:nvPicPr>
+          <p:cNvPr id="7" name="Picture 6">
+            <a:extLst>
+              <a:ext uri="{FF2B5EF4-FFF2-40B4-BE49-F238E27FC236}">
+                <a16:creationId xmlns:a16="http://schemas.microsoft.com/office/drawing/2014/main" id="{9A121614-6038-4A19-BF73-56736337319F}"/>
+              </a:ext>
+            </a:extLst>
+          </p:cNvPr>
+          <p:cNvPicPr>
+            <a:picLocks noChangeAspect="1"/>
+          </p:cNvPicPr>
+          <p:nvPr/>
+        </p:nvPicPr>
+        <p:blipFill rotWithShape="1">
+          <a:blip r:embed="rId6"/>
+          <a:srcRect l="17236" t="37857" r="23873" b="30476"/>
+          <a:stretch/>
+        </p:blipFill>
+        <p:spPr>
+          <a:xfrm>
+            <a:off x="6106701" y="3309438"/>
+            <a:ext cx="5668906" cy="2683147"/>
+          </a:xfrm>
+          <a:prstGeom prst="rect">
+            <a:avLst/>
+          </a:prstGeom>
+        </p:spPr>
+      </p:pic>
     </p:spTree>
     <p:extLst>
       <p:ext uri="{BB962C8B-B14F-4D97-AF65-F5344CB8AC3E}">
-        <p14:creationId xmlns:p14="http://schemas.microsoft.com/office/powerpoint/2010/main" val="1632926934"/>
+        <p14:creationId xmlns:p14="http://schemas.microsoft.com/office/powerpoint/2010/main" val="3796094944"/>
       </p:ext>
     </p:extLst>
   </p:cSld>
@@ -12601,4 +14993,299 @@
     </a:ext>
   </a:extLst>
 </a:theme>
+</file>
+
+<file path=ppt/theme/theme3.xml><?xml version="1.0" encoding="utf-8"?>
+<a:theme xmlns:a="http://schemas.openxmlformats.org/drawingml/2006/main" name="Office Theme">
+  <a:themeElements>
+    <a:clrScheme name="Office">
+      <a:dk1>
+        <a:sysClr val="windowText" lastClr="000000"/>
+      </a:dk1>
+      <a:lt1>
+        <a:sysClr val="window" lastClr="FFFFFF"/>
+      </a:lt1>
+      <a:dk2>
+        <a:srgbClr val="44546A"/>
+      </a:dk2>
+      <a:lt2>
+        <a:srgbClr val="E7E6E6"/>
+      </a:lt2>
+      <a:accent1>
+        <a:srgbClr val="4472C4"/>
+      </a:accent1>
+      <a:accent2>
+        <a:srgbClr val="ED7D31"/>
+      </a:accent2>
+      <a:accent3>
+        <a:srgbClr val="A5A5A5"/>
+      </a:accent3>
+      <a:accent4>
+        <a:srgbClr val="FFC000"/>
+      </a:accent4>
+      <a:accent5>
+        <a:srgbClr val="5B9BD5"/>
+      </a:accent5>
+      <a:accent6>
+        <a:srgbClr val="70AD47"/>
+      </a:accent6>
+      <a:hlink>
+        <a:srgbClr val="0563C1"/>
+      </a:hlink>
+      <a:folHlink>
+        <a:srgbClr val="954F72"/>
+      </a:folHlink>
+    </a:clrScheme>
+    <a:fontScheme name="Office">
+      <a:majorFont>
+        <a:latin typeface="Calibri Light" panose="020F0302020204030204"/>
+        <a:ea typeface=""/>
+        <a:cs typeface=""/>
+        <a:font script="Jpan" typeface="游ゴシック Light"/>
+        <a:font script="Hang" typeface="맑은 고딕"/>
+        <a:font script="Hans" typeface="等线 Light"/>
+        <a:font script="Hant" typeface="新細明體"/>
+        <a:font script="Arab" typeface="Times New Roman"/>
+        <a:font script="Hebr" typeface="Times New Roman"/>
+        <a:font script="Thai" typeface="Angsana New"/>
+        <a:font script="Ethi" typeface="Nyala"/>
+        <a:font script="Beng" typeface="Vrinda"/>
+        <a:font script="Gujr" typeface="Shruti"/>
+        <a:font script="Khmr" typeface="MoolBoran"/>
+        <a:font script="Knda" typeface="Tunga"/>
+        <a:font script="Guru" typeface="Raavi"/>
+        <a:font script="Cans" typeface="Euphemia"/>
+        <a:font script="Cher" typeface="Plantagenet Cherokee"/>
+        <a:font script="Yiii" typeface="Microsoft Yi Baiti"/>
+        <a:font script="Tibt" typeface="Microsoft Himalaya"/>
+        <a:font script="Thaa" typeface="MV Boli"/>
+        <a:font script="Deva" typeface="Mangal"/>
+        <a:font script="Telu" typeface="Gautami"/>
+        <a:font script="Taml" typeface="Latha"/>
+        <a:font script="Syrc" typeface="Estrangelo Edessa"/>
+        <a:font script="Orya" typeface="Kalinga"/>
+        <a:font script="Mlym" typeface="Kartika"/>
+        <a:font script="Laoo" typeface="DokChampa"/>
+        <a:font script="Sinh" typeface="Iskoola Pota"/>
+        <a:font script="Mong" typeface="Mongolian Baiti"/>
+        <a:font script="Viet" typeface="Times New Roman"/>
+        <a:font script="Uigh" typeface="Microsoft Uighur"/>
+        <a:font script="Geor" typeface="Sylfaen"/>
+        <a:font script="Armn" typeface="Arial"/>
+        <a:font script="Bugi" typeface="Leelawadee UI"/>
+        <a:font script="Bopo" typeface="Microsoft JhengHei"/>
+        <a:font script="Java" typeface="Javanese Text"/>
+        <a:font script="Lisu" typeface="Segoe UI"/>
+        <a:font script="Mymr" typeface="Myanmar Text"/>
+        <a:font script="Nkoo" typeface="Ebrima"/>
+        <a:font script="Olck" typeface="Nirmala UI"/>
+        <a:font script="Osma" typeface="Ebrima"/>
+        <a:font script="Phag" typeface="Phagspa"/>
+        <a:font script="Syrn" typeface="Estrangelo Edessa"/>
+        <a:font script="Syrj" typeface="Estrangelo Edessa"/>
+        <a:font script="Syre" typeface="Estrangelo Edessa"/>
+        <a:font script="Sora" typeface="Nirmala UI"/>
+        <a:font script="Tale" typeface="Microsoft Tai Le"/>
+        <a:font script="Talu" typeface="Microsoft New Tai Lue"/>
+        <a:font script="Tfng" typeface="Ebrima"/>
+      </a:majorFont>
+      <a:minorFont>
+        <a:latin typeface="Calibri" panose="020F0502020204030204"/>
+        <a:ea typeface=""/>
+        <a:cs typeface=""/>
+        <a:font script="Jpan" typeface="游ゴシック"/>
+        <a:font script="Hang" typeface="맑은 고딕"/>
+        <a:font script="Hans" typeface="等线"/>
+        <a:font script="Hant" typeface="新細明體"/>
+        <a:font script="Arab" typeface="Arial"/>
+        <a:font script="Hebr" typeface="Arial"/>
+        <a:font script="Thai" typeface="Cordia New"/>
+        <a:font script="Ethi" typeface="Nyala"/>
+        <a:font script="Beng" typeface="Vrinda"/>
+        <a:font script="Gujr" typeface="Shruti"/>
+        <a:font script="Khmr" typeface="DaunPenh"/>
+        <a:font script="Knda" typeface="Tunga"/>
+        <a:font script="Guru" typeface="Raavi"/>
+        <a:font script="Cans" typeface="Euphemia"/>
+        <a:font script="Cher" typeface="Plantagenet Cherokee"/>
+        <a:font script="Yiii" typeface="Microsoft Yi Baiti"/>
+        <a:font script="Tibt" typeface="Microsoft Himalaya"/>
+        <a:font script="Thaa" typeface="MV Boli"/>
+        <a:font script="Deva" typeface="Mangal"/>
+        <a:font script="Telu" typeface="Gautami"/>
+        <a:font script="Taml" typeface="Latha"/>
+        <a:font script="Syrc" typeface="Estrangelo Edessa"/>
+        <a:font script="Orya" typeface="Kalinga"/>
+        <a:font script="Mlym" typeface="Kartika"/>
+        <a:font script="Laoo" typeface="DokChampa"/>
+        <a:font script="Sinh" typeface="Iskoola Pota"/>
+        <a:font script="Mong" typeface="Mongolian Baiti"/>
+        <a:font script="Viet" typeface="Arial"/>
+        <a:font script="Uigh" typeface="Microsoft Uighur"/>
+        <a:font script="Geor" typeface="Sylfaen"/>
+        <a:font script="Armn" typeface="Arial"/>
+        <a:font script="Bugi" typeface="Leelawadee UI"/>
+        <a:font script="Bopo" typeface="Microsoft JhengHei"/>
+        <a:font script="Java" typeface="Javanese Text"/>
+        <a:font script="Lisu" typeface="Segoe UI"/>
+        <a:font script="Mymr" typeface="Myanmar Text"/>
+        <a:font script="Nkoo" typeface="Ebrima"/>
+        <a:font script="Olck" typeface="Nirmala UI"/>
+        <a:font script="Osma" typeface="Ebrima"/>
+        <a:font script="Phag" typeface="Phagspa"/>
+        <a:font script="Syrn" typeface="Estrangelo Edessa"/>
+        <a:font script="Syrj" typeface="Estrangelo Edessa"/>
+        <a:font script="Syre" typeface="Estrangelo Edessa"/>
+        <a:font script="Sora" typeface="Nirmala UI"/>
+        <a:font script="Tale" typeface="Microsoft Tai Le"/>
+        <a:font script="Talu" typeface="Microsoft New Tai Lue"/>
+        <a:font script="Tfng" typeface="Ebrima"/>
+      </a:minorFont>
+    </a:fontScheme>
+    <a:fmtScheme name="Office">
+      <a:fillStyleLst>
+        <a:solidFill>
+          <a:schemeClr val="phClr"/>
+        </a:solidFill>
+        <a:gradFill rotWithShape="1">
+          <a:gsLst>
+            <a:gs pos="0">
+              <a:schemeClr val="phClr">
+                <a:lumMod val="110000"/>
+                <a:satMod val="105000"/>
+                <a:tint val="67000"/>
+              </a:schemeClr>
+            </a:gs>
+            <a:gs pos="50000">
+              <a:schemeClr val="phClr">
+                <a:lumMod val="105000"/>
+                <a:satMod val="103000"/>
+                <a:tint val="73000"/>
+              </a:schemeClr>
+            </a:gs>
+            <a:gs pos="100000">
+              <a:schemeClr val="phClr">
+                <a:lumMod val="105000"/>
+                <a:satMod val="109000"/>
+                <a:tint val="81000"/>
+              </a:schemeClr>
+            </a:gs>
+          </a:gsLst>
+          <a:lin ang="5400000" scaled="0"/>
+        </a:gradFill>
+        <a:gradFill rotWithShape="1">
+          <a:gsLst>
+            <a:gs pos="0">
+              <a:schemeClr val="phClr">
+                <a:satMod val="103000"/>
+                <a:lumMod val="102000"/>
+                <a:tint val="94000"/>
+              </a:schemeClr>
+            </a:gs>
+            <a:gs pos="50000">
+              <a:schemeClr val="phClr">
+                <a:satMod val="110000"/>
+                <a:lumMod val="100000"/>
+                <a:shade val="100000"/>
+              </a:schemeClr>
+            </a:gs>
+            <a:gs pos="100000">
+              <a:schemeClr val="phClr">
+                <a:lumMod val="99000"/>
+                <a:satMod val="120000"/>
+                <a:shade val="78000"/>
+              </a:schemeClr>
+            </a:gs>
+          </a:gsLst>
+          <a:lin ang="5400000" scaled="0"/>
+        </a:gradFill>
+      </a:fillStyleLst>
+      <a:lnStyleLst>
+        <a:ln w="6350" cap="flat" cmpd="sng" algn="ctr">
+          <a:solidFill>
+            <a:schemeClr val="phClr"/>
+          </a:solidFill>
+          <a:prstDash val="solid"/>
+          <a:miter lim="800000"/>
+        </a:ln>
+        <a:ln w="12700" cap="flat" cmpd="sng" algn="ctr">
+          <a:solidFill>
+            <a:schemeClr val="phClr"/>
+          </a:solidFill>
+          <a:prstDash val="solid"/>
+          <a:miter lim="800000"/>
+        </a:ln>
+        <a:ln w="19050" cap="flat" cmpd="sng" algn="ctr">
+          <a:solidFill>
+            <a:schemeClr val="phClr"/>
+          </a:solidFill>
+          <a:prstDash val="solid"/>
+          <a:miter lim="800000"/>
+        </a:ln>
+      </a:lnStyleLst>
+      <a:effectStyleLst>
+        <a:effectStyle>
+          <a:effectLst/>
+        </a:effectStyle>
+        <a:effectStyle>
+          <a:effectLst/>
+        </a:effectStyle>
+        <a:effectStyle>
+          <a:effectLst>
+            <a:outerShdw blurRad="57150" dist="19050" dir="5400000" algn="ctr" rotWithShape="0">
+              <a:srgbClr val="000000">
+                <a:alpha val="63000"/>
+              </a:srgbClr>
+            </a:outerShdw>
+          </a:effectLst>
+        </a:effectStyle>
+      </a:effectStyleLst>
+      <a:bgFillStyleLst>
+        <a:solidFill>
+          <a:schemeClr val="phClr"/>
+        </a:solidFill>
+        <a:solidFill>
+          <a:schemeClr val="phClr">
+            <a:tint val="95000"/>
+            <a:satMod val="170000"/>
+          </a:schemeClr>
+        </a:solidFill>
+        <a:gradFill rotWithShape="1">
+          <a:gsLst>
+            <a:gs pos="0">
+              <a:schemeClr val="phClr">
+                <a:tint val="93000"/>
+                <a:satMod val="150000"/>
+                <a:shade val="98000"/>
+                <a:lumMod val="102000"/>
+              </a:schemeClr>
+            </a:gs>
+            <a:gs pos="50000">
+              <a:schemeClr val="phClr">
+                <a:tint val="98000"/>
+                <a:satMod val="130000"/>
+                <a:shade val="90000"/>
+                <a:lumMod val="103000"/>
+              </a:schemeClr>
+            </a:gs>
+            <a:gs pos="100000">
+              <a:schemeClr val="phClr">
+                <a:shade val="63000"/>
+                <a:satMod val="120000"/>
+              </a:schemeClr>
+            </a:gs>
+          </a:gsLst>
+          <a:lin ang="5400000" scaled="0"/>
+        </a:gradFill>
+      </a:bgFillStyleLst>
+    </a:fmtScheme>
+  </a:themeElements>
+  <a:objectDefaults/>
+  <a:extraClrSchemeLst/>
+  <a:extLst>
+    <a:ext uri="{05A4C25C-085E-4340-85A3-A5531E510DB2}">
+      <thm15:themeFamily xmlns:thm15="http://schemas.microsoft.com/office/thememl/2012/main" name="Office Theme" id="{62F939B6-93AF-4DB8-9C6B-D6C7DFDC589F}" vid="{4A3C46E8-61CC-4603-A589-7422A47A8E4A}"/>
+    </a:ext>
+  </a:extLst>
+</a:theme>
 </file>